--- a/Week 6/Tidy data.pptx
+++ b/Week 6/Tidy data.pptx
@@ -1,56 +1,57 @@
 
 <file path=ppt/presentation.xml><?xml version="1.0" encoding="utf-8"?>
-<p:presentation xmlns:a="http://schemas.openxmlformats.org/drawingml/2006/main" xmlns:r="http://schemas.openxmlformats.org/officeDocument/2006/relationships" xmlns:p="http://schemas.openxmlformats.org/presentationml/2006/main">
+<p:presentation xmlns:a="http://schemas.openxmlformats.org/drawingml/2006/main" xmlns:r="http://schemas.openxmlformats.org/officeDocument/2006/relationships" xmlns:p="http://schemas.openxmlformats.org/presentationml/2006/main" saveSubsetFonts="1">
   <p:sldMasterIdLst>
-    <p:sldMasterId id="2147483648" r:id="rId5"/>
+    <p:sldMasterId id="2147483648" r:id="rId1"/>
   </p:sldMasterIdLst>
   <p:notesMasterIdLst>
-    <p:notesMasterId r:id="rId7"/>
+    <p:notesMasterId r:id="rId46"/>
   </p:notesMasterIdLst>
   <p:sldIdLst>
-    <p:sldId id="256" r:id="rId8"/>
-    <p:sldId id="257" r:id="rId9"/>
-    <p:sldId id="258" r:id="rId10"/>
-    <p:sldId id="259" r:id="rId11"/>
-    <p:sldId id="260" r:id="rId12"/>
-    <p:sldId id="261" r:id="rId13"/>
-    <p:sldId id="262" r:id="rId14"/>
-    <p:sldId id="263" r:id="rId15"/>
-    <p:sldId id="264" r:id="rId16"/>
-    <p:sldId id="265" r:id="rId17"/>
-    <p:sldId id="266" r:id="rId18"/>
-    <p:sldId id="267" r:id="rId19"/>
-    <p:sldId id="268" r:id="rId20"/>
-    <p:sldId id="269" r:id="rId21"/>
-    <p:sldId id="270" r:id="rId22"/>
-    <p:sldId id="271" r:id="rId23"/>
-    <p:sldId id="272" r:id="rId24"/>
-    <p:sldId id="273" r:id="rId25"/>
-    <p:sldId id="274" r:id="rId26"/>
-    <p:sldId id="275" r:id="rId27"/>
-    <p:sldId id="276" r:id="rId28"/>
-    <p:sldId id="277" r:id="rId29"/>
-    <p:sldId id="278" r:id="rId30"/>
-    <p:sldId id="279" r:id="rId31"/>
-    <p:sldId id="280" r:id="rId32"/>
-    <p:sldId id="281" r:id="rId33"/>
-    <p:sldId id="282" r:id="rId34"/>
-    <p:sldId id="283" r:id="rId35"/>
-    <p:sldId id="284" r:id="rId36"/>
-    <p:sldId id="285" r:id="rId37"/>
-    <p:sldId id="286" r:id="rId38"/>
-    <p:sldId id="287" r:id="rId39"/>
-    <p:sldId id="288" r:id="rId40"/>
-    <p:sldId id="289" r:id="rId41"/>
-    <p:sldId id="290" r:id="rId42"/>
-    <p:sldId id="291" r:id="rId43"/>
-    <p:sldId id="292" r:id="rId44"/>
-    <p:sldId id="293" r:id="rId45"/>
-    <p:sldId id="294" r:id="rId46"/>
-    <p:sldId id="295" r:id="rId47"/>
-    <p:sldId id="296" r:id="rId48"/>
-    <p:sldId id="297" r:id="rId49"/>
-    <p:sldId id="298" r:id="rId50"/>
+    <p:sldId id="256" r:id="rId2"/>
+    <p:sldId id="257" r:id="rId3"/>
+    <p:sldId id="258" r:id="rId4"/>
+    <p:sldId id="259" r:id="rId5"/>
+    <p:sldId id="260" r:id="rId6"/>
+    <p:sldId id="261" r:id="rId7"/>
+    <p:sldId id="262" r:id="rId8"/>
+    <p:sldId id="263" r:id="rId9"/>
+    <p:sldId id="264" r:id="rId10"/>
+    <p:sldId id="265" r:id="rId11"/>
+    <p:sldId id="266" r:id="rId12"/>
+    <p:sldId id="267" r:id="rId13"/>
+    <p:sldId id="268" r:id="rId14"/>
+    <p:sldId id="269" r:id="rId15"/>
+    <p:sldId id="270" r:id="rId16"/>
+    <p:sldId id="271" r:id="rId17"/>
+    <p:sldId id="272" r:id="rId18"/>
+    <p:sldId id="273" r:id="rId19"/>
+    <p:sldId id="274" r:id="rId20"/>
+    <p:sldId id="275" r:id="rId21"/>
+    <p:sldId id="276" r:id="rId22"/>
+    <p:sldId id="277" r:id="rId23"/>
+    <p:sldId id="278" r:id="rId24"/>
+    <p:sldId id="279" r:id="rId25"/>
+    <p:sldId id="280" r:id="rId26"/>
+    <p:sldId id="281" r:id="rId27"/>
+    <p:sldId id="282" r:id="rId28"/>
+    <p:sldId id="299" r:id="rId29"/>
+    <p:sldId id="283" r:id="rId30"/>
+    <p:sldId id="284" r:id="rId31"/>
+    <p:sldId id="285" r:id="rId32"/>
+    <p:sldId id="286" r:id="rId33"/>
+    <p:sldId id="287" r:id="rId34"/>
+    <p:sldId id="288" r:id="rId35"/>
+    <p:sldId id="289" r:id="rId36"/>
+    <p:sldId id="290" r:id="rId37"/>
+    <p:sldId id="291" r:id="rId38"/>
+    <p:sldId id="292" r:id="rId39"/>
+    <p:sldId id="293" r:id="rId40"/>
+    <p:sldId id="294" r:id="rId41"/>
+    <p:sldId id="295" r:id="rId42"/>
+    <p:sldId id="296" r:id="rId43"/>
+    <p:sldId id="297" r:id="rId44"/>
+    <p:sldId id="298" r:id="rId45"/>
   </p:sldIdLst>
   <p:sldSz cx="13004800" cy="9753600"/>
   <p:notesSz cx="6858000" cy="9144000"/>
@@ -70,7 +71,7 @@
       <a:buFontTx/>
       <a:buNone/>
       <a:tabLst/>
-      <a:defRPr b="0" baseline="0" cap="none" i="0" spc="0" strike="noStrike" sz="1800" u="none" kumimoji="0" normalizeH="0">
+      <a:defRPr kumimoji="0" sz="1800" b="0" i="0" u="none" strike="noStrike" cap="none" spc="0" normalizeH="0" baseline="0">
         <a:ln>
           <a:noFill/>
         </a:ln>
@@ -96,7 +97,7 @@
       <a:buFontTx/>
       <a:buNone/>
       <a:tabLst/>
-      <a:defRPr b="0" baseline="0" cap="none" i="0" spc="0" strike="noStrike" sz="3600" u="none" kumimoji="0" normalizeH="0">
+      <a:defRPr kumimoji="0" sz="3600" b="0" i="0" u="none" strike="noStrike" cap="none" spc="0" normalizeH="0" baseline="0">
         <a:ln>
           <a:noFill/>
         </a:ln>
@@ -126,7 +127,7 @@
       <a:buFontTx/>
       <a:buNone/>
       <a:tabLst/>
-      <a:defRPr b="0" baseline="0" cap="none" i="0" spc="0" strike="noStrike" sz="3600" u="none" kumimoji="0" normalizeH="0">
+      <a:defRPr kumimoji="0" sz="3600" b="0" i="0" u="none" strike="noStrike" cap="none" spc="0" normalizeH="0" baseline="0">
         <a:ln>
           <a:noFill/>
         </a:ln>
@@ -156,7 +157,7 @@
       <a:buFontTx/>
       <a:buNone/>
       <a:tabLst/>
-      <a:defRPr b="0" baseline="0" cap="none" i="0" spc="0" strike="noStrike" sz="3600" u="none" kumimoji="0" normalizeH="0">
+      <a:defRPr kumimoji="0" sz="3600" b="0" i="0" u="none" strike="noStrike" cap="none" spc="0" normalizeH="0" baseline="0">
         <a:ln>
           <a:noFill/>
         </a:ln>
@@ -186,7 +187,7 @@
       <a:buFontTx/>
       <a:buNone/>
       <a:tabLst/>
-      <a:defRPr b="0" baseline="0" cap="none" i="0" spc="0" strike="noStrike" sz="3600" u="none" kumimoji="0" normalizeH="0">
+      <a:defRPr kumimoji="0" sz="3600" b="0" i="0" u="none" strike="noStrike" cap="none" spc="0" normalizeH="0" baseline="0">
         <a:ln>
           <a:noFill/>
         </a:ln>
@@ -216,7 +217,7 @@
       <a:buFontTx/>
       <a:buNone/>
       <a:tabLst/>
-      <a:defRPr b="0" baseline="0" cap="none" i="0" spc="0" strike="noStrike" sz="3600" u="none" kumimoji="0" normalizeH="0">
+      <a:defRPr kumimoji="0" sz="3600" b="0" i="0" u="none" strike="noStrike" cap="none" spc="0" normalizeH="0" baseline="0">
         <a:ln>
           <a:noFill/>
         </a:ln>
@@ -246,7 +247,7 @@
       <a:buFontTx/>
       <a:buNone/>
       <a:tabLst/>
-      <a:defRPr b="0" baseline="0" cap="none" i="0" spc="0" strike="noStrike" sz="3600" u="none" kumimoji="0" normalizeH="0">
+      <a:defRPr kumimoji="0" sz="3600" b="0" i="0" u="none" strike="noStrike" cap="none" spc="0" normalizeH="0" baseline="0">
         <a:ln>
           <a:noFill/>
         </a:ln>
@@ -276,7 +277,7 @@
       <a:buFontTx/>
       <a:buNone/>
       <a:tabLst/>
-      <a:defRPr b="0" baseline="0" cap="none" i="0" spc="0" strike="noStrike" sz="3600" u="none" kumimoji="0" normalizeH="0">
+      <a:defRPr kumimoji="0" sz="3600" b="0" i="0" u="none" strike="noStrike" cap="none" spc="0" normalizeH="0" baseline="0">
         <a:ln>
           <a:noFill/>
         </a:ln>
@@ -306,7 +307,7 @@
       <a:buFontTx/>
       <a:buNone/>
       <a:tabLst/>
-      <a:defRPr b="0" baseline="0" cap="none" i="0" spc="0" strike="noStrike" sz="3600" u="none" kumimoji="0" normalizeH="0">
+      <a:defRPr kumimoji="0" sz="3600" b="0" i="0" u="none" strike="noStrike" cap="none" spc="0" normalizeH="0" baseline="0">
         <a:ln>
           <a:noFill/>
         </a:ln>
@@ -336,7 +337,7 @@
       <a:buFontTx/>
       <a:buNone/>
       <a:tabLst/>
-      <a:defRPr b="0" baseline="0" cap="none" i="0" spc="0" strike="noStrike" sz="3600" u="none" kumimoji="0" normalizeH="0">
+      <a:defRPr kumimoji="0" sz="3600" b="0" i="0" u="none" strike="noStrike" cap="none" spc="0" normalizeH="0" baseline="0">
         <a:ln>
           <a:noFill/>
         </a:ln>
@@ -355,13 +356,14 @@
 </p:presentation>
 </file>
 
-<file path=ppt/commentAuthors.xml><?xml version="1.0" encoding="utf-8"?>
-<p:cmAuthorLst xmlns:a="http://schemas.openxmlformats.org/drawingml/2006/main" xmlns:r="http://schemas.openxmlformats.org/officeDocument/2006/relationships" xmlns:p="http://schemas.openxmlformats.org/presentationml/2006/main"/>
-</file>
-
 <file path=ppt/notesMasters/notesMaster1.xml><?xml version="1.0" encoding="utf-8"?>
 <p:notesMaster xmlns:a="http://schemas.openxmlformats.org/drawingml/2006/main" xmlns:r="http://schemas.openxmlformats.org/officeDocument/2006/relationships" xmlns:p="http://schemas.openxmlformats.org/presentationml/2006/main">
   <p:cSld>
+    <p:bg>
+      <p:bgRef idx="1001">
+        <a:schemeClr val="bg1"/>
+      </p:bgRef>
+    </p:bg>
     <p:spTree>
       <p:nvGrpSpPr>
         <p:cNvPr id="1" name=""/>
@@ -379,7 +381,9 @@
       <p:sp>
         <p:nvSpPr>
           <p:cNvPr id="116" name="Shape 116"/>
-          <p:cNvSpPr/>
+          <p:cNvSpPr>
+            <a:spLocks noGrp="1" noRot="1" noChangeAspect="1"/>
+          </p:cNvSpPr>
           <p:nvPr>
             <p:ph type="sldImg"/>
           </p:nvPr>
@@ -397,14 +401,16 @@
           <a:bodyPr/>
           <a:lstStyle/>
           <a:p>
-            <a:pPr/>
+            <a:endParaRPr/>
           </a:p>
         </p:txBody>
       </p:sp>
       <p:sp>
         <p:nvSpPr>
           <p:cNvPr id="117" name="Shape 117"/>
-          <p:cNvSpPr/>
+          <p:cNvSpPr>
+            <a:spLocks noGrp="1"/>
+          </p:cNvSpPr>
           <p:nvPr>
             <p:ph type="body" sz="quarter" idx="1"/>
           </p:nvPr>
@@ -422,7 +428,7 @@
           <a:bodyPr/>
           <a:lstStyle/>
           <a:p>
-            <a:pPr/>
+            <a:endParaRPr/>
           </a:p>
         </p:txBody>
       </p:sp>
@@ -534,7 +540,7 @@
 </file>
 
 <file path=ppt/notesSlides/notesSlide1.xml><?xml version="1.0" encoding="utf-8"?>
-<p:notes xmlns:a="http://schemas.openxmlformats.org/drawingml/2006/main" xmlns:r="http://schemas.openxmlformats.org/officeDocument/2006/relationships" xmlns:p="http://schemas.openxmlformats.org/presentationml/2006/main" showMasterSp="1" showMasterPhAnim="1">
+<p:notes xmlns:a="http://schemas.openxmlformats.org/drawingml/2006/main" xmlns:r="http://schemas.openxmlformats.org/officeDocument/2006/relationships" xmlns:p="http://schemas.openxmlformats.org/presentationml/2006/main">
   <p:cSld>
     <p:spTree>
       <p:nvGrpSpPr>
@@ -553,7 +559,9 @@
       <p:sp>
         <p:nvSpPr>
           <p:cNvPr id="124" name="Shape 124"/>
-          <p:cNvSpPr/>
+          <p:cNvSpPr>
+            <a:spLocks noGrp="1" noRot="1" noChangeAspect="1"/>
+          </p:cNvSpPr>
           <p:nvPr>
             <p:ph type="sldImg"/>
           </p:nvPr>
@@ -567,14 +575,16 @@
           <a:bodyPr/>
           <a:lstStyle/>
           <a:p>
-            <a:pPr/>
+            <a:endParaRPr/>
           </a:p>
         </p:txBody>
       </p:sp>
       <p:sp>
         <p:nvSpPr>
           <p:cNvPr id="125" name="Shape 125"/>
-          <p:cNvSpPr/>
+          <p:cNvSpPr>
+            <a:spLocks noGrp="1"/>
+          </p:cNvSpPr>
           <p:nvPr>
             <p:ph type="body" sz="quarter" idx="1"/>
           </p:nvPr>
@@ -588,7 +598,6 @@
           <a:bodyPr/>
           <a:lstStyle/>
           <a:p>
-            <a:pPr/>
             <a:r>
               <a:t>i.e. no ‘find and replace’ or sorting in excel, no removing cases in SPPS, no sorting. </a:t>
             </a:r>
@@ -604,7 +613,7 @@
 </file>
 
 <file path=ppt/notesSlides/notesSlide10.xml><?xml version="1.0" encoding="utf-8"?>
-<p:notes xmlns:a="http://schemas.openxmlformats.org/drawingml/2006/main" xmlns:r="http://schemas.openxmlformats.org/officeDocument/2006/relationships" xmlns:p="http://schemas.openxmlformats.org/presentationml/2006/main" showMasterSp="1" showMasterPhAnim="1">
+<p:notes xmlns:a="http://schemas.openxmlformats.org/drawingml/2006/main" xmlns:r="http://schemas.openxmlformats.org/officeDocument/2006/relationships" xmlns:p="http://schemas.openxmlformats.org/presentationml/2006/main">
   <p:cSld>
     <p:spTree>
       <p:nvGrpSpPr>
@@ -623,7 +632,9 @@
       <p:sp>
         <p:nvSpPr>
           <p:cNvPr id="281" name="Shape 281"/>
-          <p:cNvSpPr/>
+          <p:cNvSpPr>
+            <a:spLocks noGrp="1" noRot="1" noChangeAspect="1"/>
+          </p:cNvSpPr>
           <p:nvPr>
             <p:ph type="sldImg"/>
           </p:nvPr>
@@ -637,14 +648,16 @@
           <a:bodyPr/>
           <a:lstStyle/>
           <a:p>
-            <a:pPr/>
+            <a:endParaRPr/>
           </a:p>
         </p:txBody>
       </p:sp>
       <p:sp>
         <p:nvSpPr>
           <p:cNvPr id="282" name="Shape 282"/>
-          <p:cNvSpPr/>
+          <p:cNvSpPr>
+            <a:spLocks noGrp="1"/>
+          </p:cNvSpPr>
           <p:nvPr>
             <p:ph type="body" sz="quarter" idx="1"/>
           </p:nvPr>
@@ -658,16 +671,14 @@
           <a:bodyPr/>
           <a:lstStyle/>
           <a:p>
-            <a:pPr/>
             <a:r>
               <a:t>Messy data from the start of my PhD. Had ~450 dating profiles rated by 8 Mturkers each on 8 traits. The column headers contain the ID of the dating profile author, and the variable they were rated on. Unfortunately, I manually scrambled the other in which traits were rated in blocks across the dataset, so it was very hard to calculate averages using SPSS or excel. </a:t>
             </a:r>
           </a:p>
           <a:p>
-            <a:pPr/>
-          </a:p>
-          <a:p>
-            <a:pPr/>
+            <a:endParaRPr/>
+          </a:p>
+          <a:p>
             <a:r>
               <a:t>This dataset had 4511 columns.</a:t>
             </a:r>
@@ -683,7 +694,7 @@
 </file>
 
 <file path=ppt/notesSlides/notesSlide11.xml><?xml version="1.0" encoding="utf-8"?>
-<p:notes xmlns:a="http://schemas.openxmlformats.org/drawingml/2006/main" xmlns:r="http://schemas.openxmlformats.org/officeDocument/2006/relationships" xmlns:p="http://schemas.openxmlformats.org/presentationml/2006/main" showMasterSp="1" showMasterPhAnim="1">
+<p:notes xmlns:a="http://schemas.openxmlformats.org/drawingml/2006/main" xmlns:r="http://schemas.openxmlformats.org/officeDocument/2006/relationships" xmlns:p="http://schemas.openxmlformats.org/presentationml/2006/main">
   <p:cSld>
     <p:spTree>
       <p:nvGrpSpPr>
@@ -702,7 +713,9 @@
       <p:sp>
         <p:nvSpPr>
           <p:cNvPr id="287" name="Shape 287"/>
-          <p:cNvSpPr/>
+          <p:cNvSpPr>
+            <a:spLocks noGrp="1" noRot="1" noChangeAspect="1"/>
+          </p:cNvSpPr>
           <p:nvPr>
             <p:ph type="sldImg"/>
           </p:nvPr>
@@ -716,14 +729,16 @@
           <a:bodyPr/>
           <a:lstStyle/>
           <a:p>
-            <a:pPr/>
+            <a:endParaRPr/>
           </a:p>
         </p:txBody>
       </p:sp>
       <p:sp>
         <p:nvSpPr>
           <p:cNvPr id="288" name="Shape 288"/>
-          <p:cNvSpPr/>
+          <p:cNvSpPr>
+            <a:spLocks noGrp="1"/>
+          </p:cNvSpPr>
           <p:nvPr>
             <p:ph type="body" sz="quarter" idx="1"/>
           </p:nvPr>
@@ -737,16 +752,14 @@
           <a:bodyPr/>
           <a:lstStyle/>
           <a:p>
-            <a:pPr/>
             <a:r>
               <a:t>Messy data from the start of my PhD. Had ~450 dating profiles rated by 8 Mturkers each on 8 traits. The column headers contain the ID of the dating profile author, and the variable they were rated on. Unfortunately, I manually scrambled the other in which traits were rated in blocks across the dataset, so it was very hard to calculate averages using SPSS or excel. </a:t>
             </a:r>
           </a:p>
           <a:p>
-            <a:pPr/>
-          </a:p>
-          <a:p>
-            <a:pPr/>
+            <a:endParaRPr/>
+          </a:p>
+          <a:p>
             <a:r>
               <a:t>This dataset had 4511 columns.</a:t>
             </a:r>
@@ -762,7 +775,7 @@
 </file>
 
 <file path=ppt/notesSlides/notesSlide12.xml><?xml version="1.0" encoding="utf-8"?>
-<p:notes xmlns:a="http://schemas.openxmlformats.org/drawingml/2006/main" xmlns:r="http://schemas.openxmlformats.org/officeDocument/2006/relationships" xmlns:p="http://schemas.openxmlformats.org/presentationml/2006/main" showMasterSp="1" showMasterPhAnim="1">
+<p:notes xmlns:a="http://schemas.openxmlformats.org/drawingml/2006/main" xmlns:r="http://schemas.openxmlformats.org/officeDocument/2006/relationships" xmlns:p="http://schemas.openxmlformats.org/presentationml/2006/main">
   <p:cSld>
     <p:spTree>
       <p:nvGrpSpPr>
@@ -781,7 +794,9 @@
       <p:sp>
         <p:nvSpPr>
           <p:cNvPr id="293" name="Shape 293"/>
-          <p:cNvSpPr/>
+          <p:cNvSpPr>
+            <a:spLocks noGrp="1" noRot="1" noChangeAspect="1"/>
+          </p:cNvSpPr>
           <p:nvPr>
             <p:ph type="sldImg"/>
           </p:nvPr>
@@ -795,14 +810,16 @@
           <a:bodyPr/>
           <a:lstStyle/>
           <a:p>
-            <a:pPr/>
+            <a:endParaRPr/>
           </a:p>
         </p:txBody>
       </p:sp>
       <p:sp>
         <p:nvSpPr>
           <p:cNvPr id="294" name="Shape 294"/>
-          <p:cNvSpPr/>
+          <p:cNvSpPr>
+            <a:spLocks noGrp="1"/>
+          </p:cNvSpPr>
           <p:nvPr>
             <p:ph type="body" sz="quarter" idx="1"/>
           </p:nvPr>
@@ -816,16 +833,14 @@
           <a:bodyPr/>
           <a:lstStyle/>
           <a:p>
-            <a:pPr/>
             <a:r>
               <a:t>Messy data from the start of my PhD. Had ~450 dating profiles rated by 8 Mturkers each on 8 traits. The column headers contain the ID of the dating profile author, and the variable they were rated on. Unfortunately, I manually scrambled the other in which traits were rated in blocks across the dataset, so it was very hard to calculate averages using SPSS or excel. </a:t>
             </a:r>
           </a:p>
           <a:p>
-            <a:pPr/>
-          </a:p>
-          <a:p>
-            <a:pPr/>
+            <a:endParaRPr/>
+          </a:p>
+          <a:p>
             <a:r>
               <a:t>This dataset had 4511 columns.</a:t>
             </a:r>
@@ -841,7 +856,7 @@
 </file>
 
 <file path=ppt/notesSlides/notesSlide2.xml><?xml version="1.0" encoding="utf-8"?>
-<p:notes xmlns:a="http://schemas.openxmlformats.org/drawingml/2006/main" xmlns:r="http://schemas.openxmlformats.org/officeDocument/2006/relationships" xmlns:p="http://schemas.openxmlformats.org/presentationml/2006/main" showMasterSp="1" showMasterPhAnim="1">
+<p:notes xmlns:a="http://schemas.openxmlformats.org/drawingml/2006/main" xmlns:r="http://schemas.openxmlformats.org/officeDocument/2006/relationships" xmlns:p="http://schemas.openxmlformats.org/presentationml/2006/main">
   <p:cSld>
     <p:spTree>
       <p:nvGrpSpPr>
@@ -860,7 +875,9 @@
       <p:sp>
         <p:nvSpPr>
           <p:cNvPr id="140" name="Shape 140"/>
-          <p:cNvSpPr/>
+          <p:cNvSpPr>
+            <a:spLocks noGrp="1" noRot="1" noChangeAspect="1"/>
+          </p:cNvSpPr>
           <p:nvPr>
             <p:ph type="sldImg"/>
           </p:nvPr>
@@ -874,14 +891,16 @@
           <a:bodyPr/>
           <a:lstStyle/>
           <a:p>
-            <a:pPr/>
+            <a:endParaRPr/>
           </a:p>
         </p:txBody>
       </p:sp>
       <p:sp>
         <p:nvSpPr>
           <p:cNvPr id="141" name="Shape 141"/>
-          <p:cNvSpPr/>
+          <p:cNvSpPr>
+            <a:spLocks noGrp="1"/>
+          </p:cNvSpPr>
           <p:nvPr>
             <p:ph type="body" sz="quarter" idx="1"/>
           </p:nvPr>
@@ -895,7 +914,6 @@
           <a:bodyPr/>
           <a:lstStyle/>
           <a:p>
-            <a:pPr/>
             <a:r>
               <a:t>This might seem trivial, until you define what you mean by variables and observations and realise that most of the time, data is not tidy. There might be hidden values in our variable names that really should have their own value. There might be multiple variables in a single column. There might be variables in rows and variables in columns. </a:t>
             </a:r>
@@ -911,7 +929,7 @@
 </file>
 
 <file path=ppt/notesSlides/notesSlide3.xml><?xml version="1.0" encoding="utf-8"?>
-<p:notes xmlns:a="http://schemas.openxmlformats.org/drawingml/2006/main" xmlns:r="http://schemas.openxmlformats.org/officeDocument/2006/relationships" xmlns:p="http://schemas.openxmlformats.org/presentationml/2006/main" showMasterSp="1" showMasterPhAnim="1">
+<p:notes xmlns:a="http://schemas.openxmlformats.org/drawingml/2006/main" xmlns:r="http://schemas.openxmlformats.org/officeDocument/2006/relationships" xmlns:p="http://schemas.openxmlformats.org/presentationml/2006/main">
   <p:cSld>
     <p:spTree>
       <p:nvGrpSpPr>
@@ -930,7 +948,9 @@
       <p:sp>
         <p:nvSpPr>
           <p:cNvPr id="179" name="Shape 179"/>
-          <p:cNvSpPr/>
+          <p:cNvSpPr>
+            <a:spLocks noGrp="1" noRot="1" noChangeAspect="1"/>
+          </p:cNvSpPr>
           <p:nvPr>
             <p:ph type="sldImg"/>
           </p:nvPr>
@@ -944,14 +964,16 @@
           <a:bodyPr/>
           <a:lstStyle/>
           <a:p>
-            <a:pPr/>
+            <a:endParaRPr/>
           </a:p>
         </p:txBody>
       </p:sp>
       <p:sp>
         <p:nvSpPr>
           <p:cNvPr id="180" name="Shape 180"/>
-          <p:cNvSpPr/>
+          <p:cNvSpPr>
+            <a:spLocks noGrp="1"/>
+          </p:cNvSpPr>
           <p:nvPr>
             <p:ph type="body" sz="quarter" idx="1"/>
           </p:nvPr>
@@ -965,16 +987,14 @@
           <a:bodyPr/>
           <a:lstStyle/>
           <a:p>
-            <a:pPr/>
             <a:r>
               <a:t>Or any combination of the above.</a:t>
             </a:r>
           </a:p>
           <a:p>
-            <a:pPr/>
-          </a:p>
-          <a:p>
-            <a:pPr/>
+            <a:endParaRPr/>
+          </a:p>
+          <a:p>
             <a:r>
               <a:t>Also, multiple types of units in one table (not usually a problem for us, that’s what we want) or a single observational unit spread across multiple tables. But these three I feel are all defined by the observation/variable/row complex so they sort of sit together.</a:t>
             </a:r>
@@ -990,7 +1010,7 @@
 </file>
 
 <file path=ppt/notesSlides/notesSlide4.xml><?xml version="1.0" encoding="utf-8"?>
-<p:notes xmlns:a="http://schemas.openxmlformats.org/drawingml/2006/main" xmlns:r="http://schemas.openxmlformats.org/officeDocument/2006/relationships" xmlns:p="http://schemas.openxmlformats.org/presentationml/2006/main" showMasterSp="1" showMasterPhAnim="1">
+<p:notes xmlns:a="http://schemas.openxmlformats.org/drawingml/2006/main" xmlns:r="http://schemas.openxmlformats.org/officeDocument/2006/relationships" xmlns:p="http://schemas.openxmlformats.org/presentationml/2006/main">
   <p:cSld>
     <p:spTree>
       <p:nvGrpSpPr>
@@ -1009,7 +1029,9 @@
       <p:sp>
         <p:nvSpPr>
           <p:cNvPr id="204" name="Shape 204"/>
-          <p:cNvSpPr/>
+          <p:cNvSpPr>
+            <a:spLocks noGrp="1" noRot="1" noChangeAspect="1"/>
+          </p:cNvSpPr>
           <p:nvPr>
             <p:ph type="sldImg"/>
           </p:nvPr>
@@ -1023,14 +1045,16 @@
           <a:bodyPr/>
           <a:lstStyle/>
           <a:p>
-            <a:pPr/>
+            <a:endParaRPr/>
           </a:p>
         </p:txBody>
       </p:sp>
       <p:sp>
         <p:nvSpPr>
           <p:cNvPr id="205" name="Shape 205"/>
-          <p:cNvSpPr/>
+          <p:cNvSpPr>
+            <a:spLocks noGrp="1"/>
+          </p:cNvSpPr>
           <p:nvPr>
             <p:ph type="body" sz="quarter" idx="1"/>
           </p:nvPr>
@@ -1044,7 +1068,6 @@
           <a:bodyPr/>
           <a:lstStyle/>
           <a:p>
-            <a:pPr/>
             <a:r>
               <a:t>Unite is sort of the dorky younger brother of separate. It’s much easier to combine columns with other R functions like + for numeric values, or paste for everything. However, if we ever have one variable spread out across more than 2 columns, unite is usually the fastest way to go, and it’s worth knowing for symmetry’s sake. </a:t>
             </a:r>
@@ -1060,7 +1083,7 @@
 </file>
 
 <file path=ppt/notesSlides/notesSlide5.xml><?xml version="1.0" encoding="utf-8"?>
-<p:notes xmlns:a="http://schemas.openxmlformats.org/drawingml/2006/main" xmlns:r="http://schemas.openxmlformats.org/officeDocument/2006/relationships" xmlns:p="http://schemas.openxmlformats.org/presentationml/2006/main" showMasterSp="1" showMasterPhAnim="1">
+<p:notes xmlns:a="http://schemas.openxmlformats.org/drawingml/2006/main" xmlns:r="http://schemas.openxmlformats.org/officeDocument/2006/relationships" xmlns:p="http://schemas.openxmlformats.org/presentationml/2006/main">
   <p:cSld>
     <p:spTree>
       <p:nvGrpSpPr>
@@ -1079,7 +1102,9 @@
       <p:sp>
         <p:nvSpPr>
           <p:cNvPr id="217" name="Shape 217"/>
-          <p:cNvSpPr/>
+          <p:cNvSpPr>
+            <a:spLocks noGrp="1" noRot="1" noChangeAspect="1"/>
+          </p:cNvSpPr>
           <p:nvPr>
             <p:ph type="sldImg"/>
           </p:nvPr>
@@ -1093,14 +1118,16 @@
           <a:bodyPr/>
           <a:lstStyle/>
           <a:p>
-            <a:pPr/>
+            <a:endParaRPr/>
           </a:p>
         </p:txBody>
       </p:sp>
       <p:sp>
         <p:nvSpPr>
           <p:cNvPr id="218" name="Shape 218"/>
-          <p:cNvSpPr/>
+          <p:cNvSpPr>
+            <a:spLocks noGrp="1"/>
+          </p:cNvSpPr>
           <p:nvPr>
             <p:ph type="body" sz="quarter" idx="1"/>
           </p:nvPr>
@@ -1114,7 +1141,6 @@
           <a:bodyPr/>
           <a:lstStyle/>
           <a:p>
-            <a:pPr/>
             <a:r>
               <a:t>Whether something is a value or a variable depends on your research question, really. Here we think Tmax and Tmin are variables, not values, because we want to treat them separately, essentially. We can use them to calculate their difference or mean. But we’re not treating them as different ‘conditions’ of temperature.</a:t>
             </a:r>
@@ -1130,7 +1156,7 @@
 </file>
 
 <file path=ppt/notesSlides/notesSlide6.xml><?xml version="1.0" encoding="utf-8"?>
-<p:notes xmlns:a="http://schemas.openxmlformats.org/drawingml/2006/main" xmlns:r="http://schemas.openxmlformats.org/officeDocument/2006/relationships" xmlns:p="http://schemas.openxmlformats.org/presentationml/2006/main" showMasterSp="1" showMasterPhAnim="1">
+<p:notes xmlns:a="http://schemas.openxmlformats.org/drawingml/2006/main" xmlns:r="http://schemas.openxmlformats.org/officeDocument/2006/relationships" xmlns:p="http://schemas.openxmlformats.org/presentationml/2006/main">
   <p:cSld>
     <p:spTree>
       <p:nvGrpSpPr>
@@ -1149,7 +1175,9 @@
       <p:sp>
         <p:nvSpPr>
           <p:cNvPr id="233" name="Shape 233"/>
-          <p:cNvSpPr/>
+          <p:cNvSpPr>
+            <a:spLocks noGrp="1" noRot="1" noChangeAspect="1"/>
+          </p:cNvSpPr>
           <p:nvPr>
             <p:ph type="sldImg"/>
           </p:nvPr>
@@ -1163,14 +1191,16 @@
           <a:bodyPr/>
           <a:lstStyle/>
           <a:p>
-            <a:pPr/>
+            <a:endParaRPr/>
           </a:p>
         </p:txBody>
       </p:sp>
       <p:sp>
         <p:nvSpPr>
           <p:cNvPr id="234" name="Shape 234"/>
-          <p:cNvSpPr/>
+          <p:cNvSpPr>
+            <a:spLocks noGrp="1"/>
+          </p:cNvSpPr>
           <p:nvPr>
             <p:ph type="body" sz="quarter" idx="1"/>
           </p:nvPr>
@@ -1184,13 +1214,12 @@
           <a:bodyPr/>
           <a:lstStyle/>
           <a:p>
-            <a:pPr/>
             <a:r>
               <a:t>Credit to Sean Anderson for the image (</a:t>
             </a:r>
             <a:r>
               <a:rPr u="sng">
-                <a:hlinkClick r:id="rId3" invalidUrl="" action="" tgtFrame="" tooltip="" history="1" highlightClick="0" endSnd="0"/>
+                <a:hlinkClick r:id="rId3"/>
               </a:rPr>
               <a:t>http://seananderson.ca/2013/10/19/reshape.html</a:t>
             </a:r>
@@ -1209,7 +1238,7 @@
 </file>
 
 <file path=ppt/notesSlides/notesSlide7.xml><?xml version="1.0" encoding="utf-8"?>
-<p:notes xmlns:a="http://schemas.openxmlformats.org/drawingml/2006/main" xmlns:r="http://schemas.openxmlformats.org/officeDocument/2006/relationships" xmlns:p="http://schemas.openxmlformats.org/presentationml/2006/main" showMasterSp="1" showMasterPhAnim="1">
+<p:notes xmlns:a="http://schemas.openxmlformats.org/drawingml/2006/main" xmlns:r="http://schemas.openxmlformats.org/officeDocument/2006/relationships" xmlns:p="http://schemas.openxmlformats.org/presentationml/2006/main">
   <p:cSld>
     <p:spTree>
       <p:nvGrpSpPr>
@@ -1228,7 +1257,9 @@
       <p:sp>
         <p:nvSpPr>
           <p:cNvPr id="263" name="Shape 263"/>
-          <p:cNvSpPr/>
+          <p:cNvSpPr>
+            <a:spLocks noGrp="1" noRot="1" noChangeAspect="1"/>
+          </p:cNvSpPr>
           <p:nvPr>
             <p:ph type="sldImg"/>
           </p:nvPr>
@@ -1242,14 +1273,16 @@
           <a:bodyPr/>
           <a:lstStyle/>
           <a:p>
-            <a:pPr/>
+            <a:endParaRPr/>
           </a:p>
         </p:txBody>
       </p:sp>
       <p:sp>
         <p:nvSpPr>
           <p:cNvPr id="264" name="Shape 264"/>
-          <p:cNvSpPr/>
+          <p:cNvSpPr>
+            <a:spLocks noGrp="1"/>
+          </p:cNvSpPr>
           <p:nvPr>
             <p:ph type="body" sz="quarter" idx="1"/>
           </p:nvPr>
@@ -1263,16 +1296,14 @@
           <a:bodyPr/>
           <a:lstStyle/>
           <a:p>
-            <a:pPr/>
             <a:r>
               <a:t>Messy data from the start of my PhD. Had ~450 dating profiles rated by 8 Mturkers each on 8 traits. The column headers contain the ID of the dating profile author, and the variable they were rated on. Unfortunately, I manually scrambled the other in which traits were rated in blocks across the dataset, so it was very hard to calculate averages using SPSS or excel. </a:t>
             </a:r>
           </a:p>
           <a:p>
-            <a:pPr/>
-          </a:p>
-          <a:p>
-            <a:pPr/>
+            <a:endParaRPr/>
+          </a:p>
+          <a:p>
             <a:r>
               <a:t>This dataset had 4511 columns.</a:t>
             </a:r>
@@ -1288,7 +1319,7 @@
 </file>
 
 <file path=ppt/notesSlides/notesSlide8.xml><?xml version="1.0" encoding="utf-8"?>
-<p:notes xmlns:a="http://schemas.openxmlformats.org/drawingml/2006/main" xmlns:r="http://schemas.openxmlformats.org/officeDocument/2006/relationships" xmlns:p="http://schemas.openxmlformats.org/presentationml/2006/main" showMasterSp="1" showMasterPhAnim="1">
+<p:notes xmlns:a="http://schemas.openxmlformats.org/drawingml/2006/main" xmlns:r="http://schemas.openxmlformats.org/officeDocument/2006/relationships" xmlns:p="http://schemas.openxmlformats.org/presentationml/2006/main">
   <p:cSld>
     <p:spTree>
       <p:nvGrpSpPr>
@@ -1307,7 +1338,9 @@
       <p:sp>
         <p:nvSpPr>
           <p:cNvPr id="269" name="Shape 269"/>
-          <p:cNvSpPr/>
+          <p:cNvSpPr>
+            <a:spLocks noGrp="1" noRot="1" noChangeAspect="1"/>
+          </p:cNvSpPr>
           <p:nvPr>
             <p:ph type="sldImg"/>
           </p:nvPr>
@@ -1321,14 +1354,16 @@
           <a:bodyPr/>
           <a:lstStyle/>
           <a:p>
-            <a:pPr/>
+            <a:endParaRPr/>
           </a:p>
         </p:txBody>
       </p:sp>
       <p:sp>
         <p:nvSpPr>
           <p:cNvPr id="270" name="Shape 270"/>
-          <p:cNvSpPr/>
+          <p:cNvSpPr>
+            <a:spLocks noGrp="1"/>
+          </p:cNvSpPr>
           <p:nvPr>
             <p:ph type="body" sz="quarter" idx="1"/>
           </p:nvPr>
@@ -1342,16 +1377,14 @@
           <a:bodyPr/>
           <a:lstStyle/>
           <a:p>
-            <a:pPr/>
             <a:r>
               <a:t>Messy data from the start of my PhD. Had ~450 dating profiles rated by 8 Mturkers each on 8 traits. The column headers contain the ID of the dating profile author, and the variable they were rated on. Unfortunately, I manually scrambled the other in which traits were rated in blocks across the dataset, so it was very hard to calculate averages using SPSS or excel. </a:t>
             </a:r>
           </a:p>
           <a:p>
-            <a:pPr/>
-          </a:p>
-          <a:p>
-            <a:pPr/>
+            <a:endParaRPr/>
+          </a:p>
+          <a:p>
             <a:r>
               <a:t>This dataset had 4511 columns.</a:t>
             </a:r>
@@ -1367,7 +1400,7 @@
 </file>
 
 <file path=ppt/notesSlides/notesSlide9.xml><?xml version="1.0" encoding="utf-8"?>
-<p:notes xmlns:a="http://schemas.openxmlformats.org/drawingml/2006/main" xmlns:r="http://schemas.openxmlformats.org/officeDocument/2006/relationships" xmlns:p="http://schemas.openxmlformats.org/presentationml/2006/main" showMasterSp="1" showMasterPhAnim="1">
+<p:notes xmlns:a="http://schemas.openxmlformats.org/drawingml/2006/main" xmlns:r="http://schemas.openxmlformats.org/officeDocument/2006/relationships" xmlns:p="http://schemas.openxmlformats.org/presentationml/2006/main">
   <p:cSld>
     <p:spTree>
       <p:nvGrpSpPr>
@@ -1386,7 +1419,9 @@
       <p:sp>
         <p:nvSpPr>
           <p:cNvPr id="275" name="Shape 275"/>
-          <p:cNvSpPr/>
+          <p:cNvSpPr>
+            <a:spLocks noGrp="1" noRot="1" noChangeAspect="1"/>
+          </p:cNvSpPr>
           <p:nvPr>
             <p:ph type="sldImg"/>
           </p:nvPr>
@@ -1400,14 +1435,16 @@
           <a:bodyPr/>
           <a:lstStyle/>
           <a:p>
-            <a:pPr/>
+            <a:endParaRPr/>
           </a:p>
         </p:txBody>
       </p:sp>
       <p:sp>
         <p:nvSpPr>
           <p:cNvPr id="276" name="Shape 276"/>
-          <p:cNvSpPr/>
+          <p:cNvSpPr>
+            <a:spLocks noGrp="1"/>
+          </p:cNvSpPr>
           <p:nvPr>
             <p:ph type="body" sz="quarter" idx="1"/>
           </p:nvPr>
@@ -1421,16 +1458,14 @@
           <a:bodyPr/>
           <a:lstStyle/>
           <a:p>
-            <a:pPr/>
             <a:r>
               <a:t>Messy data from the start of my PhD. Had ~450 dating profiles rated by 8 Mturkers each on 8 traits. The column headers contain the ID of the dating profile author, and the variable they were rated on. Unfortunately, I manually scrambled the other in which traits were rated in blocks across the dataset, so it was very hard to calculate averages using SPSS or excel. </a:t>
             </a:r>
           </a:p>
           <a:p>
-            <a:pPr/>
-          </a:p>
-          <a:p>
-            <a:pPr/>
+            <a:endParaRPr/>
+          </a:p>
+          <a:p>
             <a:r>
               <a:t>This dataset had 4511 columns.</a:t>
             </a:r>
@@ -1446,7 +1481,7 @@
 </file>
 
 <file path=ppt/slideLayouts/slideLayout1.xml><?xml version="1.0" encoding="utf-8"?>
-<p:sldLayout xmlns:a="http://schemas.openxmlformats.org/drawingml/2006/main" xmlns:r="http://schemas.openxmlformats.org/officeDocument/2006/relationships" xmlns:p="http://schemas.openxmlformats.org/presentationml/2006/main" type="title" showMasterSp="1" showMasterPhAnim="1">
+<p:sldLayout xmlns:a="http://schemas.openxmlformats.org/drawingml/2006/main" xmlns:r="http://schemas.openxmlformats.org/officeDocument/2006/relationships" xmlns:p="http://schemas.openxmlformats.org/presentationml/2006/main" type="title">
   <p:cSld name="Title &amp; Subtitle">
     <p:spTree>
       <p:nvGrpSpPr>
@@ -1465,7 +1500,9 @@
       <p:sp>
         <p:nvSpPr>
           <p:cNvPr id="11" name="Shape 11"/>
-          <p:cNvSpPr/>
+          <p:cNvSpPr>
+            <a:spLocks noGrp="1"/>
+          </p:cNvSpPr>
           <p:nvPr>
             <p:ph type="title"/>
           </p:nvPr>
@@ -1483,7 +1520,6 @@
           <a:bodyPr anchor="b"/>
           <a:lstStyle/>
           <a:p>
-            <a:pPr/>
             <a:r>
               <a:t>Title Text</a:t>
             </a:r>
@@ -1493,7 +1529,9 @@
       <p:sp>
         <p:nvSpPr>
           <p:cNvPr id="12" name="Shape 12"/>
-          <p:cNvSpPr/>
+          <p:cNvSpPr>
+            <a:spLocks noGrp="1"/>
+          </p:cNvSpPr>
           <p:nvPr>
             <p:ph type="body" sz="quarter" idx="1"/>
           </p:nvPr>
@@ -1552,7 +1590,6 @@
             </a:lvl5pPr>
           </a:lstStyle>
           <a:p>
-            <a:pPr/>
             <a:r>
               <a:t>Body Level One</a:t>
             </a:r>
@@ -1586,7 +1623,9 @@
       <p:sp>
         <p:nvSpPr>
           <p:cNvPr id="13" name="Shape 13"/>
-          <p:cNvSpPr/>
+          <p:cNvSpPr>
+            <a:spLocks noGrp="1"/>
+          </p:cNvSpPr>
           <p:nvPr>
             <p:ph type="sldNum" sz="quarter" idx="2"/>
           </p:nvPr>
@@ -1600,8 +1639,10 @@
           <a:bodyPr/>
           <a:lstStyle/>
           <a:p>
-            <a:pPr/>
-            <a:fld id="{86CB4B4D-7CA3-9044-876B-883B54F8677D}" type="slidenum"/>
+            <a:fld id="{86CB4B4D-7CA3-9044-876B-883B54F8677D}" type="slidenum">
+              <a:t>‹#›</a:t>
+            </a:fld>
+            <a:endParaRPr/>
           </a:p>
         </p:txBody>
       </p:sp>
@@ -1610,12 +1651,12 @@
   <p:clrMapOvr>
     <a:masterClrMapping/>
   </p:clrMapOvr>
-  <p:transition xmlns:p14="http://schemas.microsoft.com/office/powerpoint/2010/main" spd="med" advClick="1"/>
+  <p:transition spd="med"/>
 </p:sldLayout>
 </file>
 
 <file path=ppt/slideLayouts/slideLayout10.xml><?xml version="1.0" encoding="utf-8"?>
-<p:sldLayout xmlns:a="http://schemas.openxmlformats.org/drawingml/2006/main" xmlns:r="http://schemas.openxmlformats.org/officeDocument/2006/relationships" xmlns:p="http://schemas.openxmlformats.org/presentationml/2006/main" type="tx" showMasterSp="1" showMasterPhAnim="1">
+<p:sldLayout xmlns:a="http://schemas.openxmlformats.org/drawingml/2006/main" xmlns:r="http://schemas.openxmlformats.org/officeDocument/2006/relationships" xmlns:p="http://schemas.openxmlformats.org/presentationml/2006/main" type="tx">
   <p:cSld name="Quote">
     <p:spTree>
       <p:nvGrpSpPr>
@@ -1634,7 +1675,9 @@
       <p:sp>
         <p:nvSpPr>
           <p:cNvPr id="93" name="Shape 93"/>
-          <p:cNvSpPr/>
+          <p:cNvSpPr>
+            <a:spLocks noGrp="1"/>
+          </p:cNvSpPr>
           <p:nvPr>
             <p:ph type="body" sz="quarter" idx="13"/>
           </p:nvPr>
@@ -1663,7 +1706,6 @@
             </a:lvl1pPr>
           </a:lstStyle>
           <a:p>
-            <a:pPr/>
             <a:r>
               <a:t>–Johnny Appleseed</a:t>
             </a:r>
@@ -1673,7 +1715,9 @@
       <p:sp>
         <p:nvSpPr>
           <p:cNvPr id="94" name="Shape 94"/>
-          <p:cNvSpPr/>
+          <p:cNvSpPr>
+            <a:spLocks noGrp="1"/>
+          </p:cNvSpPr>
           <p:nvPr>
             <p:ph type="body" sz="quarter" idx="14"/>
           </p:nvPr>
@@ -1702,7 +1746,6 @@
             </a:lvl1pPr>
           </a:lstStyle>
           <a:p>
-            <a:pPr/>
             <a:r>
               <a:t>“Type a quote here.” </a:t>
             </a:r>
@@ -1712,7 +1755,9 @@
       <p:sp>
         <p:nvSpPr>
           <p:cNvPr id="95" name="Shape 95"/>
-          <p:cNvSpPr/>
+          <p:cNvSpPr>
+            <a:spLocks noGrp="1"/>
+          </p:cNvSpPr>
           <p:nvPr>
             <p:ph type="sldNum" sz="quarter" idx="2"/>
           </p:nvPr>
@@ -1726,8 +1771,10 @@
           <a:bodyPr/>
           <a:lstStyle/>
           <a:p>
-            <a:pPr/>
-            <a:fld id="{86CB4B4D-7CA3-9044-876B-883B54F8677D}" type="slidenum"/>
+            <a:fld id="{86CB4B4D-7CA3-9044-876B-883B54F8677D}" type="slidenum">
+              <a:t>‹#›</a:t>
+            </a:fld>
+            <a:endParaRPr/>
           </a:p>
         </p:txBody>
       </p:sp>
@@ -1736,12 +1783,12 @@
   <p:clrMapOvr>
     <a:masterClrMapping/>
   </p:clrMapOvr>
-  <p:transition xmlns:p14="http://schemas.microsoft.com/office/powerpoint/2010/main" spd="med" advClick="1"/>
+  <p:transition spd="med"/>
 </p:sldLayout>
 </file>
 
 <file path=ppt/slideLayouts/slideLayout11.xml><?xml version="1.0" encoding="utf-8"?>
-<p:sldLayout xmlns:a="http://schemas.openxmlformats.org/drawingml/2006/main" xmlns:r="http://schemas.openxmlformats.org/officeDocument/2006/relationships" xmlns:p="http://schemas.openxmlformats.org/presentationml/2006/main" type="tx" showMasterSp="1" showMasterPhAnim="1">
+<p:sldLayout xmlns:a="http://schemas.openxmlformats.org/drawingml/2006/main" xmlns:r="http://schemas.openxmlformats.org/officeDocument/2006/relationships" xmlns:p="http://schemas.openxmlformats.org/presentationml/2006/main" type="tx">
   <p:cSld name="Photo">
     <p:spTree>
       <p:nvGrpSpPr>
@@ -1760,7 +1807,9 @@
       <p:sp>
         <p:nvSpPr>
           <p:cNvPr id="102" name="Shape 102"/>
-          <p:cNvSpPr/>
+          <p:cNvSpPr>
+            <a:spLocks noGrp="1"/>
+          </p:cNvSpPr>
           <p:nvPr>
             <p:ph type="pic" idx="13"/>
           </p:nvPr>
@@ -1780,14 +1829,16 @@
           </a:bodyPr>
           <a:lstStyle/>
           <a:p>
-            <a:pPr/>
+            <a:endParaRPr/>
           </a:p>
         </p:txBody>
       </p:sp>
       <p:sp>
         <p:nvSpPr>
           <p:cNvPr id="103" name="Shape 103"/>
-          <p:cNvSpPr/>
+          <p:cNvSpPr>
+            <a:spLocks noGrp="1"/>
+          </p:cNvSpPr>
           <p:nvPr>
             <p:ph type="sldNum" sz="quarter" idx="2"/>
           </p:nvPr>
@@ -1801,8 +1852,10 @@
           <a:bodyPr/>
           <a:lstStyle/>
           <a:p>
-            <a:pPr/>
-            <a:fld id="{86CB4B4D-7CA3-9044-876B-883B54F8677D}" type="slidenum"/>
+            <a:fld id="{86CB4B4D-7CA3-9044-876B-883B54F8677D}" type="slidenum">
+              <a:t>‹#›</a:t>
+            </a:fld>
+            <a:endParaRPr/>
           </a:p>
         </p:txBody>
       </p:sp>
@@ -1811,12 +1864,12 @@
   <p:clrMapOvr>
     <a:masterClrMapping/>
   </p:clrMapOvr>
-  <p:transition xmlns:p14="http://schemas.microsoft.com/office/powerpoint/2010/main" spd="med" advClick="1"/>
+  <p:transition spd="med"/>
 </p:sldLayout>
 </file>
 
 <file path=ppt/slideLayouts/slideLayout12.xml><?xml version="1.0" encoding="utf-8"?>
-<p:sldLayout xmlns:a="http://schemas.openxmlformats.org/drawingml/2006/main" xmlns:r="http://schemas.openxmlformats.org/officeDocument/2006/relationships" xmlns:p="http://schemas.openxmlformats.org/presentationml/2006/main" type="tx" showMasterSp="1" showMasterPhAnim="1">
+<p:sldLayout xmlns:a="http://schemas.openxmlformats.org/drawingml/2006/main" xmlns:r="http://schemas.openxmlformats.org/officeDocument/2006/relationships" xmlns:p="http://schemas.openxmlformats.org/presentationml/2006/main" type="tx">
   <p:cSld name="Blank">
     <p:spTree>
       <p:nvGrpSpPr>
@@ -1835,7 +1888,9 @@
       <p:sp>
         <p:nvSpPr>
           <p:cNvPr id="110" name="Shape 110"/>
-          <p:cNvSpPr/>
+          <p:cNvSpPr>
+            <a:spLocks noGrp="1"/>
+          </p:cNvSpPr>
           <p:nvPr>
             <p:ph type="sldNum" sz="quarter" idx="2"/>
           </p:nvPr>
@@ -1849,8 +1904,10 @@
           <a:bodyPr/>
           <a:lstStyle/>
           <a:p>
-            <a:pPr/>
-            <a:fld id="{86CB4B4D-7CA3-9044-876B-883B54F8677D}" type="slidenum"/>
+            <a:fld id="{86CB4B4D-7CA3-9044-876B-883B54F8677D}" type="slidenum">
+              <a:t>‹#›</a:t>
+            </a:fld>
+            <a:endParaRPr/>
           </a:p>
         </p:txBody>
       </p:sp>
@@ -1859,12 +1916,12 @@
   <p:clrMapOvr>
     <a:masterClrMapping/>
   </p:clrMapOvr>
-  <p:transition xmlns:p14="http://schemas.microsoft.com/office/powerpoint/2010/main" spd="med" advClick="1"/>
+  <p:transition spd="med"/>
 </p:sldLayout>
 </file>
 
 <file path=ppt/slideLayouts/slideLayout2.xml><?xml version="1.0" encoding="utf-8"?>
-<p:sldLayout xmlns:a="http://schemas.openxmlformats.org/drawingml/2006/main" xmlns:r="http://schemas.openxmlformats.org/officeDocument/2006/relationships" xmlns:p="http://schemas.openxmlformats.org/presentationml/2006/main" type="tx" showMasterSp="1" showMasterPhAnim="1">
+<p:sldLayout xmlns:a="http://schemas.openxmlformats.org/drawingml/2006/main" xmlns:r="http://schemas.openxmlformats.org/officeDocument/2006/relationships" xmlns:p="http://schemas.openxmlformats.org/presentationml/2006/main" type="tx">
   <p:cSld name="Photo - Horizontal">
     <p:spTree>
       <p:nvGrpSpPr>
@@ -1883,7 +1940,9 @@
       <p:sp>
         <p:nvSpPr>
           <p:cNvPr id="20" name="Shape 20"/>
-          <p:cNvSpPr/>
+          <p:cNvSpPr>
+            <a:spLocks noGrp="1"/>
+          </p:cNvSpPr>
           <p:nvPr>
             <p:ph type="pic" idx="13"/>
           </p:nvPr>
@@ -1903,14 +1962,16 @@
           </a:bodyPr>
           <a:lstStyle/>
           <a:p>
-            <a:pPr/>
+            <a:endParaRPr/>
           </a:p>
         </p:txBody>
       </p:sp>
       <p:sp>
         <p:nvSpPr>
           <p:cNvPr id="21" name="Shape 21"/>
-          <p:cNvSpPr/>
+          <p:cNvSpPr>
+            <a:spLocks noGrp="1"/>
+          </p:cNvSpPr>
           <p:nvPr>
             <p:ph type="title"/>
           </p:nvPr>
@@ -1928,7 +1989,6 @@
           <a:bodyPr anchor="b"/>
           <a:lstStyle/>
           <a:p>
-            <a:pPr/>
             <a:r>
               <a:t>Title Text</a:t>
             </a:r>
@@ -1938,7 +1998,9 @@
       <p:sp>
         <p:nvSpPr>
           <p:cNvPr id="22" name="Shape 22"/>
-          <p:cNvSpPr/>
+          <p:cNvSpPr>
+            <a:spLocks noGrp="1"/>
+          </p:cNvSpPr>
           <p:nvPr>
             <p:ph type="body" sz="quarter" idx="1"/>
           </p:nvPr>
@@ -1997,7 +2059,6 @@
             </a:lvl5pPr>
           </a:lstStyle>
           <a:p>
-            <a:pPr/>
             <a:r>
               <a:t>Body Level One</a:t>
             </a:r>
@@ -2031,7 +2092,9 @@
       <p:sp>
         <p:nvSpPr>
           <p:cNvPr id="23" name="Shape 23"/>
-          <p:cNvSpPr/>
+          <p:cNvSpPr>
+            <a:spLocks noGrp="1"/>
+          </p:cNvSpPr>
           <p:nvPr>
             <p:ph type="sldNum" sz="quarter" idx="2"/>
           </p:nvPr>
@@ -2049,8 +2112,10 @@
           <a:bodyPr/>
           <a:lstStyle/>
           <a:p>
-            <a:pPr/>
-            <a:fld id="{86CB4B4D-7CA3-9044-876B-883B54F8677D}" type="slidenum"/>
+            <a:fld id="{86CB4B4D-7CA3-9044-876B-883B54F8677D}" type="slidenum">
+              <a:t>‹#›</a:t>
+            </a:fld>
+            <a:endParaRPr/>
           </a:p>
         </p:txBody>
       </p:sp>
@@ -2059,12 +2124,12 @@
   <p:clrMapOvr>
     <a:masterClrMapping/>
   </p:clrMapOvr>
-  <p:transition xmlns:p14="http://schemas.microsoft.com/office/powerpoint/2010/main" spd="med" advClick="1"/>
+  <p:transition spd="med"/>
 </p:sldLayout>
 </file>
 
 <file path=ppt/slideLayouts/slideLayout3.xml><?xml version="1.0" encoding="utf-8"?>
-<p:sldLayout xmlns:a="http://schemas.openxmlformats.org/drawingml/2006/main" xmlns:r="http://schemas.openxmlformats.org/officeDocument/2006/relationships" xmlns:p="http://schemas.openxmlformats.org/presentationml/2006/main" type="tx" showMasterSp="1" showMasterPhAnim="1">
+<p:sldLayout xmlns:a="http://schemas.openxmlformats.org/drawingml/2006/main" xmlns:r="http://schemas.openxmlformats.org/officeDocument/2006/relationships" xmlns:p="http://schemas.openxmlformats.org/presentationml/2006/main" type="tx">
   <p:cSld name="Title - Center">
     <p:spTree>
       <p:nvGrpSpPr>
@@ -2083,7 +2148,9 @@
       <p:sp>
         <p:nvSpPr>
           <p:cNvPr id="30" name="Shape 30"/>
-          <p:cNvSpPr/>
+          <p:cNvSpPr>
+            <a:spLocks noGrp="1"/>
+          </p:cNvSpPr>
           <p:nvPr>
             <p:ph type="title"/>
           </p:nvPr>
@@ -2101,7 +2168,6 @@
           <a:bodyPr/>
           <a:lstStyle/>
           <a:p>
-            <a:pPr/>
             <a:r>
               <a:t>Title Text</a:t>
             </a:r>
@@ -2111,7 +2177,9 @@
       <p:sp>
         <p:nvSpPr>
           <p:cNvPr id="31" name="Shape 31"/>
-          <p:cNvSpPr/>
+          <p:cNvSpPr>
+            <a:spLocks noGrp="1"/>
+          </p:cNvSpPr>
           <p:nvPr>
             <p:ph type="sldNum" sz="quarter" idx="2"/>
           </p:nvPr>
@@ -2125,8 +2193,10 @@
           <a:bodyPr/>
           <a:lstStyle/>
           <a:p>
-            <a:pPr/>
-            <a:fld id="{86CB4B4D-7CA3-9044-876B-883B54F8677D}" type="slidenum"/>
+            <a:fld id="{86CB4B4D-7CA3-9044-876B-883B54F8677D}" type="slidenum">
+              <a:t>‹#›</a:t>
+            </a:fld>
+            <a:endParaRPr/>
           </a:p>
         </p:txBody>
       </p:sp>
@@ -2135,12 +2205,12 @@
   <p:clrMapOvr>
     <a:masterClrMapping/>
   </p:clrMapOvr>
-  <p:transition xmlns:p14="http://schemas.microsoft.com/office/powerpoint/2010/main" spd="med" advClick="1"/>
+  <p:transition spd="med"/>
 </p:sldLayout>
 </file>
 
 <file path=ppt/slideLayouts/slideLayout4.xml><?xml version="1.0" encoding="utf-8"?>
-<p:sldLayout xmlns:a="http://schemas.openxmlformats.org/drawingml/2006/main" xmlns:r="http://schemas.openxmlformats.org/officeDocument/2006/relationships" xmlns:p="http://schemas.openxmlformats.org/presentationml/2006/main" type="tx" showMasterSp="1" showMasterPhAnim="1">
+<p:sldLayout xmlns:a="http://schemas.openxmlformats.org/drawingml/2006/main" xmlns:r="http://schemas.openxmlformats.org/officeDocument/2006/relationships" xmlns:p="http://schemas.openxmlformats.org/presentationml/2006/main" type="tx">
   <p:cSld name="Photo - Vertical">
     <p:spTree>
       <p:nvGrpSpPr>
@@ -2159,7 +2229,9 @@
       <p:sp>
         <p:nvSpPr>
           <p:cNvPr id="38" name="Shape 38"/>
-          <p:cNvSpPr/>
+          <p:cNvSpPr>
+            <a:spLocks noGrp="1"/>
+          </p:cNvSpPr>
           <p:nvPr>
             <p:ph type="pic" sz="half" idx="13"/>
           </p:nvPr>
@@ -2179,14 +2251,16 @@
           </a:bodyPr>
           <a:lstStyle/>
           <a:p>
-            <a:pPr/>
+            <a:endParaRPr/>
           </a:p>
         </p:txBody>
       </p:sp>
       <p:sp>
         <p:nvSpPr>
           <p:cNvPr id="39" name="Shape 39"/>
-          <p:cNvSpPr/>
+          <p:cNvSpPr>
+            <a:spLocks noGrp="1"/>
+          </p:cNvSpPr>
           <p:nvPr>
             <p:ph type="title"/>
           </p:nvPr>
@@ -2208,7 +2282,6 @@
             </a:lvl1pPr>
           </a:lstStyle>
           <a:p>
-            <a:pPr/>
             <a:r>
               <a:t>Title Text</a:t>
             </a:r>
@@ -2218,7 +2291,9 @@
       <p:sp>
         <p:nvSpPr>
           <p:cNvPr id="40" name="Shape 40"/>
-          <p:cNvSpPr/>
+          <p:cNvSpPr>
+            <a:spLocks noGrp="1"/>
+          </p:cNvSpPr>
           <p:nvPr>
             <p:ph type="body" sz="quarter" idx="1"/>
           </p:nvPr>
@@ -2277,7 +2352,6 @@
             </a:lvl5pPr>
           </a:lstStyle>
           <a:p>
-            <a:pPr/>
             <a:r>
               <a:t>Body Level One</a:t>
             </a:r>
@@ -2311,7 +2385,9 @@
       <p:sp>
         <p:nvSpPr>
           <p:cNvPr id="41" name="Shape 41"/>
-          <p:cNvSpPr/>
+          <p:cNvSpPr>
+            <a:spLocks noGrp="1"/>
+          </p:cNvSpPr>
           <p:nvPr>
             <p:ph type="sldNum" sz="quarter" idx="2"/>
           </p:nvPr>
@@ -2325,8 +2401,10 @@
           <a:bodyPr/>
           <a:lstStyle/>
           <a:p>
-            <a:pPr/>
-            <a:fld id="{86CB4B4D-7CA3-9044-876B-883B54F8677D}" type="slidenum"/>
+            <a:fld id="{86CB4B4D-7CA3-9044-876B-883B54F8677D}" type="slidenum">
+              <a:t>‹#›</a:t>
+            </a:fld>
+            <a:endParaRPr/>
           </a:p>
         </p:txBody>
       </p:sp>
@@ -2335,12 +2413,12 @@
   <p:clrMapOvr>
     <a:masterClrMapping/>
   </p:clrMapOvr>
-  <p:transition xmlns:p14="http://schemas.microsoft.com/office/powerpoint/2010/main" spd="med" advClick="1"/>
+  <p:transition spd="med"/>
 </p:sldLayout>
 </file>
 
 <file path=ppt/slideLayouts/slideLayout5.xml><?xml version="1.0" encoding="utf-8"?>
-<p:sldLayout xmlns:a="http://schemas.openxmlformats.org/drawingml/2006/main" xmlns:r="http://schemas.openxmlformats.org/officeDocument/2006/relationships" xmlns:p="http://schemas.openxmlformats.org/presentationml/2006/main" type="tx" showMasterSp="1" showMasterPhAnim="1">
+<p:sldLayout xmlns:a="http://schemas.openxmlformats.org/drawingml/2006/main" xmlns:r="http://schemas.openxmlformats.org/officeDocument/2006/relationships" xmlns:p="http://schemas.openxmlformats.org/presentationml/2006/main" type="tx">
   <p:cSld name="Title - Top">
     <p:spTree>
       <p:nvGrpSpPr>
@@ -2359,7 +2437,9 @@
       <p:sp>
         <p:nvSpPr>
           <p:cNvPr id="48" name="Shape 48"/>
-          <p:cNvSpPr/>
+          <p:cNvSpPr>
+            <a:spLocks noGrp="1"/>
+          </p:cNvSpPr>
           <p:nvPr>
             <p:ph type="title"/>
           </p:nvPr>
@@ -2373,7 +2453,6 @@
           <a:bodyPr/>
           <a:lstStyle/>
           <a:p>
-            <a:pPr/>
             <a:r>
               <a:t>Title Text</a:t>
             </a:r>
@@ -2383,7 +2462,9 @@
       <p:sp>
         <p:nvSpPr>
           <p:cNvPr id="49" name="Shape 49"/>
-          <p:cNvSpPr/>
+          <p:cNvSpPr>
+            <a:spLocks noGrp="1"/>
+          </p:cNvSpPr>
           <p:nvPr>
             <p:ph type="sldNum" sz="quarter" idx="2"/>
           </p:nvPr>
@@ -2397,8 +2478,10 @@
           <a:bodyPr/>
           <a:lstStyle/>
           <a:p>
-            <a:pPr/>
-            <a:fld id="{86CB4B4D-7CA3-9044-876B-883B54F8677D}" type="slidenum"/>
+            <a:fld id="{86CB4B4D-7CA3-9044-876B-883B54F8677D}" type="slidenum">
+              <a:t>‹#›</a:t>
+            </a:fld>
+            <a:endParaRPr/>
           </a:p>
         </p:txBody>
       </p:sp>
@@ -2407,12 +2490,12 @@
   <p:clrMapOvr>
     <a:masterClrMapping/>
   </p:clrMapOvr>
-  <p:transition xmlns:p14="http://schemas.microsoft.com/office/powerpoint/2010/main" spd="med" advClick="1"/>
+  <p:transition spd="med"/>
 </p:sldLayout>
 </file>
 
 <file path=ppt/slideLayouts/slideLayout6.xml><?xml version="1.0" encoding="utf-8"?>
-<p:sldLayout xmlns:a="http://schemas.openxmlformats.org/drawingml/2006/main" xmlns:r="http://schemas.openxmlformats.org/officeDocument/2006/relationships" xmlns:p="http://schemas.openxmlformats.org/presentationml/2006/main" type="tx" showMasterSp="1" showMasterPhAnim="1">
+<p:sldLayout xmlns:a="http://schemas.openxmlformats.org/drawingml/2006/main" xmlns:r="http://schemas.openxmlformats.org/officeDocument/2006/relationships" xmlns:p="http://schemas.openxmlformats.org/presentationml/2006/main" type="tx">
   <p:cSld name="Title &amp; Bullets">
     <p:spTree>
       <p:nvGrpSpPr>
@@ -2431,7 +2514,9 @@
       <p:sp>
         <p:nvSpPr>
           <p:cNvPr id="56" name="Shape 56"/>
-          <p:cNvSpPr/>
+          <p:cNvSpPr>
+            <a:spLocks noGrp="1"/>
+          </p:cNvSpPr>
           <p:nvPr>
             <p:ph type="title"/>
           </p:nvPr>
@@ -2445,7 +2530,6 @@
           <a:bodyPr/>
           <a:lstStyle/>
           <a:p>
-            <a:pPr/>
             <a:r>
               <a:t>Title Text</a:t>
             </a:r>
@@ -2455,7 +2539,9 @@
       <p:sp>
         <p:nvSpPr>
           <p:cNvPr id="57" name="Shape 57"/>
-          <p:cNvSpPr/>
+          <p:cNvSpPr>
+            <a:spLocks noGrp="1"/>
+          </p:cNvSpPr>
           <p:nvPr>
             <p:ph type="body" idx="1"/>
           </p:nvPr>
@@ -2469,7 +2555,6 @@
           <a:bodyPr/>
           <a:lstStyle/>
           <a:p>
-            <a:pPr/>
             <a:r>
               <a:t>Body Level One</a:t>
             </a:r>
@@ -2503,7 +2588,9 @@
       <p:sp>
         <p:nvSpPr>
           <p:cNvPr id="58" name="Shape 58"/>
-          <p:cNvSpPr/>
+          <p:cNvSpPr>
+            <a:spLocks noGrp="1"/>
+          </p:cNvSpPr>
           <p:nvPr>
             <p:ph type="sldNum" sz="quarter" idx="2"/>
           </p:nvPr>
@@ -2517,8 +2604,10 @@
           <a:bodyPr/>
           <a:lstStyle/>
           <a:p>
-            <a:pPr/>
-            <a:fld id="{86CB4B4D-7CA3-9044-876B-883B54F8677D}" type="slidenum"/>
+            <a:fld id="{86CB4B4D-7CA3-9044-876B-883B54F8677D}" type="slidenum">
+              <a:t>‹#›</a:t>
+            </a:fld>
+            <a:endParaRPr/>
           </a:p>
         </p:txBody>
       </p:sp>
@@ -2527,12 +2616,12 @@
   <p:clrMapOvr>
     <a:masterClrMapping/>
   </p:clrMapOvr>
-  <p:transition xmlns:p14="http://schemas.microsoft.com/office/powerpoint/2010/main" spd="med" advClick="1"/>
+  <p:transition spd="med"/>
 </p:sldLayout>
 </file>
 
 <file path=ppt/slideLayouts/slideLayout7.xml><?xml version="1.0" encoding="utf-8"?>
-<p:sldLayout xmlns:a="http://schemas.openxmlformats.org/drawingml/2006/main" xmlns:r="http://schemas.openxmlformats.org/officeDocument/2006/relationships" xmlns:p="http://schemas.openxmlformats.org/presentationml/2006/main" type="tx" showMasterSp="1" showMasterPhAnim="1">
+<p:sldLayout xmlns:a="http://schemas.openxmlformats.org/drawingml/2006/main" xmlns:r="http://schemas.openxmlformats.org/officeDocument/2006/relationships" xmlns:p="http://schemas.openxmlformats.org/presentationml/2006/main" type="tx">
   <p:cSld name="Title, Bullets &amp; Photo">
     <p:spTree>
       <p:nvGrpSpPr>
@@ -2551,7 +2640,9 @@
       <p:sp>
         <p:nvSpPr>
           <p:cNvPr id="65" name="Shape 65"/>
-          <p:cNvSpPr/>
+          <p:cNvSpPr>
+            <a:spLocks noGrp="1"/>
+          </p:cNvSpPr>
           <p:nvPr>
             <p:ph type="pic" sz="half" idx="13"/>
           </p:nvPr>
@@ -2571,14 +2662,16 @@
           </a:bodyPr>
           <a:lstStyle/>
           <a:p>
-            <a:pPr/>
+            <a:endParaRPr/>
           </a:p>
         </p:txBody>
       </p:sp>
       <p:sp>
         <p:nvSpPr>
           <p:cNvPr id="66" name="Shape 66"/>
-          <p:cNvSpPr/>
+          <p:cNvSpPr>
+            <a:spLocks noGrp="1"/>
+          </p:cNvSpPr>
           <p:nvPr>
             <p:ph type="title"/>
           </p:nvPr>
@@ -2592,7 +2685,6 @@
           <a:bodyPr/>
           <a:lstStyle/>
           <a:p>
-            <a:pPr/>
             <a:r>
               <a:t>Title Text</a:t>
             </a:r>
@@ -2602,7 +2694,9 @@
       <p:sp>
         <p:nvSpPr>
           <p:cNvPr id="67" name="Shape 67"/>
-          <p:cNvSpPr/>
+          <p:cNvSpPr>
+            <a:spLocks noGrp="1"/>
+          </p:cNvSpPr>
           <p:nvPr>
             <p:ph type="body" sz="half" idx="1"/>
           </p:nvPr>
@@ -2651,7 +2745,6 @@
             </a:lvl5pPr>
           </a:lstStyle>
           <a:p>
-            <a:pPr/>
             <a:r>
               <a:t>Body Level One</a:t>
             </a:r>
@@ -2685,7 +2778,9 @@
       <p:sp>
         <p:nvSpPr>
           <p:cNvPr id="68" name="Shape 68"/>
-          <p:cNvSpPr/>
+          <p:cNvSpPr>
+            <a:spLocks noGrp="1"/>
+          </p:cNvSpPr>
           <p:nvPr>
             <p:ph type="sldNum" sz="quarter" idx="2"/>
           </p:nvPr>
@@ -2699,8 +2794,10 @@
           <a:bodyPr/>
           <a:lstStyle/>
           <a:p>
-            <a:pPr/>
-            <a:fld id="{86CB4B4D-7CA3-9044-876B-883B54F8677D}" type="slidenum"/>
+            <a:fld id="{86CB4B4D-7CA3-9044-876B-883B54F8677D}" type="slidenum">
+              <a:t>‹#›</a:t>
+            </a:fld>
+            <a:endParaRPr/>
           </a:p>
         </p:txBody>
       </p:sp>
@@ -2709,12 +2806,12 @@
   <p:clrMapOvr>
     <a:masterClrMapping/>
   </p:clrMapOvr>
-  <p:transition xmlns:p14="http://schemas.microsoft.com/office/powerpoint/2010/main" spd="med" advClick="1"/>
+  <p:transition spd="med"/>
 </p:sldLayout>
 </file>
 
 <file path=ppt/slideLayouts/slideLayout8.xml><?xml version="1.0" encoding="utf-8"?>
-<p:sldLayout xmlns:a="http://schemas.openxmlformats.org/drawingml/2006/main" xmlns:r="http://schemas.openxmlformats.org/officeDocument/2006/relationships" xmlns:p="http://schemas.openxmlformats.org/presentationml/2006/main" type="tx" showMasterSp="1" showMasterPhAnim="1">
+<p:sldLayout xmlns:a="http://schemas.openxmlformats.org/drawingml/2006/main" xmlns:r="http://schemas.openxmlformats.org/officeDocument/2006/relationships" xmlns:p="http://schemas.openxmlformats.org/presentationml/2006/main" type="tx">
   <p:cSld name="Bullets">
     <p:spTree>
       <p:nvGrpSpPr>
@@ -2733,7 +2830,9 @@
       <p:sp>
         <p:nvSpPr>
           <p:cNvPr id="75" name="Shape 75"/>
-          <p:cNvSpPr/>
+          <p:cNvSpPr>
+            <a:spLocks noGrp="1"/>
+          </p:cNvSpPr>
           <p:nvPr>
             <p:ph type="body" idx="1"/>
           </p:nvPr>
@@ -2751,7 +2850,6 @@
           <a:bodyPr/>
           <a:lstStyle/>
           <a:p>
-            <a:pPr/>
             <a:r>
               <a:t>Body Level One</a:t>
             </a:r>
@@ -2785,7 +2883,9 @@
       <p:sp>
         <p:nvSpPr>
           <p:cNvPr id="76" name="Shape 76"/>
-          <p:cNvSpPr/>
+          <p:cNvSpPr>
+            <a:spLocks noGrp="1"/>
+          </p:cNvSpPr>
           <p:nvPr>
             <p:ph type="sldNum" sz="quarter" idx="2"/>
           </p:nvPr>
@@ -2799,8 +2899,10 @@
           <a:bodyPr/>
           <a:lstStyle/>
           <a:p>
-            <a:pPr/>
-            <a:fld id="{86CB4B4D-7CA3-9044-876B-883B54F8677D}" type="slidenum"/>
+            <a:fld id="{86CB4B4D-7CA3-9044-876B-883B54F8677D}" type="slidenum">
+              <a:t>‹#›</a:t>
+            </a:fld>
+            <a:endParaRPr/>
           </a:p>
         </p:txBody>
       </p:sp>
@@ -2809,12 +2911,12 @@
   <p:clrMapOvr>
     <a:masterClrMapping/>
   </p:clrMapOvr>
-  <p:transition xmlns:p14="http://schemas.microsoft.com/office/powerpoint/2010/main" spd="med" advClick="1"/>
+  <p:transition spd="med"/>
 </p:sldLayout>
 </file>
 
 <file path=ppt/slideLayouts/slideLayout9.xml><?xml version="1.0" encoding="utf-8"?>
-<p:sldLayout xmlns:a="http://schemas.openxmlformats.org/drawingml/2006/main" xmlns:r="http://schemas.openxmlformats.org/officeDocument/2006/relationships" xmlns:p="http://schemas.openxmlformats.org/presentationml/2006/main" type="tx" showMasterSp="1" showMasterPhAnim="1">
+<p:sldLayout xmlns:a="http://schemas.openxmlformats.org/drawingml/2006/main" xmlns:r="http://schemas.openxmlformats.org/officeDocument/2006/relationships" xmlns:p="http://schemas.openxmlformats.org/presentationml/2006/main" type="tx">
   <p:cSld name="Photo - 3 Up">
     <p:spTree>
       <p:nvGrpSpPr>
@@ -2833,7 +2935,9 @@
       <p:sp>
         <p:nvSpPr>
           <p:cNvPr id="83" name="Shape 83"/>
-          <p:cNvSpPr/>
+          <p:cNvSpPr>
+            <a:spLocks noGrp="1"/>
+          </p:cNvSpPr>
           <p:nvPr>
             <p:ph type="pic" sz="quarter" idx="13"/>
           </p:nvPr>
@@ -2853,14 +2957,16 @@
           </a:bodyPr>
           <a:lstStyle/>
           <a:p>
-            <a:pPr/>
+            <a:endParaRPr/>
           </a:p>
         </p:txBody>
       </p:sp>
       <p:sp>
         <p:nvSpPr>
           <p:cNvPr id="84" name="Shape 84"/>
-          <p:cNvSpPr/>
+          <p:cNvSpPr>
+            <a:spLocks noGrp="1"/>
+          </p:cNvSpPr>
           <p:nvPr>
             <p:ph type="pic" sz="quarter" idx="14"/>
           </p:nvPr>
@@ -2880,14 +2986,16 @@
           </a:bodyPr>
           <a:lstStyle/>
           <a:p>
-            <a:pPr/>
+            <a:endParaRPr/>
           </a:p>
         </p:txBody>
       </p:sp>
       <p:sp>
         <p:nvSpPr>
           <p:cNvPr id="85" name="Shape 85"/>
-          <p:cNvSpPr/>
+          <p:cNvSpPr>
+            <a:spLocks noGrp="1"/>
+          </p:cNvSpPr>
           <p:nvPr>
             <p:ph type="pic" sz="half" idx="15"/>
           </p:nvPr>
@@ -2907,14 +3015,16 @@
           </a:bodyPr>
           <a:lstStyle/>
           <a:p>
-            <a:pPr/>
+            <a:endParaRPr/>
           </a:p>
         </p:txBody>
       </p:sp>
       <p:sp>
         <p:nvSpPr>
           <p:cNvPr id="86" name="Shape 86"/>
-          <p:cNvSpPr/>
+          <p:cNvSpPr>
+            <a:spLocks noGrp="1"/>
+          </p:cNvSpPr>
           <p:nvPr>
             <p:ph type="sldNum" sz="quarter" idx="2"/>
           </p:nvPr>
@@ -2928,8 +3038,10 @@
           <a:bodyPr/>
           <a:lstStyle/>
           <a:p>
-            <a:pPr/>
-            <a:fld id="{86CB4B4D-7CA3-9044-876B-883B54F8677D}" type="slidenum"/>
+            <a:fld id="{86CB4B4D-7CA3-9044-876B-883B54F8677D}" type="slidenum">
+              <a:t>‹#›</a:t>
+            </a:fld>
+            <a:endParaRPr/>
           </a:p>
         </p:txBody>
       </p:sp>
@@ -2938,7 +3050,7 @@
   <p:clrMapOvr>
     <a:masterClrMapping/>
   </p:clrMapOvr>
-  <p:transition xmlns:p14="http://schemas.microsoft.com/office/powerpoint/2010/main" spd="med" advClick="1"/>
+  <p:transition spd="med"/>
 </p:sldLayout>
 </file>
 
@@ -2950,6 +3062,7 @@
         <a:solidFill>
           <a:srgbClr val="FFFFFF"/>
         </a:solidFill>
+        <a:effectLst/>
       </p:bgPr>
     </p:bg>
     <p:spTree>
@@ -2969,7 +3082,9 @@
       <p:sp>
         <p:nvSpPr>
           <p:cNvPr id="2" name="Shape 2"/>
-          <p:cNvSpPr/>
+          <p:cNvSpPr>
+            <a:spLocks noGrp="1"/>
+          </p:cNvSpPr>
           <p:nvPr>
             <p:ph type="title"/>
           </p:nvPr>
@@ -2993,11 +3108,10 @@
         </p:spPr>
         <p:txBody>
           <a:bodyPr lIns="50800" tIns="50800" rIns="50800" bIns="50800" anchor="ctr">
-            <a:normAutofit fontScale="100000" lnSpcReduction="0"/>
+            <a:normAutofit/>
           </a:bodyPr>
           <a:lstStyle/>
           <a:p>
-            <a:pPr/>
             <a:r>
               <a:t>Title Text</a:t>
             </a:r>
@@ -3007,7 +3121,9 @@
       <p:sp>
         <p:nvSpPr>
           <p:cNvPr id="3" name="Shape 3"/>
-          <p:cNvSpPr/>
+          <p:cNvSpPr>
+            <a:spLocks noGrp="1"/>
+          </p:cNvSpPr>
           <p:nvPr>
             <p:ph type="body" idx="1"/>
           </p:nvPr>
@@ -3031,11 +3147,10 @@
         </p:spPr>
         <p:txBody>
           <a:bodyPr lIns="50800" tIns="50800" rIns="50800" bIns="50800" anchor="ctr">
-            <a:normAutofit fontScale="100000" lnSpcReduction="0"/>
+            <a:normAutofit/>
           </a:bodyPr>
           <a:lstStyle/>
           <a:p>
-            <a:pPr/>
             <a:r>
               <a:t>Body Level One</a:t>
             </a:r>
@@ -3069,7 +3184,9 @@
       <p:sp>
         <p:nvSpPr>
           <p:cNvPr id="4" name="Shape 4"/>
-          <p:cNvSpPr/>
+          <p:cNvSpPr>
+            <a:spLocks noGrp="1"/>
+          </p:cNvSpPr>
           <p:nvPr>
             <p:ph type="sldNum" sz="quarter" idx="2"/>
           </p:nvPr>
@@ -3096,8 +3213,10 @@
             </a:lvl1pPr>
           </a:lstStyle>
           <a:p>
-            <a:pPr/>
-            <a:fld id="{86CB4B4D-7CA3-9044-876B-883B54F8677D}" type="slidenum"/>
+            <a:fld id="{86CB4B4D-7CA3-9044-876B-883B54F8677D}" type="slidenum">
+              <a:t>‹#›</a:t>
+            </a:fld>
+            <a:endParaRPr/>
           </a:p>
         </p:txBody>
       </p:sp>
@@ -3105,20 +3224,20 @@
   </p:cSld>
   <p:clrMap bg1="lt1" tx1="dk1" bg2="lt2" tx2="dk2" accent1="accent1" accent2="accent2" accent3="accent3" accent4="accent4" accent5="accent5" accent6="accent6" hlink="hlink" folHlink="folHlink"/>
   <p:sldLayoutIdLst>
-    <p:sldLayoutId id="2147483649" r:id="rId2"/>
-    <p:sldLayoutId id="2147483650" r:id="rId3"/>
-    <p:sldLayoutId id="2147483651" r:id="rId4"/>
-    <p:sldLayoutId id="2147483652" r:id="rId5"/>
-    <p:sldLayoutId id="2147483653" r:id="rId6"/>
-    <p:sldLayoutId id="2147483654" r:id="rId7"/>
-    <p:sldLayoutId id="2147483655" r:id="rId8"/>
-    <p:sldLayoutId id="2147483656" r:id="rId9"/>
-    <p:sldLayoutId id="2147483657" r:id="rId10"/>
-    <p:sldLayoutId id="2147483658" r:id="rId11"/>
-    <p:sldLayoutId id="2147483659" r:id="rId12"/>
-    <p:sldLayoutId id="2147483660" r:id="rId13"/>
+    <p:sldLayoutId id="2147483649" r:id="rId1"/>
+    <p:sldLayoutId id="2147483650" r:id="rId2"/>
+    <p:sldLayoutId id="2147483651" r:id="rId3"/>
+    <p:sldLayoutId id="2147483652" r:id="rId4"/>
+    <p:sldLayoutId id="2147483653" r:id="rId5"/>
+    <p:sldLayoutId id="2147483654" r:id="rId6"/>
+    <p:sldLayoutId id="2147483655" r:id="rId7"/>
+    <p:sldLayoutId id="2147483656" r:id="rId8"/>
+    <p:sldLayoutId id="2147483657" r:id="rId9"/>
+    <p:sldLayoutId id="2147483658" r:id="rId10"/>
+    <p:sldLayoutId id="2147483659" r:id="rId11"/>
+    <p:sldLayoutId id="2147483660" r:id="rId12"/>
   </p:sldLayoutIdLst>
-  <p:transition xmlns:p14="http://schemas.microsoft.com/office/powerpoint/2010/main" spd="med" advClick="1"/>
+  <p:transition spd="med"/>
   <p:txStyles>
     <p:titleStyle>
       <a:lvl1pPr marL="0" marR="0" indent="0" algn="ctr" defTabSz="584200" rtl="0" latinLnBrk="0">
@@ -3136,7 +3255,7 @@
         <a:buFontTx/>
         <a:buNone/>
         <a:tabLst/>
-        <a:defRPr b="0" baseline="0" cap="none" i="0" spc="0" strike="noStrike" sz="8000" u="none">
+        <a:defRPr sz="8000" b="0" i="0" u="none" strike="noStrike" cap="none" spc="0" baseline="0">
           <a:ln>
             <a:noFill/>
           </a:ln>
@@ -3165,7 +3284,7 @@
         <a:buFontTx/>
         <a:buNone/>
         <a:tabLst/>
-        <a:defRPr b="0" baseline="0" cap="none" i="0" spc="0" strike="noStrike" sz="8000" u="none">
+        <a:defRPr sz="8000" b="0" i="0" u="none" strike="noStrike" cap="none" spc="0" baseline="0">
           <a:ln>
             <a:noFill/>
           </a:ln>
@@ -3194,7 +3313,7 @@
         <a:buFontTx/>
         <a:buNone/>
         <a:tabLst/>
-        <a:defRPr b="0" baseline="0" cap="none" i="0" spc="0" strike="noStrike" sz="8000" u="none">
+        <a:defRPr sz="8000" b="0" i="0" u="none" strike="noStrike" cap="none" spc="0" baseline="0">
           <a:ln>
             <a:noFill/>
           </a:ln>
@@ -3223,7 +3342,7 @@
         <a:buFontTx/>
         <a:buNone/>
         <a:tabLst/>
-        <a:defRPr b="0" baseline="0" cap="none" i="0" spc="0" strike="noStrike" sz="8000" u="none">
+        <a:defRPr sz="8000" b="0" i="0" u="none" strike="noStrike" cap="none" spc="0" baseline="0">
           <a:ln>
             <a:noFill/>
           </a:ln>
@@ -3252,7 +3371,7 @@
         <a:buFontTx/>
         <a:buNone/>
         <a:tabLst/>
-        <a:defRPr b="0" baseline="0" cap="none" i="0" spc="0" strike="noStrike" sz="8000" u="none">
+        <a:defRPr sz="8000" b="0" i="0" u="none" strike="noStrike" cap="none" spc="0" baseline="0">
           <a:ln>
             <a:noFill/>
           </a:ln>
@@ -3281,7 +3400,7 @@
         <a:buFontTx/>
         <a:buNone/>
         <a:tabLst/>
-        <a:defRPr b="0" baseline="0" cap="none" i="0" spc="0" strike="noStrike" sz="8000" u="none">
+        <a:defRPr sz="8000" b="0" i="0" u="none" strike="noStrike" cap="none" spc="0" baseline="0">
           <a:ln>
             <a:noFill/>
           </a:ln>
@@ -3310,7 +3429,7 @@
         <a:buFontTx/>
         <a:buNone/>
         <a:tabLst/>
-        <a:defRPr b="0" baseline="0" cap="none" i="0" spc="0" strike="noStrike" sz="8000" u="none">
+        <a:defRPr sz="8000" b="0" i="0" u="none" strike="noStrike" cap="none" spc="0" baseline="0">
           <a:ln>
             <a:noFill/>
           </a:ln>
@@ -3339,7 +3458,7 @@
         <a:buFontTx/>
         <a:buNone/>
         <a:tabLst/>
-        <a:defRPr b="0" baseline="0" cap="none" i="0" spc="0" strike="noStrike" sz="8000" u="none">
+        <a:defRPr sz="8000" b="0" i="0" u="none" strike="noStrike" cap="none" spc="0" baseline="0">
           <a:ln>
             <a:noFill/>
           </a:ln>
@@ -3368,7 +3487,7 @@
         <a:buFontTx/>
         <a:buNone/>
         <a:tabLst/>
-        <a:defRPr b="0" baseline="0" cap="none" i="0" spc="0" strike="noStrike" sz="8000" u="none">
+        <a:defRPr sz="8000" b="0" i="0" u="none" strike="noStrike" cap="none" spc="0" baseline="0">
           <a:ln>
             <a:noFill/>
           </a:ln>
@@ -3399,7 +3518,7 @@
         <a:buFontTx/>
         <a:buChar char="•"/>
         <a:tabLst/>
-        <a:defRPr b="0" baseline="0" cap="none" i="0" spc="0" strike="noStrike" sz="3600" u="none">
+        <a:defRPr sz="3600" b="0" i="0" u="none" strike="noStrike" cap="none" spc="0" baseline="0">
           <a:ln>
             <a:noFill/>
           </a:ln>
@@ -3428,7 +3547,7 @@
         <a:buFontTx/>
         <a:buChar char="•"/>
         <a:tabLst/>
-        <a:defRPr b="0" baseline="0" cap="none" i="0" spc="0" strike="noStrike" sz="3600" u="none">
+        <a:defRPr sz="3600" b="0" i="0" u="none" strike="noStrike" cap="none" spc="0" baseline="0">
           <a:ln>
             <a:noFill/>
           </a:ln>
@@ -3457,7 +3576,7 @@
         <a:buFontTx/>
         <a:buChar char="•"/>
         <a:tabLst/>
-        <a:defRPr b="0" baseline="0" cap="none" i="0" spc="0" strike="noStrike" sz="3600" u="none">
+        <a:defRPr sz="3600" b="0" i="0" u="none" strike="noStrike" cap="none" spc="0" baseline="0">
           <a:ln>
             <a:noFill/>
           </a:ln>
@@ -3486,7 +3605,7 @@
         <a:buFontTx/>
         <a:buChar char="•"/>
         <a:tabLst/>
-        <a:defRPr b="0" baseline="0" cap="none" i="0" spc="0" strike="noStrike" sz="3600" u="none">
+        <a:defRPr sz="3600" b="0" i="0" u="none" strike="noStrike" cap="none" spc="0" baseline="0">
           <a:ln>
             <a:noFill/>
           </a:ln>
@@ -3515,7 +3634,7 @@
         <a:buFontTx/>
         <a:buChar char="•"/>
         <a:tabLst/>
-        <a:defRPr b="0" baseline="0" cap="none" i="0" spc="0" strike="noStrike" sz="3600" u="none">
+        <a:defRPr sz="3600" b="0" i="0" u="none" strike="noStrike" cap="none" spc="0" baseline="0">
           <a:ln>
             <a:noFill/>
           </a:ln>
@@ -3544,7 +3663,7 @@
         <a:buFontTx/>
         <a:buChar char="•"/>
         <a:tabLst/>
-        <a:defRPr b="0" baseline="0" cap="none" i="0" spc="0" strike="noStrike" sz="3600" u="none">
+        <a:defRPr sz="3600" b="0" i="0" u="none" strike="noStrike" cap="none" spc="0" baseline="0">
           <a:ln>
             <a:noFill/>
           </a:ln>
@@ -3573,7 +3692,7 @@
         <a:buFontTx/>
         <a:buChar char="•"/>
         <a:tabLst/>
-        <a:defRPr b="0" baseline="0" cap="none" i="0" spc="0" strike="noStrike" sz="3600" u="none">
+        <a:defRPr sz="3600" b="0" i="0" u="none" strike="noStrike" cap="none" spc="0" baseline="0">
           <a:ln>
             <a:noFill/>
           </a:ln>
@@ -3602,7 +3721,7 @@
         <a:buFontTx/>
         <a:buChar char="•"/>
         <a:tabLst/>
-        <a:defRPr b="0" baseline="0" cap="none" i="0" spc="0" strike="noStrike" sz="3600" u="none">
+        <a:defRPr sz="3600" b="0" i="0" u="none" strike="noStrike" cap="none" spc="0" baseline="0">
           <a:ln>
             <a:noFill/>
           </a:ln>
@@ -3631,7 +3750,7 @@
         <a:buFontTx/>
         <a:buChar char="•"/>
         <a:tabLst/>
-        <a:defRPr b="0" baseline="0" cap="none" i="0" spc="0" strike="noStrike" sz="3600" u="none">
+        <a:defRPr sz="3600" b="0" i="0" u="none" strike="noStrike" cap="none" spc="0" baseline="0">
           <a:ln>
             <a:noFill/>
           </a:ln>
@@ -3662,7 +3781,7 @@
         <a:buFontTx/>
         <a:buNone/>
         <a:tabLst/>
-        <a:defRPr b="0" baseline="0" cap="none" i="0" spc="0" strike="noStrike" sz="1800" u="none">
+        <a:defRPr sz="1800" b="0" i="0" u="none" strike="noStrike" cap="none" spc="0" baseline="0">
           <a:ln>
             <a:noFill/>
           </a:ln>
@@ -3691,7 +3810,7 @@
         <a:buFontTx/>
         <a:buNone/>
         <a:tabLst/>
-        <a:defRPr b="0" baseline="0" cap="none" i="0" spc="0" strike="noStrike" sz="1800" u="none">
+        <a:defRPr sz="1800" b="0" i="0" u="none" strike="noStrike" cap="none" spc="0" baseline="0">
           <a:ln>
             <a:noFill/>
           </a:ln>
@@ -3720,7 +3839,7 @@
         <a:buFontTx/>
         <a:buNone/>
         <a:tabLst/>
-        <a:defRPr b="0" baseline="0" cap="none" i="0" spc="0" strike="noStrike" sz="1800" u="none">
+        <a:defRPr sz="1800" b="0" i="0" u="none" strike="noStrike" cap="none" spc="0" baseline="0">
           <a:ln>
             <a:noFill/>
           </a:ln>
@@ -3749,7 +3868,7 @@
         <a:buFontTx/>
         <a:buNone/>
         <a:tabLst/>
-        <a:defRPr b="0" baseline="0" cap="none" i="0" spc="0" strike="noStrike" sz="1800" u="none">
+        <a:defRPr sz="1800" b="0" i="0" u="none" strike="noStrike" cap="none" spc="0" baseline="0">
           <a:ln>
             <a:noFill/>
           </a:ln>
@@ -3778,7 +3897,7 @@
         <a:buFontTx/>
         <a:buNone/>
         <a:tabLst/>
-        <a:defRPr b="0" baseline="0" cap="none" i="0" spc="0" strike="noStrike" sz="1800" u="none">
+        <a:defRPr sz="1800" b="0" i="0" u="none" strike="noStrike" cap="none" spc="0" baseline="0">
           <a:ln>
             <a:noFill/>
           </a:ln>
@@ -3807,7 +3926,7 @@
         <a:buFontTx/>
         <a:buNone/>
         <a:tabLst/>
-        <a:defRPr b="0" baseline="0" cap="none" i="0" spc="0" strike="noStrike" sz="1800" u="none">
+        <a:defRPr sz="1800" b="0" i="0" u="none" strike="noStrike" cap="none" spc="0" baseline="0">
           <a:ln>
             <a:noFill/>
           </a:ln>
@@ -3836,7 +3955,7 @@
         <a:buFontTx/>
         <a:buNone/>
         <a:tabLst/>
-        <a:defRPr b="0" baseline="0" cap="none" i="0" spc="0" strike="noStrike" sz="1800" u="none">
+        <a:defRPr sz="1800" b="0" i="0" u="none" strike="noStrike" cap="none" spc="0" baseline="0">
           <a:ln>
             <a:noFill/>
           </a:ln>
@@ -3865,7 +3984,7 @@
         <a:buFontTx/>
         <a:buNone/>
         <a:tabLst/>
-        <a:defRPr b="0" baseline="0" cap="none" i="0" spc="0" strike="noStrike" sz="1800" u="none">
+        <a:defRPr sz="1800" b="0" i="0" u="none" strike="noStrike" cap="none" spc="0" baseline="0">
           <a:ln>
             <a:noFill/>
           </a:ln>
@@ -3894,7 +4013,7 @@
         <a:buFontTx/>
         <a:buNone/>
         <a:tabLst/>
-        <a:defRPr b="0" baseline="0" cap="none" i="0" spc="0" strike="noStrike" sz="1800" u="none">
+        <a:defRPr sz="1800" b="0" i="0" u="none" strike="noStrike" cap="none" spc="0" baseline="0">
           <a:ln>
             <a:noFill/>
           </a:ln>
@@ -3914,7 +4033,7 @@
 </file>
 
 <file path=ppt/slides/slide1.xml><?xml version="1.0" encoding="utf-8"?>
-<p:sld xmlns:a="http://schemas.openxmlformats.org/drawingml/2006/main" xmlns:r="http://schemas.openxmlformats.org/officeDocument/2006/relationships" xmlns:p="http://schemas.openxmlformats.org/presentationml/2006/main" showMasterSp="1" showMasterPhAnim="1">
+<p:sld xmlns:a="http://schemas.openxmlformats.org/drawingml/2006/main" xmlns:r="http://schemas.openxmlformats.org/officeDocument/2006/relationships" xmlns:p="http://schemas.openxmlformats.org/presentationml/2006/main">
   <p:cSld>
     <p:spTree>
       <p:nvGrpSpPr>
@@ -3933,7 +4052,9 @@
       <p:sp>
         <p:nvSpPr>
           <p:cNvPr id="119" name="Shape 119"/>
-          <p:cNvSpPr/>
+          <p:cNvSpPr>
+            <a:spLocks noGrp="1"/>
+          </p:cNvSpPr>
           <p:nvPr>
             <p:ph type="ctrTitle"/>
           </p:nvPr>
@@ -3947,7 +4068,6 @@
           <a:bodyPr/>
           <a:lstStyle/>
           <a:p>
-            <a:pPr/>
             <a:r>
               <a:t>Data tidying in R</a:t>
             </a:r>
@@ -3957,7 +4077,9 @@
       <p:sp>
         <p:nvSpPr>
           <p:cNvPr id="120" name="Shape 120"/>
-          <p:cNvSpPr/>
+          <p:cNvSpPr>
+            <a:spLocks noGrp="1"/>
+          </p:cNvSpPr>
           <p:nvPr>
             <p:ph type="subTitle" sz="quarter" idx="1"/>
           </p:nvPr>
@@ -3971,7 +4093,7 @@
           <a:bodyPr/>
           <a:lstStyle/>
           <a:p>
-            <a:pPr/>
+            <a:endParaRPr/>
           </a:p>
         </p:txBody>
       </p:sp>
@@ -3980,12 +4102,12 @@
   <p:clrMapOvr>
     <a:masterClrMapping/>
   </p:clrMapOvr>
-  <p:transition xmlns:p14="http://schemas.microsoft.com/office/powerpoint/2010/main" spd="med" advClick="1"/>
+  <p:transition spd="med"/>
 </p:sld>
 </file>
 
 <file path=ppt/slides/slide10.xml><?xml version="1.0" encoding="utf-8"?>
-<p:sld xmlns:a="http://schemas.openxmlformats.org/drawingml/2006/main" xmlns:r="http://schemas.openxmlformats.org/officeDocument/2006/relationships" xmlns:p="http://schemas.openxmlformats.org/presentationml/2006/main" showMasterSp="1" showMasterPhAnim="1">
+<p:sld xmlns:a="http://schemas.openxmlformats.org/drawingml/2006/main" xmlns:r="http://schemas.openxmlformats.org/officeDocument/2006/relationships" xmlns:p="http://schemas.openxmlformats.org/presentationml/2006/main">
   <p:cSld>
     <p:spTree>
       <p:nvGrpSpPr>
@@ -4004,7 +4126,9 @@
       <p:sp>
         <p:nvSpPr>
           <p:cNvPr id="161" name="Shape 161"/>
-          <p:cNvSpPr/>
+          <p:cNvSpPr>
+            <a:spLocks noGrp="1"/>
+          </p:cNvSpPr>
           <p:nvPr>
             <p:ph type="title"/>
           </p:nvPr>
@@ -4026,7 +4150,6 @@
             </a:lvl1pPr>
           </a:lstStyle>
           <a:p>
-            <a:pPr/>
             <a:r>
               <a:t>Need long data to test interactions</a:t>
             </a:r>
@@ -4036,7 +4159,9 @@
       <p:sp>
         <p:nvSpPr>
           <p:cNvPr id="162" name="Shape 162"/>
-          <p:cNvSpPr/>
+          <p:cNvSpPr>
+            <a:spLocks noGrp="1"/>
+          </p:cNvSpPr>
           <p:nvPr>
             <p:ph type="body" idx="1"/>
           </p:nvPr>
@@ -4054,17 +4179,19 @@
           <a:bodyPr/>
           <a:lstStyle/>
           <a:p>
-            <a:pPr/>
+            <a:endParaRPr/>
           </a:p>
           <a:p>
             <a:pPr marL="444500" indent="-444500">
               <a:defRPr sz="3200"/>
             </a:pPr>
+            <a:endParaRPr/>
           </a:p>
           <a:p>
             <a:pPr marL="444500" indent="-444500">
               <a:defRPr sz="3200"/>
             </a:pPr>
+            <a:endParaRPr/>
           </a:p>
           <a:p>
             <a:pPr marL="395111" indent="-395111">
@@ -4171,7 +4298,7 @@
             </a:cxnLst>
             <a:rect l="0" t="0" r="r" b="b"/>
             <a:pathLst>
-              <a:path w="21600" h="21600" fill="norm" stroke="1" extrusionOk="0">
+              <a:path w="21600" h="21600" extrusionOk="0">
                 <a:moveTo>
                   <a:pt x="0" y="21600"/>
                 </a:moveTo>
@@ -4203,7 +4330,7 @@
           <a:bodyPr/>
           <a:lstStyle/>
           <a:p>
-            <a:pPr/>
+            <a:endParaRPr/>
           </a:p>
         </p:txBody>
       </p:sp>
@@ -4238,7 +4365,7 @@
             </a:cxnLst>
             <a:rect l="0" t="0" r="r" b="b"/>
             <a:pathLst>
-              <a:path w="21600" h="21600" fill="norm" stroke="1" extrusionOk="0">
+              <a:path w="21600" h="21600" extrusionOk="0">
                 <a:moveTo>
                   <a:pt x="0" y="21600"/>
                 </a:moveTo>
@@ -4270,7 +4397,7 @@
           <a:bodyPr/>
           <a:lstStyle/>
           <a:p>
-            <a:pPr/>
+            <a:endParaRPr/>
           </a:p>
         </p:txBody>
       </p:sp>
@@ -4279,14 +4406,14 @@
   <p:clrMapOvr>
     <a:masterClrMapping/>
   </p:clrMapOvr>
-  <p:transition xmlns:p14="http://schemas.microsoft.com/office/powerpoint/2010/main" spd="med" advClick="1" p14:dur="1000"/>
+  <p:transition spd="slow"/>
   <p:timing>
     <p:tnLst>
       <p:par>
-        <p:cTn id="1" nodeType="tmRoot" restart="never" dur="indefinite" fill="hold">
+        <p:cTn id="1" dur="indefinite" restart="never" fill="hold" nodeType="tmRoot">
           <p:childTnLst>
             <p:seq concurrent="1" prevAc="none" nextAc="seek">
-              <p:cTn id="2" nodeType="mainSeq" dur="indefinite" fill="hold">
+              <p:cTn id="2" dur="indefinite" fill="hold" nodeType="mainSeq">
                 <p:childTnLst>
                   <p:par>
                     <p:cTn id="3" fill="hold">
@@ -4301,11 +4428,11 @@
                             </p:stCondLst>
                             <p:childTnLst>
                               <p:par>
-                                <p:cTn id="5" presetClass="entr" nodeType="clickEffect" presetSubtype="0" presetID="1" grpId="1" fill="hold">
+                                <p:cTn id="5" presetID="1" presetClass="entr" presetSubtype="0" fill="hold" grpId="1" nodeType="clickEffect">
                                   <p:stCondLst>
                                     <p:cond delay="0"/>
                                   </p:stCondLst>
-                                  <p:iterate type="el" backwards="0">
+                                  <p:iterate>
                                     <p:tmAbs val="0"/>
                                   </p:iterate>
                                   <p:childTnLst>
@@ -4345,11 +4472,11 @@
                             </p:stCondLst>
                             <p:childTnLst>
                               <p:par>
-                                <p:cTn id="9" presetClass="entr" nodeType="clickEffect" presetSubtype="0" presetID="1" grpId="2" fill="hold">
+                                <p:cTn id="9" presetID="1" presetClass="entr" presetSubtype="0" fill="hold" grpId="2" nodeType="clickEffect">
                                   <p:stCondLst>
                                     <p:cond delay="0"/>
                                   </p:stCondLst>
-                                  <p:iterate type="el" backwards="0">
+                                  <p:iterate>
                                     <p:tmAbs val="0"/>
                                   </p:iterate>
                                   <p:childTnLst>
@@ -4380,11 +4507,11 @@
                             </p:stCondLst>
                             <p:childTnLst>
                               <p:par>
-                                <p:cTn id="12" presetClass="entr" nodeType="afterEffect" presetSubtype="0" presetID="1" grpId="3" fill="hold">
+                                <p:cTn id="12" presetID="1" presetClass="entr" presetSubtype="0" fill="hold" grpId="3" nodeType="afterEffect">
                                   <p:stCondLst>
                                     <p:cond delay="0"/>
                                   </p:stCondLst>
-                                  <p:iterate type="el" backwards="0">
+                                  <p:iterate>
                                     <p:tmAbs val="0"/>
                                   </p:iterate>
                                   <p:childTnLst>
@@ -4414,14 +4541,14 @@
                 </p:childTnLst>
               </p:cTn>
               <p:prevCondLst>
-                <p:cond evt="onPrev">
+                <p:cond evt="onPrev" delay="0">
                   <p:tgtEl>
                     <p:sldTgt/>
                   </p:tgtEl>
                 </p:cond>
               </p:prevCondLst>
               <p:nextCondLst>
-                <p:cond evt="onNext">
+                <p:cond evt="onNext" delay="0">
                   <p:tgtEl>
                     <p:sldTgt/>
                   </p:tgtEl>
@@ -4433,16 +4560,16 @@
       </p:par>
     </p:tnLst>
     <p:bldLst>
-      <p:bldP build="whole" bldLvl="1" animBg="1" rev="0" advAuto="0" spid="164" grpId="1"/>
-      <p:bldP build="whole" bldLvl="1" animBg="1" rev="0" advAuto="0" spid="167" grpId="2"/>
-      <p:bldP build="whole" bldLvl="1" animBg="1" rev="0" advAuto="0" spid="168" grpId="3"/>
+      <p:bldP spid="164" grpId="1" animBg="1" advAuto="0"/>
+      <p:bldP spid="167" grpId="2" animBg="1" advAuto="0"/>
+      <p:bldP spid="168" grpId="3" animBg="1" advAuto="0"/>
     </p:bldLst>
   </p:timing>
 </p:sld>
 </file>
 
 <file path=ppt/slides/slide11.xml><?xml version="1.0" encoding="utf-8"?>
-<p:sld xmlns:a="http://schemas.openxmlformats.org/drawingml/2006/main" xmlns:r="http://schemas.openxmlformats.org/officeDocument/2006/relationships" xmlns:p="http://schemas.openxmlformats.org/presentationml/2006/main" showMasterSp="1" showMasterPhAnim="1">
+<p:sld xmlns:a="http://schemas.openxmlformats.org/drawingml/2006/main" xmlns:r="http://schemas.openxmlformats.org/officeDocument/2006/relationships" xmlns:p="http://schemas.openxmlformats.org/presentationml/2006/main">
   <p:cSld>
     <p:spTree>
       <p:nvGrpSpPr>
@@ -4461,7 +4588,9 @@
       <p:sp>
         <p:nvSpPr>
           <p:cNvPr id="170" name="Shape 170"/>
-          <p:cNvSpPr/>
+          <p:cNvSpPr>
+            <a:spLocks noGrp="1"/>
+          </p:cNvSpPr>
           <p:nvPr>
             <p:ph type="title"/>
           </p:nvPr>
@@ -4475,7 +4604,6 @@
           <a:bodyPr/>
           <a:lstStyle/>
           <a:p>
-            <a:pPr/>
             <a:r>
               <a:t>Interaction results</a:t>
             </a:r>
@@ -4485,7 +4613,9 @@
       <p:sp>
         <p:nvSpPr>
           <p:cNvPr id="171" name="Shape 171"/>
-          <p:cNvSpPr/>
+          <p:cNvSpPr>
+            <a:spLocks noGrp="1"/>
+          </p:cNvSpPr>
           <p:nvPr>
             <p:ph type="body" idx="1"/>
           </p:nvPr>
@@ -4499,22 +4629,21 @@
           <a:bodyPr/>
           <a:lstStyle/>
           <a:p>
-            <a:pPr/>
-          </a:p>
-          <a:p>
-            <a:pPr/>
-          </a:p>
-          <a:p>
-            <a:pPr/>
-          </a:p>
-          <a:p>
-            <a:pPr/>
-          </a:p>
-          <a:p>
-            <a:pPr/>
-          </a:p>
-          <a:p>
-            <a:pPr/>
+            <a:endParaRPr/>
+          </a:p>
+          <a:p>
+            <a:endParaRPr/>
+          </a:p>
+          <a:p>
+            <a:endParaRPr/>
+          </a:p>
+          <a:p>
+            <a:endParaRPr/>
+          </a:p>
+          <a:p>
+            <a:endParaRPr/>
+          </a:p>
+          <a:p>
             <a:r>
               <a:t>Paper retracted after multiple people noticed this</a:t>
             </a:r>
@@ -4555,12 +4684,12 @@
   <p:clrMapOvr>
     <a:masterClrMapping/>
   </p:clrMapOvr>
-  <p:transition xmlns:p14="http://schemas.microsoft.com/office/powerpoint/2010/main" spd="med" advClick="1" p14:dur="1000"/>
+  <p:transition spd="slow"/>
 </p:sld>
 </file>
 
 <file path=ppt/slides/slide12.xml><?xml version="1.0" encoding="utf-8"?>
-<p:sld xmlns:a="http://schemas.openxmlformats.org/drawingml/2006/main" xmlns:r="http://schemas.openxmlformats.org/officeDocument/2006/relationships" xmlns:p="http://schemas.openxmlformats.org/presentationml/2006/main" showMasterSp="1" showMasterPhAnim="1">
+<p:sld xmlns:a="http://schemas.openxmlformats.org/drawingml/2006/main" xmlns:r="http://schemas.openxmlformats.org/officeDocument/2006/relationships" xmlns:p="http://schemas.openxmlformats.org/presentationml/2006/main">
   <p:cSld>
     <p:spTree>
       <p:nvGrpSpPr>
@@ -4579,7 +4708,9 @@
       <p:sp>
         <p:nvSpPr>
           <p:cNvPr id="174" name="Shape 174"/>
-          <p:cNvSpPr/>
+          <p:cNvSpPr>
+            <a:spLocks noGrp="1"/>
+          </p:cNvSpPr>
           <p:nvPr>
             <p:ph type="title"/>
           </p:nvPr>
@@ -4593,7 +4724,6 @@
           <a:bodyPr/>
           <a:lstStyle/>
           <a:p>
-            <a:pPr/>
             <a:r>
               <a:t>Why do we care?</a:t>
             </a:r>
@@ -4603,7 +4733,9 @@
       <p:sp>
         <p:nvSpPr>
           <p:cNvPr id="175" name="Shape 175"/>
-          <p:cNvSpPr/>
+          <p:cNvSpPr>
+            <a:spLocks noGrp="1"/>
+          </p:cNvSpPr>
           <p:nvPr>
             <p:ph type="body" idx="1"/>
           </p:nvPr>
@@ -4621,19 +4753,16 @@
           <a:bodyPr/>
           <a:lstStyle/>
           <a:p>
-            <a:pPr/>
             <a:r>
               <a:t>For most of what we want to do in R, tidy data is the optimal format</a:t>
             </a:r>
           </a:p>
           <a:p>
-            <a:pPr/>
             <a:r>
               <a:t>Principles provide a universal language to express data problems, which make it easier to figure out what needs to happen to make the data tidy.</a:t>
             </a:r>
           </a:p>
           <a:p>
-            <a:pPr/>
             <a:r>
               <a:t>Helps you to realise what information you need for modelling.</a:t>
             </a:r>
@@ -4645,12 +4774,12 @@
   <p:clrMapOvr>
     <a:masterClrMapping/>
   </p:clrMapOvr>
-  <p:transition xmlns:p14="http://schemas.microsoft.com/office/powerpoint/2010/main" spd="med" advClick="1" p14:dur="1000"/>
+  <p:transition spd="slow"/>
 </p:sld>
 </file>
 
 <file path=ppt/slides/slide13.xml><?xml version="1.0" encoding="utf-8"?>
-<p:sld xmlns:a="http://schemas.openxmlformats.org/drawingml/2006/main" xmlns:r="http://schemas.openxmlformats.org/officeDocument/2006/relationships" xmlns:p="http://schemas.openxmlformats.org/presentationml/2006/main" showMasterSp="1" showMasterPhAnim="1">
+<p:sld xmlns:a="http://schemas.openxmlformats.org/drawingml/2006/main" xmlns:r="http://schemas.openxmlformats.org/officeDocument/2006/relationships" xmlns:p="http://schemas.openxmlformats.org/presentationml/2006/main">
   <p:cSld>
     <p:spTree>
       <p:nvGrpSpPr>
@@ -4669,7 +4798,9 @@
       <p:sp>
         <p:nvSpPr>
           <p:cNvPr id="177" name="Shape 177"/>
-          <p:cNvSpPr/>
+          <p:cNvSpPr>
+            <a:spLocks noGrp="1"/>
+          </p:cNvSpPr>
           <p:nvPr>
             <p:ph type="title"/>
           </p:nvPr>
@@ -4680,10 +4811,11 @@
           </a:prstGeom>
         </p:spPr>
         <p:txBody>
-          <a:bodyPr/>
-          <a:lstStyle/>
-          <a:p>
-            <a:pPr/>
+          <a:bodyPr>
+            <a:normAutofit fontScale="90000"/>
+          </a:bodyPr>
+          <a:lstStyle/>
+          <a:p>
             <a:r>
               <a:t>Common data problems</a:t>
             </a:r>
@@ -4693,7 +4825,9 @@
       <p:sp>
         <p:nvSpPr>
           <p:cNvPr id="178" name="Shape 178"/>
-          <p:cNvSpPr/>
+          <p:cNvSpPr>
+            <a:spLocks noGrp="1"/>
+          </p:cNvSpPr>
           <p:nvPr>
             <p:ph type="body" idx="1"/>
           </p:nvPr>
@@ -4713,7 +4847,7 @@
           <a:p>
             <a:pPr marL="635000" indent="-635000">
               <a:buSzPct val="100000"/>
-              <a:buAutoNum type="arabicPeriod" startAt="1"/>
+              <a:buAutoNum type="arabicPeriod"/>
             </a:pPr>
             <a:r>
               <a:t>Column headers hold values, not just variables</a:t>
@@ -4722,16 +4856,16 @@
           <a:p>
             <a:pPr marL="635000" indent="-635000">
               <a:buSzPct val="100000"/>
-              <a:buAutoNum type="arabicPeriod" startAt="1"/>
+              <a:buAutoNum type="arabicPeriod"/>
             </a:pPr>
             <a:r>
               <a:t>Multiple variables stored in one column</a:t>
             </a:r>
           </a:p>
           <a:p>
-            <a:pPr lvl="1" marL="1270000" indent="-635000">
+            <a:pPr marL="1270000" lvl="1" indent="-635000">
               <a:buSzPct val="100000"/>
-              <a:buAutoNum type="arabicPeriod" startAt="1"/>
+              <a:buAutoNum type="arabicPeriod"/>
             </a:pPr>
             <a:r>
               <a:t> (or) one variable across multiple columns</a:t>
@@ -4740,7 +4874,7 @@
           <a:p>
             <a:pPr marL="635000" indent="-635000">
               <a:buSzPct val="100000"/>
-              <a:buAutoNum type="arabicPeriod" startAt="1"/>
+              <a:buAutoNum type="arabicPeriod"/>
             </a:pPr>
             <a:r>
               <a:t>Variables are stored in rows instead of columns</a:t>
@@ -4753,12 +4887,12 @@
   <p:clrMapOvr>
     <a:masterClrMapping/>
   </p:clrMapOvr>
-  <p:transition xmlns:p14="http://schemas.microsoft.com/office/powerpoint/2010/main" spd="med" advClick="1" p14:dur="1000"/>
+  <p:transition spd="slow"/>
 </p:sld>
 </file>
 
 <file path=ppt/slides/slide14.xml><?xml version="1.0" encoding="utf-8"?>
-<p:sld xmlns:a="http://schemas.openxmlformats.org/drawingml/2006/main" xmlns:r="http://schemas.openxmlformats.org/officeDocument/2006/relationships" xmlns:p="http://schemas.openxmlformats.org/presentationml/2006/main" showMasterSp="1" showMasterPhAnim="1">
+<p:sld xmlns:a="http://schemas.openxmlformats.org/drawingml/2006/main" xmlns:r="http://schemas.openxmlformats.org/officeDocument/2006/relationships" xmlns:p="http://schemas.openxmlformats.org/presentationml/2006/main">
   <p:cSld>
     <p:spTree>
       <p:nvGrpSpPr>
@@ -4777,7 +4911,9 @@
       <p:sp>
         <p:nvSpPr>
           <p:cNvPr id="182" name="Shape 182"/>
-          <p:cNvSpPr/>
+          <p:cNvSpPr>
+            <a:spLocks noGrp="1"/>
+          </p:cNvSpPr>
           <p:nvPr>
             <p:ph type="title"/>
           </p:nvPr>
@@ -4795,7 +4931,6 @@
             </a:lvl1pPr>
           </a:lstStyle>
           <a:p>
-            <a:pPr/>
             <a:r>
               <a:t>#1: Column headers hold values, not just variables</a:t>
             </a:r>
@@ -4805,7 +4940,9 @@
       <p:sp>
         <p:nvSpPr>
           <p:cNvPr id="183" name="Shape 183"/>
-          <p:cNvSpPr/>
+          <p:cNvSpPr>
+            <a:spLocks noGrp="1"/>
+          </p:cNvSpPr>
           <p:nvPr>
             <p:ph type="body" idx="1"/>
           </p:nvPr>
@@ -4870,12 +5007,12 @@
   <p:clrMapOvr>
     <a:masterClrMapping/>
   </p:clrMapOvr>
-  <p:transition xmlns:p14="http://schemas.microsoft.com/office/powerpoint/2010/main" spd="med" advClick="1" p14:dur="1000"/>
+  <p:transition spd="slow"/>
 </p:sld>
 </file>
 
 <file path=ppt/slides/slide15.xml><?xml version="1.0" encoding="utf-8"?>
-<p:sld xmlns:a="http://schemas.openxmlformats.org/drawingml/2006/main" xmlns:r="http://schemas.openxmlformats.org/officeDocument/2006/relationships" xmlns:p="http://schemas.openxmlformats.org/presentationml/2006/main" showMasterSp="1" showMasterPhAnim="1">
+<p:sld xmlns:a="http://schemas.openxmlformats.org/drawingml/2006/main" xmlns:r="http://schemas.openxmlformats.org/officeDocument/2006/relationships" xmlns:p="http://schemas.openxmlformats.org/presentationml/2006/main">
   <p:cSld>
     <p:spTree>
       <p:nvGrpSpPr>
@@ -4894,7 +5031,9 @@
       <p:sp>
         <p:nvSpPr>
           <p:cNvPr id="186" name="Shape 186"/>
-          <p:cNvSpPr/>
+          <p:cNvSpPr>
+            <a:spLocks noGrp="1"/>
+          </p:cNvSpPr>
           <p:nvPr>
             <p:ph type="title"/>
           </p:nvPr>
@@ -4912,7 +5051,6 @@
             </a:lvl1pPr>
           </a:lstStyle>
           <a:p>
-            <a:pPr/>
             <a:r>
               <a:t>#1: Column headers hold values, not just variables</a:t>
             </a:r>
@@ -4988,12 +5126,12 @@
   <p:clrMapOvr>
     <a:masterClrMapping/>
   </p:clrMapOvr>
-  <p:transition xmlns:p14="http://schemas.microsoft.com/office/powerpoint/2010/main" spd="med" advClick="1" p14:dur="1000"/>
+  <p:transition spd="slow"/>
 </p:sld>
 </file>
 
 <file path=ppt/slides/slide16.xml><?xml version="1.0" encoding="utf-8"?>
-<p:sld xmlns:a="http://schemas.openxmlformats.org/drawingml/2006/main" xmlns:r="http://schemas.openxmlformats.org/officeDocument/2006/relationships" xmlns:p="http://schemas.openxmlformats.org/presentationml/2006/main" showMasterSp="1" showMasterPhAnim="1">
+<p:sld xmlns:a="http://schemas.openxmlformats.org/drawingml/2006/main" xmlns:r="http://schemas.openxmlformats.org/officeDocument/2006/relationships" xmlns:p="http://schemas.openxmlformats.org/presentationml/2006/main">
   <p:cSld>
     <p:spTree>
       <p:nvGrpSpPr>
@@ -5012,7 +5150,9 @@
       <p:sp>
         <p:nvSpPr>
           <p:cNvPr id="190" name="Shape 190"/>
-          <p:cNvSpPr/>
+          <p:cNvSpPr>
+            <a:spLocks noGrp="1"/>
+          </p:cNvSpPr>
           <p:nvPr>
             <p:ph type="title"/>
           </p:nvPr>
@@ -5030,7 +5170,6 @@
             </a:lvl1pPr>
           </a:lstStyle>
           <a:p>
-            <a:pPr/>
             <a:r>
               <a:t>#2a: Multiple variables stored in one column</a:t>
             </a:r>
@@ -5074,12 +5213,12 @@
   <p:clrMapOvr>
     <a:masterClrMapping/>
   </p:clrMapOvr>
-  <p:transition xmlns:p14="http://schemas.microsoft.com/office/powerpoint/2010/main" spd="med" advClick="1" p14:dur="1000"/>
+  <p:transition spd="slow"/>
 </p:sld>
 </file>
 
 <file path=ppt/slides/slide17.xml><?xml version="1.0" encoding="utf-8"?>
-<p:sld xmlns:a="http://schemas.openxmlformats.org/drawingml/2006/main" xmlns:r="http://schemas.openxmlformats.org/officeDocument/2006/relationships" xmlns:p="http://schemas.openxmlformats.org/presentationml/2006/main" showMasterSp="1" showMasterPhAnim="1">
+<p:sld xmlns:a="http://schemas.openxmlformats.org/drawingml/2006/main" xmlns:r="http://schemas.openxmlformats.org/officeDocument/2006/relationships" xmlns:p="http://schemas.openxmlformats.org/presentationml/2006/main">
   <p:cSld>
     <p:spTree>
       <p:nvGrpSpPr>
@@ -5098,7 +5237,9 @@
       <p:sp>
         <p:nvSpPr>
           <p:cNvPr id="193" name="Shape 193"/>
-          <p:cNvSpPr/>
+          <p:cNvSpPr>
+            <a:spLocks noGrp="1"/>
+          </p:cNvSpPr>
           <p:nvPr>
             <p:ph type="title"/>
           </p:nvPr>
@@ -5116,7 +5257,6 @@
             </a:lvl1pPr>
           </a:lstStyle>
           <a:p>
-            <a:pPr/>
             <a:r>
               <a:t>#2a: Multiple variables stored in one column</a:t>
             </a:r>
@@ -5192,12 +5332,12 @@
   <p:clrMapOvr>
     <a:masterClrMapping/>
   </p:clrMapOvr>
-  <p:transition xmlns:p14="http://schemas.microsoft.com/office/powerpoint/2010/main" spd="med" advClick="1" p14:dur="1000"/>
+  <p:transition spd="slow"/>
 </p:sld>
 </file>
 
 <file path=ppt/slides/slide18.xml><?xml version="1.0" encoding="utf-8"?>
-<p:sld xmlns:a="http://schemas.openxmlformats.org/drawingml/2006/main" xmlns:r="http://schemas.openxmlformats.org/officeDocument/2006/relationships" xmlns:p="http://schemas.openxmlformats.org/presentationml/2006/main" showMasterSp="1" showMasterPhAnim="1">
+<p:sld xmlns:a="http://schemas.openxmlformats.org/drawingml/2006/main" xmlns:r="http://schemas.openxmlformats.org/officeDocument/2006/relationships" xmlns:p="http://schemas.openxmlformats.org/presentationml/2006/main">
   <p:cSld>
     <p:spTree>
       <p:nvGrpSpPr>
@@ -5216,7 +5356,9 @@
       <p:sp>
         <p:nvSpPr>
           <p:cNvPr id="197" name="Shape 197"/>
-          <p:cNvSpPr/>
+          <p:cNvSpPr>
+            <a:spLocks noGrp="1"/>
+          </p:cNvSpPr>
           <p:nvPr>
             <p:ph type="title"/>
           </p:nvPr>
@@ -5234,7 +5376,6 @@
             </a:lvl1pPr>
           </a:lstStyle>
           <a:p>
-            <a:pPr/>
             <a:r>
               <a:t>#2b: One variable stored in multiple columns</a:t>
             </a:r>
@@ -5272,7 +5413,7 @@
             </a:cxnLst>
             <a:rect l="0" t="0" r="r" b="b"/>
             <a:pathLst>
-              <a:path w="21600" h="16216" fill="norm" stroke="1" extrusionOk="0">
+              <a:path w="21600" h="16216" extrusionOk="0">
                 <a:moveTo>
                   <a:pt x="0" y="16216"/>
                 </a:moveTo>
@@ -5300,7 +5441,7 @@
           <a:bodyPr/>
           <a:lstStyle/>
           <a:p>
-            <a:pPr/>
+            <a:endParaRPr/>
           </a:p>
         </p:txBody>
       </p:sp>
@@ -5338,12 +5479,12 @@
   <p:clrMapOvr>
     <a:masterClrMapping/>
   </p:clrMapOvr>
-  <p:transition xmlns:p14="http://schemas.microsoft.com/office/powerpoint/2010/main" spd="med" advClick="1" p14:dur="1000"/>
+  <p:transition spd="slow"/>
 </p:sld>
 </file>
 
 <file path=ppt/slides/slide19.xml><?xml version="1.0" encoding="utf-8"?>
-<p:sld xmlns:a="http://schemas.openxmlformats.org/drawingml/2006/main" xmlns:r="http://schemas.openxmlformats.org/officeDocument/2006/relationships" xmlns:p="http://schemas.openxmlformats.org/presentationml/2006/main" showMasterSp="1" showMasterPhAnim="1">
+<p:sld xmlns:a="http://schemas.openxmlformats.org/drawingml/2006/main" xmlns:r="http://schemas.openxmlformats.org/officeDocument/2006/relationships" xmlns:p="http://schemas.openxmlformats.org/presentationml/2006/main">
   <p:cSld>
     <p:spTree>
       <p:nvGrpSpPr>
@@ -5362,7 +5503,9 @@
       <p:sp>
         <p:nvSpPr>
           <p:cNvPr id="202" name="Shape 202"/>
-          <p:cNvSpPr/>
+          <p:cNvSpPr>
+            <a:spLocks noGrp="1"/>
+          </p:cNvSpPr>
           <p:nvPr>
             <p:ph type="title"/>
           </p:nvPr>
@@ -5380,7 +5523,6 @@
             </a:lvl1pPr>
           </a:lstStyle>
           <a:p>
-            <a:pPr/>
             <a:r>
               <a:t>#2b: One variable stored in multiple columns</a:t>
             </a:r>
@@ -5421,12 +5563,12 @@
   <p:clrMapOvr>
     <a:masterClrMapping/>
   </p:clrMapOvr>
-  <p:transition xmlns:p14="http://schemas.microsoft.com/office/powerpoint/2010/main" spd="med" advClick="1" p14:dur="1000"/>
+  <p:transition spd="slow"/>
 </p:sld>
 </file>
 
 <file path=ppt/slides/slide2.xml><?xml version="1.0" encoding="utf-8"?>
-<p:sld xmlns:a="http://schemas.openxmlformats.org/drawingml/2006/main" xmlns:r="http://schemas.openxmlformats.org/officeDocument/2006/relationships" xmlns:p="http://schemas.openxmlformats.org/presentationml/2006/main" showMasterSp="1" showMasterPhAnim="1">
+<p:sld xmlns:a="http://schemas.openxmlformats.org/drawingml/2006/main" xmlns:r="http://schemas.openxmlformats.org/officeDocument/2006/relationships" xmlns:p="http://schemas.openxmlformats.org/presentationml/2006/main">
   <p:cSld>
     <p:spTree>
       <p:nvGrpSpPr>
@@ -5445,7 +5587,9 @@
       <p:sp>
         <p:nvSpPr>
           <p:cNvPr id="122" name="Shape 122"/>
-          <p:cNvSpPr/>
+          <p:cNvSpPr>
+            <a:spLocks noGrp="1"/>
+          </p:cNvSpPr>
           <p:nvPr>
             <p:ph type="title"/>
           </p:nvPr>
@@ -5456,14 +5600,15 @@
           </a:prstGeom>
         </p:spPr>
         <p:txBody>
-          <a:bodyPr/>
+          <a:bodyPr>
+            <a:normAutofit fontScale="90000"/>
+          </a:bodyPr>
           <a:lstStyle>
             <a:lvl1pPr defTabSz="519937">
               <a:defRPr sz="7119"/>
             </a:lvl1pPr>
           </a:lstStyle>
           <a:p>
-            <a:pPr/>
             <a:r>
               <a:t>Principles of reproducibility</a:t>
             </a:r>
@@ -5473,7 +5618,9 @@
       <p:sp>
         <p:nvSpPr>
           <p:cNvPr id="123" name="Shape 123"/>
-          <p:cNvSpPr/>
+          <p:cNvSpPr>
+            <a:spLocks noGrp="1"/>
+          </p:cNvSpPr>
           <p:nvPr>
             <p:ph type="body" idx="1"/>
           </p:nvPr>
@@ -5505,7 +5652,6 @@
             </a:r>
           </a:p>
           <a:p>
-            <a:pPr/>
             <a:r>
               <a:t>Ideally, human hands should never touch the data</a:t>
             </a:r>
@@ -5517,12 +5663,12 @@
   <p:clrMapOvr>
     <a:masterClrMapping/>
   </p:clrMapOvr>
-  <p:transition xmlns:p14="http://schemas.microsoft.com/office/powerpoint/2010/main" spd="med" advClick="1" p14:dur="1000"/>
+  <p:transition spd="slow"/>
 </p:sld>
 </file>
 
 <file path=ppt/slides/slide20.xml><?xml version="1.0" encoding="utf-8"?>
-<p:sld xmlns:a="http://schemas.openxmlformats.org/drawingml/2006/main" xmlns:r="http://schemas.openxmlformats.org/officeDocument/2006/relationships" xmlns:p="http://schemas.openxmlformats.org/presentationml/2006/main" showMasterSp="1" showMasterPhAnim="1">
+<p:sld xmlns:a="http://schemas.openxmlformats.org/drawingml/2006/main" xmlns:r="http://schemas.openxmlformats.org/officeDocument/2006/relationships" xmlns:p="http://schemas.openxmlformats.org/presentationml/2006/main">
   <p:cSld>
     <p:spTree>
       <p:nvGrpSpPr>
@@ -5570,7 +5716,9 @@
       <p:sp>
         <p:nvSpPr>
           <p:cNvPr id="208" name="Shape 208"/>
-          <p:cNvSpPr/>
+          <p:cNvSpPr>
+            <a:spLocks noGrp="1"/>
+          </p:cNvSpPr>
           <p:nvPr>
             <p:ph type="title"/>
           </p:nvPr>
@@ -5588,7 +5736,6 @@
             </a:lvl1pPr>
           </a:lstStyle>
           <a:p>
-            <a:pPr/>
             <a:r>
               <a:t>#3: Variables are stored in rows instead of columns</a:t>
             </a:r>
@@ -5626,7 +5773,7 @@
             </a:cxnLst>
             <a:rect l="0" t="0" r="r" b="b"/>
             <a:pathLst>
-              <a:path w="16205" h="21600" fill="norm" stroke="1" extrusionOk="0">
+              <a:path w="16205" h="21600" extrusionOk="0">
                 <a:moveTo>
                   <a:pt x="1124" y="0"/>
                 </a:moveTo>
@@ -5654,7 +5801,7 @@
           <a:bodyPr/>
           <a:lstStyle/>
           <a:p>
-            <a:pPr/>
+            <a:endParaRPr/>
           </a:p>
         </p:txBody>
       </p:sp>
@@ -5663,12 +5810,12 @@
   <p:clrMapOvr>
     <a:masterClrMapping/>
   </p:clrMapOvr>
-  <p:transition xmlns:p14="http://schemas.microsoft.com/office/powerpoint/2010/main" spd="med" advClick="1" p14:dur="1000"/>
+  <p:transition spd="slow"/>
 </p:sld>
 </file>
 
 <file path=ppt/slides/slide21.xml><?xml version="1.0" encoding="utf-8"?>
-<p:sld xmlns:a="http://schemas.openxmlformats.org/drawingml/2006/main" xmlns:r="http://schemas.openxmlformats.org/officeDocument/2006/relationships" xmlns:p="http://schemas.openxmlformats.org/presentationml/2006/main" showMasterSp="1" showMasterPhAnim="1">
+<p:sld xmlns:a="http://schemas.openxmlformats.org/drawingml/2006/main" xmlns:r="http://schemas.openxmlformats.org/officeDocument/2006/relationships" xmlns:p="http://schemas.openxmlformats.org/presentationml/2006/main">
   <p:cSld>
     <p:spTree>
       <p:nvGrpSpPr>
@@ -5687,7 +5834,9 @@
       <p:sp>
         <p:nvSpPr>
           <p:cNvPr id="212" name="Shape 212"/>
-          <p:cNvSpPr/>
+          <p:cNvSpPr>
+            <a:spLocks noGrp="1"/>
+          </p:cNvSpPr>
           <p:nvPr>
             <p:ph type="title"/>
           </p:nvPr>
@@ -5705,7 +5854,6 @@
             </a:lvl1pPr>
           </a:lstStyle>
           <a:p>
-            <a:pPr/>
             <a:r>
               <a:t>#3: Variables are stored in rows instead of columns</a:t>
             </a:r>
@@ -5801,7 +5949,7 @@
             </a:cxnLst>
             <a:rect l="0" t="0" r="r" b="b"/>
             <a:pathLst>
-              <a:path w="16205" h="21600" fill="norm" stroke="1" extrusionOk="0">
+              <a:path w="16205" h="21600" extrusionOk="0">
                 <a:moveTo>
                   <a:pt x="1124" y="0"/>
                 </a:moveTo>
@@ -5829,7 +5977,7 @@
           <a:bodyPr/>
           <a:lstStyle/>
           <a:p>
-            <a:pPr/>
+            <a:endParaRPr/>
           </a:p>
         </p:txBody>
       </p:sp>
@@ -5838,12 +5986,12 @@
   <p:clrMapOvr>
     <a:masterClrMapping/>
   </p:clrMapOvr>
-  <p:transition xmlns:p14="http://schemas.microsoft.com/office/powerpoint/2010/main" spd="med" advClick="1" p14:dur="1000"/>
+  <p:transition spd="slow"/>
 </p:sld>
 </file>
 
 <file path=ppt/slides/slide22.xml><?xml version="1.0" encoding="utf-8"?>
-<p:sld xmlns:a="http://schemas.openxmlformats.org/drawingml/2006/main" xmlns:r="http://schemas.openxmlformats.org/officeDocument/2006/relationships" xmlns:p="http://schemas.openxmlformats.org/presentationml/2006/main" showMasterSp="1" showMasterPhAnim="1">
+<p:sld xmlns:a="http://schemas.openxmlformats.org/drawingml/2006/main" xmlns:r="http://schemas.openxmlformats.org/officeDocument/2006/relationships" xmlns:p="http://schemas.openxmlformats.org/presentationml/2006/main">
   <p:cSld>
     <p:spTree>
       <p:nvGrpSpPr>
@@ -5862,7 +6010,9 @@
       <p:sp>
         <p:nvSpPr>
           <p:cNvPr id="220" name="Shape 220"/>
-          <p:cNvSpPr/>
+          <p:cNvSpPr>
+            <a:spLocks noGrp="1"/>
+          </p:cNvSpPr>
           <p:nvPr>
             <p:ph type="title"/>
           </p:nvPr>
@@ -5880,7 +6030,6 @@
             </a:lvl1pPr>
           </a:lstStyle>
           <a:p>
-            <a:pPr/>
             <a:r>
               <a:t>#4 Observations are split across multiple data frames</a:t>
             </a:r>
@@ -5950,12 +6099,12 @@
   <p:clrMapOvr>
     <a:masterClrMapping/>
   </p:clrMapOvr>
-  <p:transition xmlns:p14="http://schemas.microsoft.com/office/powerpoint/2010/main" spd="med" advClick="1" p14:dur="1000"/>
+  <p:transition spd="slow"/>
 </p:sld>
 </file>
 
 <file path=ppt/slides/slide23.xml><?xml version="1.0" encoding="utf-8"?>
-<p:sld xmlns:a="http://schemas.openxmlformats.org/drawingml/2006/main" xmlns:r="http://schemas.openxmlformats.org/officeDocument/2006/relationships" xmlns:p="http://schemas.openxmlformats.org/presentationml/2006/main" showMasterSp="1" showMasterPhAnim="1">
+<p:sld xmlns:a="http://schemas.openxmlformats.org/drawingml/2006/main" xmlns:r="http://schemas.openxmlformats.org/officeDocument/2006/relationships" xmlns:p="http://schemas.openxmlformats.org/presentationml/2006/main">
   <p:cSld>
     <p:spTree>
       <p:nvGrpSpPr>
@@ -5974,7 +6123,9 @@
       <p:sp>
         <p:nvSpPr>
           <p:cNvPr id="224" name="Shape 224"/>
-          <p:cNvSpPr/>
+          <p:cNvSpPr>
+            <a:spLocks noGrp="1"/>
+          </p:cNvSpPr>
           <p:nvPr>
             <p:ph type="title"/>
           </p:nvPr>
@@ -5992,7 +6143,6 @@
             </a:lvl1pPr>
           </a:lstStyle>
           <a:p>
-            <a:pPr/>
             <a:r>
               <a:t>#4 Observations are split across multiple data frames</a:t>
             </a:r>
@@ -6002,7 +6152,9 @@
       <p:sp>
         <p:nvSpPr>
           <p:cNvPr id="225" name="Shape 225"/>
-          <p:cNvSpPr/>
+          <p:cNvSpPr>
+            <a:spLocks noGrp="1"/>
+          </p:cNvSpPr>
           <p:nvPr>
             <p:ph type="body" idx="1"/>
           </p:nvPr>
@@ -6016,7 +6168,7 @@
           <a:bodyPr/>
           <a:lstStyle/>
           <a:p>
-            <a:pPr/>
+            <a:endParaRPr/>
           </a:p>
         </p:txBody>
       </p:sp>
@@ -6054,12 +6206,12 @@
   <p:clrMapOvr>
     <a:masterClrMapping/>
   </p:clrMapOvr>
-  <p:transition xmlns:p14="http://schemas.microsoft.com/office/powerpoint/2010/main" spd="med" advClick="1" p14:dur="1000"/>
+  <p:transition spd="slow"/>
 </p:sld>
 </file>
 
 <file path=ppt/slides/slide24.xml><?xml version="1.0" encoding="utf-8"?>
-<p:sld xmlns:a="http://schemas.openxmlformats.org/drawingml/2006/main" xmlns:r="http://schemas.openxmlformats.org/officeDocument/2006/relationships" xmlns:p="http://schemas.openxmlformats.org/presentationml/2006/main" showMasterSp="1" showMasterPhAnim="1">
+<p:sld xmlns:a="http://schemas.openxmlformats.org/drawingml/2006/main" xmlns:r="http://schemas.openxmlformats.org/officeDocument/2006/relationships" xmlns:p="http://schemas.openxmlformats.org/presentationml/2006/main">
   <p:cSld>
     <p:spTree>
       <p:nvGrpSpPr>
@@ -6078,7 +6230,9 @@
       <p:sp>
         <p:nvSpPr>
           <p:cNvPr id="228" name="Shape 228"/>
-          <p:cNvSpPr/>
+          <p:cNvSpPr>
+            <a:spLocks noGrp="1"/>
+          </p:cNvSpPr>
           <p:nvPr>
             <p:ph type="title"/>
           </p:nvPr>
@@ -6092,7 +6246,6 @@
           <a:bodyPr/>
           <a:lstStyle/>
           <a:p>
-            <a:pPr/>
             <a:r>
               <a:t>Tidying functions</a:t>
             </a:r>
@@ -6102,7 +6255,9 @@
       <p:sp>
         <p:nvSpPr>
           <p:cNvPr id="229" name="Shape 229"/>
-          <p:cNvSpPr/>
+          <p:cNvSpPr>
+            <a:spLocks noGrp="1"/>
+          </p:cNvSpPr>
           <p:nvPr>
             <p:ph type="body" idx="1"/>
           </p:nvPr>
@@ -6116,13 +6271,11 @@
           <a:bodyPr/>
           <a:lstStyle/>
           <a:p>
-            <a:pPr/>
             <a:r>
               <a:t>melt: Takes multiple column headers and ‘stacks’ them on top of one another into a single column.</a:t>
             </a:r>
           </a:p>
           <a:p>
-            <a:pPr/>
             <a:r>
               <a:t>dcast: The opposite of melt. Takes a long column(s) containing a series of values and ‘spreads’ them out or ‘unstacks’ them so each value becomes a column header.</a:t>
             </a:r>
@@ -6134,12 +6287,12 @@
   <p:clrMapOvr>
     <a:masterClrMapping/>
   </p:clrMapOvr>
-  <p:transition xmlns:p14="http://schemas.microsoft.com/office/powerpoint/2010/main" spd="med" advClick="1" p14:dur="1000"/>
+  <p:transition spd="slow"/>
 </p:sld>
 </file>
 
 <file path=ppt/slides/slide25.xml><?xml version="1.0" encoding="utf-8"?>
-<p:sld xmlns:a="http://schemas.openxmlformats.org/drawingml/2006/main" xmlns:r="http://schemas.openxmlformats.org/officeDocument/2006/relationships" xmlns:p="http://schemas.openxmlformats.org/presentationml/2006/main" showMasterSp="1" showMasterPhAnim="1">
+<p:sld xmlns:a="http://schemas.openxmlformats.org/drawingml/2006/main" xmlns:r="http://schemas.openxmlformats.org/officeDocument/2006/relationships" xmlns:p="http://schemas.openxmlformats.org/presentationml/2006/main">
   <p:cSld>
     <p:spTree>
       <p:nvGrpSpPr>
@@ -6158,7 +6311,9 @@
       <p:sp>
         <p:nvSpPr>
           <p:cNvPr id="231" name="Shape 231"/>
-          <p:cNvSpPr/>
+          <p:cNvSpPr>
+            <a:spLocks noGrp="1"/>
+          </p:cNvSpPr>
           <p:nvPr>
             <p:ph type="title"/>
           </p:nvPr>
@@ -6172,7 +6327,6 @@
           <a:bodyPr/>
           <a:lstStyle/>
           <a:p>
-            <a:pPr/>
             <a:r>
               <a:t>dcast visually</a:t>
             </a:r>
@@ -6213,12 +6367,12 @@
   <p:clrMapOvr>
     <a:masterClrMapping/>
   </p:clrMapOvr>
-  <p:transition xmlns:p14="http://schemas.microsoft.com/office/powerpoint/2010/main" spd="med" advClick="1" p14:dur="1000"/>
+  <p:transition spd="slow"/>
 </p:sld>
 </file>
 
 <file path=ppt/slides/slide26.xml><?xml version="1.0" encoding="utf-8"?>
-<p:sld xmlns:a="http://schemas.openxmlformats.org/drawingml/2006/main" xmlns:r="http://schemas.openxmlformats.org/officeDocument/2006/relationships" xmlns:p="http://schemas.openxmlformats.org/presentationml/2006/main" showMasterSp="1" showMasterPhAnim="1">
+<p:sld xmlns:a="http://schemas.openxmlformats.org/drawingml/2006/main" xmlns:r="http://schemas.openxmlformats.org/officeDocument/2006/relationships" xmlns:p="http://schemas.openxmlformats.org/presentationml/2006/main">
   <p:cSld>
     <p:spTree>
       <p:nvGrpSpPr>
@@ -6237,7 +6391,9 @@
       <p:sp>
         <p:nvSpPr>
           <p:cNvPr id="236" name="Shape 236"/>
-          <p:cNvSpPr/>
+          <p:cNvSpPr>
+            <a:spLocks noGrp="1"/>
+          </p:cNvSpPr>
           <p:nvPr>
             <p:ph type="title"/>
           </p:nvPr>
@@ -6251,7 +6407,6 @@
           <a:bodyPr/>
           <a:lstStyle/>
           <a:p>
-            <a:pPr/>
             <a:r>
               <a:t>Tidying functions</a:t>
             </a:r>
@@ -6261,7 +6416,9 @@
       <p:sp>
         <p:nvSpPr>
           <p:cNvPr id="237" name="Shape 237"/>
-          <p:cNvSpPr/>
+          <p:cNvSpPr>
+            <a:spLocks noGrp="1"/>
+          </p:cNvSpPr>
           <p:nvPr>
             <p:ph type="body" idx="1"/>
           </p:nvPr>
@@ -6275,19 +6432,16 @@
           <a:bodyPr/>
           <a:lstStyle/>
           <a:p>
-            <a:pPr/>
             <a:r>
               <a:t>separate: Takes a column containing multiple variables and separates them out into their own columns.</a:t>
             </a:r>
           </a:p>
           <a:p>
-            <a:pPr/>
             <a:r>
               <a:t>unite: The opposite of separate. Takes a number of columns containing a single variable, and brings them together into one column</a:t>
             </a:r>
           </a:p>
           <a:p>
-            <a:pPr/>
             <a:r>
               <a:t>join: Brings together multiple data frames, matching based on shared variable names</a:t>
             </a:r>
@@ -6299,12 +6453,12 @@
   <p:clrMapOvr>
     <a:masterClrMapping/>
   </p:clrMapOvr>
-  <p:transition xmlns:p14="http://schemas.microsoft.com/office/powerpoint/2010/main" spd="med" advClick="1" p14:dur="1000"/>
+  <p:transition spd="slow"/>
 </p:sld>
 </file>
 
 <file path=ppt/slides/slide27.xml><?xml version="1.0" encoding="utf-8"?>
-<p:sld xmlns:a="http://schemas.openxmlformats.org/drawingml/2006/main" xmlns:r="http://schemas.openxmlformats.org/officeDocument/2006/relationships" xmlns:p="http://schemas.openxmlformats.org/presentationml/2006/main" showMasterSp="1" showMasterPhAnim="1">
+<p:sld xmlns:a="http://schemas.openxmlformats.org/drawingml/2006/main" xmlns:r="http://schemas.openxmlformats.org/officeDocument/2006/relationships" xmlns:p="http://schemas.openxmlformats.org/presentationml/2006/main">
   <p:cSld>
     <p:spTree>
       <p:nvGrpSpPr>
@@ -6323,7 +6477,9 @@
       <p:sp>
         <p:nvSpPr>
           <p:cNvPr id="239" name="Shape 239"/>
-          <p:cNvSpPr/>
+          <p:cNvSpPr>
+            <a:spLocks noGrp="1"/>
+          </p:cNvSpPr>
           <p:nvPr>
             <p:ph type="title"/>
           </p:nvPr>
@@ -6337,7 +6493,6 @@
           <a:bodyPr/>
           <a:lstStyle/>
           <a:p>
-            <a:pPr/>
             <a:r>
               <a:t>Combination problems</a:t>
             </a:r>
@@ -6347,7 +6502,9 @@
       <p:sp>
         <p:nvSpPr>
           <p:cNvPr id="240" name="Shape 240"/>
-          <p:cNvSpPr/>
+          <p:cNvSpPr>
+            <a:spLocks noGrp="1"/>
+          </p:cNvSpPr>
           <p:nvPr>
             <p:ph type="body" idx="1"/>
           </p:nvPr>
@@ -6361,19 +6518,16 @@
           <a:bodyPr/>
           <a:lstStyle/>
           <a:p>
-            <a:pPr/>
             <a:r>
               <a:t>In many cases (e.g. complicated longitudinal data, ratings data, or within-subjects designs) all three problems will occur at various stages of cleaning.</a:t>
             </a:r>
           </a:p>
           <a:p>
-            <a:pPr/>
             <a:r>
               <a:t>We’ll solve them all in sequence, using each tool at the appropriate stage.</a:t>
             </a:r>
           </a:p>
           <a:p>
-            <a:pPr/>
             <a:r>
               <a:t>Most data messiness problems can be expressed as some combination of these problems, and so can be solved with these four tools</a:t>
             </a:r>
@@ -6385,12 +6539,12 @@
   <p:clrMapOvr>
     <a:masterClrMapping/>
   </p:clrMapOvr>
-  <p:transition xmlns:p14="http://schemas.microsoft.com/office/powerpoint/2010/main" spd="med" advClick="1" p14:dur="1000"/>
+  <p:transition spd="slow"/>
 </p:sld>
 </file>
 
 <file path=ppt/slides/slide28.xml><?xml version="1.0" encoding="utf-8"?>
-<p:sld xmlns:a="http://schemas.openxmlformats.org/drawingml/2006/main" xmlns:r="http://schemas.openxmlformats.org/officeDocument/2006/relationships" xmlns:p="http://schemas.openxmlformats.org/presentationml/2006/main" showMasterSp="1" showMasterPhAnim="1">
+<p:sld xmlns:a="http://schemas.openxmlformats.org/drawingml/2006/main" xmlns:r="http://schemas.openxmlformats.org/officeDocument/2006/relationships" xmlns:p="http://schemas.openxmlformats.org/presentationml/2006/main">
   <p:cSld>
     <p:spTree>
       <p:nvGrpSpPr>
@@ -6408,75 +6562,78 @@
       </p:grpSpPr>
       <p:sp>
         <p:nvSpPr>
-          <p:cNvPr id="242" name="Shape 242"/>
-          <p:cNvSpPr/>
+          <p:cNvPr id="2" name="Title 1"/>
+          <p:cNvSpPr>
+            <a:spLocks noGrp="1"/>
+          </p:cNvSpPr>
           <p:nvPr>
             <p:ph type="title"/>
           </p:nvPr>
         </p:nvSpPr>
-        <p:spPr>
-          <a:prstGeom prst="rect">
-            <a:avLst/>
-          </a:prstGeom>
-        </p:spPr>
-        <p:txBody>
-          <a:bodyPr/>
-          <a:lstStyle/>
-          <a:p>
-            <a:pPr/>
-            <a:r>
-              <a:t>String functions</a:t>
-            </a:r>
-          </a:p>
-        </p:txBody>
-      </p:sp>
-      <p:sp>
-        <p:nvSpPr>
-          <p:cNvPr id="243" name="Shape 243"/>
-          <p:cNvSpPr/>
+        <p:spPr/>
+        <p:txBody>
+          <a:bodyPr/>
+          <a:lstStyle/>
+          <a:p>
+            <a:r>
+              <a:rPr lang="en-US" dirty="0" smtClean="0"/>
+              <a:t>Further reading</a:t>
+            </a:r>
+            <a:endParaRPr lang="en-US" dirty="0"/>
+          </a:p>
+        </p:txBody>
+      </p:sp>
+      <p:sp>
+        <p:nvSpPr>
+          <p:cNvPr id="3" name="Text Placeholder 2"/>
+          <p:cNvSpPr>
+            <a:spLocks noGrp="1"/>
+          </p:cNvSpPr>
           <p:nvPr>
             <p:ph type="body" idx="1"/>
           </p:nvPr>
         </p:nvSpPr>
-        <p:spPr>
-          <a:prstGeom prst="rect">
-            <a:avLst/>
-          </a:prstGeom>
-        </p:spPr>
-        <p:txBody>
-          <a:bodyPr/>
-          <a:lstStyle/>
-          <a:p>
-            <a:pPr/>
-            <a:r>
-              <a:t>Tidying data often requires us to manipulate strings (e.g. ‘SU44_C’) in various ways.</a:t>
-            </a:r>
-          </a:p>
-          <a:p>
-            <a:pPr/>
-            <a:r>
-              <a:t>We might want to extract a certain part of the string - perhaps that 44 represents a trial number</a:t>
-            </a:r>
-          </a:p>
-          <a:p>
-            <a:pPr/>
-            <a:r>
-              <a:t>We might want to replace part of a string with something else, or with nothing, deleting it if it’s extraneous </a:t>
-            </a:r>
+        <p:spPr/>
+        <p:txBody>
+          <a:bodyPr/>
+          <a:lstStyle/>
+          <a:p>
+            <a:r>
+              <a:rPr lang="en-US" dirty="0"/>
+              <a:t>http://</a:t>
+            </a:r>
+            <a:r>
+              <a:rPr lang="en-US" dirty="0" err="1"/>
+              <a:t>vita.had.co.nz</a:t>
+            </a:r>
+            <a:r>
+              <a:rPr lang="en-US" dirty="0"/>
+              <a:t>/papers/tidy-</a:t>
+            </a:r>
+            <a:r>
+              <a:rPr lang="en-US" dirty="0" err="1"/>
+              <a:t>data.html</a:t>
+            </a:r>
+            <a:endParaRPr lang="en-US" dirty="0"/>
           </a:p>
         </p:txBody>
       </p:sp>
     </p:spTree>
+    <p:extLst>
+      <p:ext uri="{BB962C8B-B14F-4D97-AF65-F5344CB8AC3E}">
+        <p14:creationId xmlns:p14="http://schemas.microsoft.com/office/powerpoint/2010/main" val="3181318"/>
+      </p:ext>
+    </p:extLst>
   </p:cSld>
   <p:clrMapOvr>
     <a:masterClrMapping/>
   </p:clrMapOvr>
-  <p:transition xmlns:p14="http://schemas.microsoft.com/office/powerpoint/2010/main" spd="med" advClick="1" p14:dur="1000"/>
+  <p:transition spd="med"/>
 </p:sld>
 </file>
 
 <file path=ppt/slides/slide29.xml><?xml version="1.0" encoding="utf-8"?>
-<p:sld xmlns:a="http://schemas.openxmlformats.org/drawingml/2006/main" xmlns:r="http://schemas.openxmlformats.org/officeDocument/2006/relationships" xmlns:p="http://schemas.openxmlformats.org/presentationml/2006/main" showMasterSp="1" showMasterPhAnim="1">
+<p:sld xmlns:a="http://schemas.openxmlformats.org/drawingml/2006/main" xmlns:r="http://schemas.openxmlformats.org/officeDocument/2006/relationships" xmlns:p="http://schemas.openxmlformats.org/presentationml/2006/main">
   <p:cSld>
     <p:spTree>
       <p:nvGrpSpPr>
@@ -6494,8 +6651,10 @@
       </p:grpSpPr>
       <p:sp>
         <p:nvSpPr>
-          <p:cNvPr id="245" name="Shape 245"/>
-          <p:cNvSpPr/>
+          <p:cNvPr id="242" name="Shape 242"/>
+          <p:cNvSpPr>
+            <a:spLocks noGrp="1"/>
+          </p:cNvSpPr>
           <p:nvPr>
             <p:ph type="title"/>
           </p:nvPr>
@@ -6509,17 +6668,18 @@
           <a:bodyPr/>
           <a:lstStyle/>
           <a:p>
-            <a:pPr/>
-            <a:r>
-              <a:t>Stringr</a:t>
-            </a:r>
-          </a:p>
-        </p:txBody>
-      </p:sp>
-      <p:sp>
-        <p:nvSpPr>
-          <p:cNvPr id="246" name="Shape 246"/>
-          <p:cNvSpPr/>
+            <a:r>
+              <a:t>String functions</a:t>
+            </a:r>
+          </a:p>
+        </p:txBody>
+      </p:sp>
+      <p:sp>
+        <p:nvSpPr>
+          <p:cNvPr id="243" name="Shape 243"/>
+          <p:cNvSpPr>
+            <a:spLocks noGrp="1"/>
+          </p:cNvSpPr>
           <p:nvPr>
             <p:ph type="body" idx="1"/>
           </p:nvPr>
@@ -6533,21 +6693,18 @@
           <a:bodyPr/>
           <a:lstStyle/>
           <a:p>
-            <a:pPr/>
-            <a:r>
-              <a:t>Package from the author of our other data cleaning packages (Hadley Wickam)</a:t>
-            </a:r>
-          </a:p>
-          <a:p>
-            <a:pPr/>
-            <a:r>
-              <a:t>Makes string functions uniform and easy</a:t>
-            </a:r>
-          </a:p>
-          <a:p>
-            <a:pPr/>
-            <a:r>
-              <a:t>Same format for each function</a:t>
+            <a:r>
+              <a:t>Tidying data often requires us to manipulate strings (e.g. ‘SU44_C’) in various ways.</a:t>
+            </a:r>
+          </a:p>
+          <a:p>
+            <a:r>
+              <a:t>We might want to extract a certain part of the string - perhaps that 44 represents a trial number</a:t>
+            </a:r>
+          </a:p>
+          <a:p>
+            <a:r>
+              <a:t>We might want to replace part of a string with something else, or with nothing, deleting it if it’s extraneous </a:t>
             </a:r>
           </a:p>
         </p:txBody>
@@ -6557,12 +6714,12 @@
   <p:clrMapOvr>
     <a:masterClrMapping/>
   </p:clrMapOvr>
-  <p:transition xmlns:p14="http://schemas.microsoft.com/office/powerpoint/2010/main" spd="med" advClick="1" p14:dur="1000"/>
+  <p:transition spd="slow"/>
 </p:sld>
 </file>
 
 <file path=ppt/slides/slide3.xml><?xml version="1.0" encoding="utf-8"?>
-<p:sld xmlns:a="http://schemas.openxmlformats.org/drawingml/2006/main" xmlns:r="http://schemas.openxmlformats.org/officeDocument/2006/relationships" xmlns:p="http://schemas.openxmlformats.org/presentationml/2006/main" showMasterSp="1" showMasterPhAnim="1">
+<p:sld xmlns:a="http://schemas.openxmlformats.org/drawingml/2006/main" xmlns:r="http://schemas.openxmlformats.org/officeDocument/2006/relationships" xmlns:p="http://schemas.openxmlformats.org/presentationml/2006/main">
   <p:cSld>
     <p:spTree>
       <p:nvGrpSpPr>
@@ -6581,7 +6738,9 @@
       <p:sp>
         <p:nvSpPr>
           <p:cNvPr id="127" name="Shape 127"/>
-          <p:cNvSpPr/>
+          <p:cNvSpPr>
+            <a:spLocks noGrp="1"/>
+          </p:cNvSpPr>
           <p:nvPr>
             <p:ph type="title"/>
           </p:nvPr>
@@ -6592,14 +6751,15 @@
           </a:prstGeom>
         </p:spPr>
         <p:txBody>
-          <a:bodyPr/>
+          <a:bodyPr>
+            <a:normAutofit fontScale="90000"/>
+          </a:bodyPr>
           <a:lstStyle>
             <a:lvl1pPr defTabSz="578358">
               <a:defRPr sz="7919"/>
             </a:lvl1pPr>
           </a:lstStyle>
           <a:p>
-            <a:pPr/>
             <a:r>
               <a:t>Reproducible versus not</a:t>
             </a:r>
@@ -6609,7 +6769,9 @@
       <p:sp>
         <p:nvSpPr>
           <p:cNvPr id="128" name="Shape 128"/>
-          <p:cNvSpPr/>
+          <p:cNvSpPr>
+            <a:spLocks noGrp="1"/>
+          </p:cNvSpPr>
           <p:nvPr>
             <p:ph type="body" idx="1"/>
           </p:nvPr>
@@ -6623,7 +6785,7 @@
           <a:bodyPr/>
           <a:lstStyle/>
           <a:p>
-            <a:pPr/>
+            <a:endParaRPr/>
           </a:p>
         </p:txBody>
       </p:sp>
@@ -6714,7 +6876,6 @@
           </a:bodyPr>
           <a:lstStyle/>
           <a:p>
-            <a:pPr/>
             <a:r>
               <a:t>Reproducible</a:t>
             </a:r>
@@ -6750,7 +6911,6 @@
           </a:bodyPr>
           <a:lstStyle/>
           <a:p>
-            <a:pPr/>
             <a:r>
               <a:t>Not reproducible</a:t>
             </a:r>
@@ -6762,14 +6922,14 @@
   <p:clrMapOvr>
     <a:masterClrMapping/>
   </p:clrMapOvr>
-  <p:transition xmlns:p14="http://schemas.microsoft.com/office/powerpoint/2010/main" spd="med" advClick="1" p14:dur="1000"/>
+  <p:transition spd="slow"/>
   <p:timing>
     <p:tnLst>
       <p:par>
-        <p:cTn id="1" nodeType="tmRoot" restart="never" dur="indefinite" fill="hold">
+        <p:cTn id="1" dur="indefinite" restart="never" fill="hold" nodeType="tmRoot">
           <p:childTnLst>
             <p:seq concurrent="1" prevAc="none" nextAc="seek">
-              <p:cTn id="2" nodeType="mainSeq" dur="indefinite" fill="hold">
+              <p:cTn id="2" dur="indefinite" fill="hold" nodeType="mainSeq">
                 <p:childTnLst>
                   <p:par>
                     <p:cTn id="3" fill="hold">
@@ -6784,11 +6944,11 @@
                             </p:stCondLst>
                             <p:childTnLst>
                               <p:par>
-                                <p:cTn id="5" presetClass="entr" nodeType="clickEffect" presetSubtype="0" presetID="1" grpId="1" fill="hold">
+                                <p:cTn id="5" presetID="1" presetClass="entr" presetSubtype="0" fill="hold" grpId="1" nodeType="clickEffect">
                                   <p:stCondLst>
                                     <p:cond delay="0"/>
                                   </p:stCondLst>
-                                  <p:iterate type="el" backwards="0">
+                                  <p:iterate>
                                     <p:tmAbs val="0"/>
                                   </p:iterate>
                                   <p:childTnLst>
@@ -6818,14 +6978,14 @@
                 </p:childTnLst>
               </p:cTn>
               <p:prevCondLst>
-                <p:cond evt="onPrev">
+                <p:cond evt="onPrev" delay="0">
                   <p:tgtEl>
                     <p:sldTgt/>
                   </p:tgtEl>
                 </p:cond>
               </p:prevCondLst>
               <p:nextCondLst>
-                <p:cond evt="onNext">
+                <p:cond evt="onNext" delay="0">
                   <p:tgtEl>
                     <p:sldTgt/>
                   </p:tgtEl>
@@ -6837,14 +6997,14 @@
       </p:par>
     </p:tnLst>
     <p:bldLst>
-      <p:bldP build="whole" bldLvl="1" animBg="1" rev="0" advAuto="0" spid="130" grpId="1"/>
+      <p:bldP spid="130" grpId="1" animBg="1" advAuto="0"/>
     </p:bldLst>
   </p:timing>
 </p:sld>
 </file>
 
 <file path=ppt/slides/slide30.xml><?xml version="1.0" encoding="utf-8"?>
-<p:sld xmlns:a="http://schemas.openxmlformats.org/drawingml/2006/main" xmlns:r="http://schemas.openxmlformats.org/officeDocument/2006/relationships" xmlns:p="http://schemas.openxmlformats.org/presentationml/2006/main" showMasterSp="1" showMasterPhAnim="1">
+<p:sld xmlns:a="http://schemas.openxmlformats.org/drawingml/2006/main" xmlns:r="http://schemas.openxmlformats.org/officeDocument/2006/relationships" xmlns:p="http://schemas.openxmlformats.org/presentationml/2006/main">
   <p:cSld>
     <p:spTree>
       <p:nvGrpSpPr>
@@ -6862,8 +7022,10 @@
       </p:grpSpPr>
       <p:sp>
         <p:nvSpPr>
-          <p:cNvPr id="248" name="Shape 248"/>
-          <p:cNvSpPr/>
+          <p:cNvPr id="245" name="Shape 245"/>
+          <p:cNvSpPr>
+            <a:spLocks noGrp="1"/>
+          </p:cNvSpPr>
           <p:nvPr>
             <p:ph type="title"/>
           </p:nvPr>
@@ -6877,7 +7039,6 @@
           <a:bodyPr/>
           <a:lstStyle/>
           <a:p>
-            <a:pPr/>
             <a:r>
               <a:t>Stringr</a:t>
             </a:r>
@@ -6886,8 +7047,10 @@
       </p:sp>
       <p:sp>
         <p:nvSpPr>
-          <p:cNvPr id="249" name="Shape 249"/>
-          <p:cNvSpPr/>
+          <p:cNvPr id="246" name="Shape 246"/>
+          <p:cNvSpPr>
+            <a:spLocks noGrp="1"/>
+          </p:cNvSpPr>
           <p:nvPr>
             <p:ph type="body" idx="1"/>
           </p:nvPr>
@@ -6901,27 +7064,18 @@
           <a:bodyPr/>
           <a:lstStyle/>
           <a:p>
-            <a:pPr/>
-            <a:r>
-              <a:t>str_replace(string, pattern, replacement)</a:t>
-            </a:r>
-          </a:p>
-          <a:p>
-            <a:pPr lvl="1"/>
-            <a:r>
-              <a:t>Searches the vector specified in string, and replaces any occurrences of pattern with the specified replacement</a:t>
-            </a:r>
-          </a:p>
-          <a:p>
-            <a:pPr/>
-            <a:r>
-              <a:t>str_extract(string, pattern)</a:t>
-            </a:r>
-          </a:p>
-          <a:p>
-            <a:pPr lvl="1"/>
-            <a:r>
-              <a:t>Searches the vector specified in string, and returns a new vector containing matches to pattern</a:t>
+            <a:r>
+              <a:t>Package from the author of our other data cleaning packages (Hadley Wickam)</a:t>
+            </a:r>
+          </a:p>
+          <a:p>
+            <a:r>
+              <a:t>Makes string functions uniform and easy</a:t>
+            </a:r>
+          </a:p>
+          <a:p>
+            <a:r>
+              <a:t>Same format for each function</a:t>
             </a:r>
           </a:p>
         </p:txBody>
@@ -6931,12 +7085,12 @@
   <p:clrMapOvr>
     <a:masterClrMapping/>
   </p:clrMapOvr>
-  <p:transition xmlns:p14="http://schemas.microsoft.com/office/powerpoint/2010/main" spd="med" advClick="1" p14:dur="1000"/>
+  <p:transition spd="slow"/>
 </p:sld>
 </file>
 
 <file path=ppt/slides/slide31.xml><?xml version="1.0" encoding="utf-8"?>
-<p:sld xmlns:a="http://schemas.openxmlformats.org/drawingml/2006/main" xmlns:r="http://schemas.openxmlformats.org/officeDocument/2006/relationships" xmlns:p="http://schemas.openxmlformats.org/presentationml/2006/main" showMasterSp="1" showMasterPhAnim="1">
+<p:sld xmlns:a="http://schemas.openxmlformats.org/drawingml/2006/main" xmlns:r="http://schemas.openxmlformats.org/officeDocument/2006/relationships" xmlns:p="http://schemas.openxmlformats.org/presentationml/2006/main">
   <p:cSld>
     <p:spTree>
       <p:nvGrpSpPr>
@@ -6954,8 +7108,10 @@
       </p:grpSpPr>
       <p:sp>
         <p:nvSpPr>
-          <p:cNvPr id="251" name="Shape 251"/>
-          <p:cNvSpPr/>
+          <p:cNvPr id="248" name="Shape 248"/>
+          <p:cNvSpPr>
+            <a:spLocks noGrp="1"/>
+          </p:cNvSpPr>
           <p:nvPr>
             <p:ph type="title"/>
           </p:nvPr>
@@ -6969,17 +7125,18 @@
           <a:bodyPr/>
           <a:lstStyle/>
           <a:p>
-            <a:pPr/>
-            <a:r>
-              <a:t>Regular expressions</a:t>
-            </a:r>
-          </a:p>
-        </p:txBody>
-      </p:sp>
-      <p:sp>
-        <p:nvSpPr>
-          <p:cNvPr id="252" name="Shape 252"/>
-          <p:cNvSpPr/>
+            <a:r>
+              <a:t>Stringr</a:t>
+            </a:r>
+          </a:p>
+        </p:txBody>
+      </p:sp>
+      <p:sp>
+        <p:nvSpPr>
+          <p:cNvPr id="249" name="Shape 249"/>
+          <p:cNvSpPr>
+            <a:spLocks noGrp="1"/>
+          </p:cNvSpPr>
           <p:nvPr>
             <p:ph type="body" idx="1"/>
           </p:nvPr>
@@ -6993,21 +7150,25 @@
           <a:bodyPr/>
           <a:lstStyle/>
           <a:p>
-            <a:pPr/>
-            <a:r>
-              <a:t>What makes stringr so powerful is the use of regular expressions, known as regex</a:t>
-            </a:r>
-          </a:p>
-          <a:p>
-            <a:pPr/>
-            <a:r>
-              <a:t>Patterns similar to advanced google search</a:t>
-            </a:r>
-          </a:p>
-          <a:p>
-            <a:pPr/>
-            <a:r>
-              <a:t>E.g. the . means ‘anything’, the * means ‘repeated any number of times’</a:t>
+            <a:r>
+              <a:t>str_replace(string, pattern, replacement)</a:t>
+            </a:r>
+          </a:p>
+          <a:p>
+            <a:pPr lvl="1"/>
+            <a:r>
+              <a:t>Searches the vector specified in string, and replaces any occurrences of pattern with the specified replacement</a:t>
+            </a:r>
+          </a:p>
+          <a:p>
+            <a:r>
+              <a:t>str_extract(string, pattern)</a:t>
+            </a:r>
+          </a:p>
+          <a:p>
+            <a:pPr lvl="1"/>
+            <a:r>
+              <a:t>Searches the vector specified in string, and returns a new vector containing matches to pattern</a:t>
             </a:r>
           </a:p>
         </p:txBody>
@@ -7017,12 +7178,12 @@
   <p:clrMapOvr>
     <a:masterClrMapping/>
   </p:clrMapOvr>
-  <p:transition xmlns:p14="http://schemas.microsoft.com/office/powerpoint/2010/main" spd="med" advClick="1" p14:dur="1000"/>
+  <p:transition spd="slow"/>
 </p:sld>
 </file>
 
 <file path=ppt/slides/slide32.xml><?xml version="1.0" encoding="utf-8"?>
-<p:sld xmlns:a="http://schemas.openxmlformats.org/drawingml/2006/main" xmlns:r="http://schemas.openxmlformats.org/officeDocument/2006/relationships" xmlns:p="http://schemas.openxmlformats.org/presentationml/2006/main" showMasterSp="1" showMasterPhAnim="1">
+<p:sld xmlns:a="http://schemas.openxmlformats.org/drawingml/2006/main" xmlns:r="http://schemas.openxmlformats.org/officeDocument/2006/relationships" xmlns:p="http://schemas.openxmlformats.org/presentationml/2006/main">
   <p:cSld>
     <p:spTree>
       <p:nvGrpSpPr>
@@ -7040,8 +7201,10 @@
       </p:grpSpPr>
       <p:sp>
         <p:nvSpPr>
-          <p:cNvPr id="254" name="Shape 254"/>
-          <p:cNvSpPr/>
+          <p:cNvPr id="251" name="Shape 251"/>
+          <p:cNvSpPr>
+            <a:spLocks noGrp="1"/>
+          </p:cNvSpPr>
           <p:nvPr>
             <p:ph type="title"/>
           </p:nvPr>
@@ -7055,7 +7218,6 @@
           <a:bodyPr/>
           <a:lstStyle/>
           <a:p>
-            <a:pPr/>
             <a:r>
               <a:t>Regular expressions</a:t>
             </a:r>
@@ -7064,8 +7226,10 @@
       </p:sp>
       <p:sp>
         <p:nvSpPr>
-          <p:cNvPr id="255" name="Shape 255"/>
-          <p:cNvSpPr/>
+          <p:cNvPr id="252" name="Shape 252"/>
+          <p:cNvSpPr>
+            <a:spLocks noGrp="1"/>
+          </p:cNvSpPr>
           <p:nvPr>
             <p:ph type="body" idx="1"/>
           </p:nvPr>
@@ -7079,30 +7243,18 @@
           <a:bodyPr/>
           <a:lstStyle/>
           <a:p>
-            <a:pPr/>
-          </a:p>
-          <a:p>
-            <a:pPr/>
-            <a:r>
-              <a:t>SU44_C</a:t>
-            </a:r>
-          </a:p>
-          <a:p>
-            <a:pPr/>
-            <a:r>
-              <a:t>^[A-Z]* would match the ‘SU’</a:t>
-            </a:r>
-          </a:p>
-          <a:p>
-            <a:pPr/>
-            <a:r>
-              <a:t>[0-9]* would match the 44</a:t>
-            </a:r>
-          </a:p>
-          <a:p>
-            <a:pPr/>
-            <a:r>
-              <a:t>[A-Z]$ would match the ‘C’</a:t>
+            <a:r>
+              <a:t>What makes stringr so powerful is the use of regular expressions, known as regex</a:t>
+            </a:r>
+          </a:p>
+          <a:p>
+            <a:r>
+              <a:t>Patterns similar to advanced google search</a:t>
+            </a:r>
+          </a:p>
+          <a:p>
+            <a:r>
+              <a:t>E.g. the . means ‘anything’, the * means ‘repeated any number of times’</a:t>
             </a:r>
           </a:p>
         </p:txBody>
@@ -7112,12 +7264,12 @@
   <p:clrMapOvr>
     <a:masterClrMapping/>
   </p:clrMapOvr>
-  <p:transition xmlns:p14="http://schemas.microsoft.com/office/powerpoint/2010/main" spd="med" advClick="1" p14:dur="1000"/>
+  <p:transition spd="slow"/>
 </p:sld>
 </file>
 
 <file path=ppt/slides/slide33.xml><?xml version="1.0" encoding="utf-8"?>
-<p:sld xmlns:a="http://schemas.openxmlformats.org/drawingml/2006/main" xmlns:r="http://schemas.openxmlformats.org/officeDocument/2006/relationships" xmlns:p="http://schemas.openxmlformats.org/presentationml/2006/main" showMasterSp="1" showMasterPhAnim="1">
+<p:sld xmlns:a="http://schemas.openxmlformats.org/drawingml/2006/main" xmlns:r="http://schemas.openxmlformats.org/officeDocument/2006/relationships" xmlns:p="http://schemas.openxmlformats.org/presentationml/2006/main">
   <p:cSld>
     <p:spTree>
       <p:nvGrpSpPr>
@@ -7135,8 +7287,10 @@
       </p:grpSpPr>
       <p:sp>
         <p:nvSpPr>
-          <p:cNvPr id="257" name="Shape 257"/>
-          <p:cNvSpPr/>
+          <p:cNvPr id="254" name="Shape 254"/>
+          <p:cNvSpPr>
+            <a:spLocks noGrp="1"/>
+          </p:cNvSpPr>
           <p:nvPr>
             <p:ph type="title"/>
           </p:nvPr>
@@ -7150,7 +7304,6 @@
           <a:bodyPr/>
           <a:lstStyle/>
           <a:p>
-            <a:pPr/>
             <a:r>
               <a:t>Regular expressions</a:t>
             </a:r>
@@ -7159,8 +7312,10 @@
       </p:sp>
       <p:sp>
         <p:nvSpPr>
-          <p:cNvPr id="258" name="Shape 258"/>
-          <p:cNvSpPr/>
+          <p:cNvPr id="255" name="Shape 255"/>
+          <p:cNvSpPr>
+            <a:spLocks noGrp="1"/>
+          </p:cNvSpPr>
           <p:nvPr>
             <p:ph type="body" idx="1"/>
           </p:nvPr>
@@ -7174,30 +7329,26 @@
           <a:bodyPr/>
           <a:lstStyle/>
           <a:p>
-            <a:pPr/>
-            <a:r>
-              <a:t>Though we won’t have time to learn them in class, regular expressions are very quick to learn on your own and quite worthwhile. </a:t>
-            </a:r>
-          </a:p>
-          <a:p>
-            <a:pPr/>
-            <a:r>
-              <a:t>Try https://regexone.com/  for a half hour tutorial</a:t>
-            </a:r>
-          </a:p>
-          <a:p>
-            <a:pPr/>
-            <a:r>
-              <a:t>And </a:t>
-            </a:r>
-            <a:r>
-              <a:rPr u="sng">
-                <a:hlinkClick r:id="rId2" invalidUrl="" action="" tgtFrame="" tooltip="" history="1" highlightClick="0" endSnd="0"/>
-              </a:rPr>
-              <a:t>http://www.regular-expressions.info/</a:t>
-            </a:r>
-            <a:r>
-              <a:t> for a comprehensive reference table</a:t>
+            <a:endParaRPr/>
+          </a:p>
+          <a:p>
+            <a:r>
+              <a:t>SU44_C</a:t>
+            </a:r>
+          </a:p>
+          <a:p>
+            <a:r>
+              <a:t>^[A-Z]* would match the ‘SU’</a:t>
+            </a:r>
+          </a:p>
+          <a:p>
+            <a:r>
+              <a:t>[0-9]* would match the 44</a:t>
+            </a:r>
+          </a:p>
+          <a:p>
+            <a:r>
+              <a:t>[A-Z]$ would match the ‘C’</a:t>
             </a:r>
           </a:p>
         </p:txBody>
@@ -7207,12 +7358,12 @@
   <p:clrMapOvr>
     <a:masterClrMapping/>
   </p:clrMapOvr>
-  <p:transition xmlns:p14="http://schemas.microsoft.com/office/powerpoint/2010/main" spd="med" advClick="1" p14:dur="1000"/>
+  <p:transition spd="slow"/>
 </p:sld>
 </file>
 
 <file path=ppt/slides/slide34.xml><?xml version="1.0" encoding="utf-8"?>
-<p:sld xmlns:a="http://schemas.openxmlformats.org/drawingml/2006/main" xmlns:r="http://schemas.openxmlformats.org/officeDocument/2006/relationships" xmlns:p="http://schemas.openxmlformats.org/presentationml/2006/main" showMasterSp="1" showMasterPhAnim="1">
+<p:sld xmlns:a="http://schemas.openxmlformats.org/drawingml/2006/main" xmlns:r="http://schemas.openxmlformats.org/officeDocument/2006/relationships" xmlns:p="http://schemas.openxmlformats.org/presentationml/2006/main">
   <p:cSld>
     <p:spTree>
       <p:nvGrpSpPr>
@@ -7230,8 +7381,105 @@
       </p:grpSpPr>
       <p:sp>
         <p:nvSpPr>
+          <p:cNvPr id="257" name="Shape 257"/>
+          <p:cNvSpPr>
+            <a:spLocks noGrp="1"/>
+          </p:cNvSpPr>
+          <p:nvPr>
+            <p:ph type="title"/>
+          </p:nvPr>
+        </p:nvSpPr>
+        <p:spPr>
+          <a:prstGeom prst="rect">
+            <a:avLst/>
+          </a:prstGeom>
+        </p:spPr>
+        <p:txBody>
+          <a:bodyPr/>
+          <a:lstStyle/>
+          <a:p>
+            <a:r>
+              <a:t>Regular expressions</a:t>
+            </a:r>
+          </a:p>
+        </p:txBody>
+      </p:sp>
+      <p:sp>
+        <p:nvSpPr>
+          <p:cNvPr id="258" name="Shape 258"/>
+          <p:cNvSpPr>
+            <a:spLocks noGrp="1"/>
+          </p:cNvSpPr>
+          <p:nvPr>
+            <p:ph type="body" idx="1"/>
+          </p:nvPr>
+        </p:nvSpPr>
+        <p:spPr>
+          <a:prstGeom prst="rect">
+            <a:avLst/>
+          </a:prstGeom>
+        </p:spPr>
+        <p:txBody>
+          <a:bodyPr/>
+          <a:lstStyle/>
+          <a:p>
+            <a:r>
+              <a:t>Though we won’t have time to learn them in class, regular expressions are very quick to learn on your own and quite worthwhile. </a:t>
+            </a:r>
+          </a:p>
+          <a:p>
+            <a:r>
+              <a:t>Try https://regexone.com/  for a half hour tutorial</a:t>
+            </a:r>
+          </a:p>
+          <a:p>
+            <a:r>
+              <a:t>And </a:t>
+            </a:r>
+            <a:r>
+              <a:rPr u="sng">
+                <a:hlinkClick r:id="rId2"/>
+              </a:rPr>
+              <a:t>http://www.regular-expressions.info/</a:t>
+            </a:r>
+            <a:r>
+              <a:t> for a comprehensive reference table</a:t>
+            </a:r>
+          </a:p>
+        </p:txBody>
+      </p:sp>
+    </p:spTree>
+  </p:cSld>
+  <p:clrMapOvr>
+    <a:masterClrMapping/>
+  </p:clrMapOvr>
+  <p:transition spd="slow"/>
+</p:sld>
+</file>
+
+<file path=ppt/slides/slide35.xml><?xml version="1.0" encoding="utf-8"?>
+<p:sld xmlns:a="http://schemas.openxmlformats.org/drawingml/2006/main" xmlns:r="http://schemas.openxmlformats.org/officeDocument/2006/relationships" xmlns:p="http://schemas.openxmlformats.org/presentationml/2006/main">
+  <p:cSld>
+    <p:spTree>
+      <p:nvGrpSpPr>
+        <p:cNvPr id="1" name=""/>
+        <p:cNvGrpSpPr/>
+        <p:nvPr/>
+      </p:nvGrpSpPr>
+      <p:grpSpPr>
+        <a:xfrm>
+          <a:off x="0" y="0"/>
+          <a:ext cx="0" cy="0"/>
+          <a:chOff x="0" y="0"/>
+          <a:chExt cx="0" cy="0"/>
+        </a:xfrm>
+      </p:grpSpPr>
+      <p:sp>
+        <p:nvSpPr>
           <p:cNvPr id="260" name="Shape 260"/>
-          <p:cNvSpPr/>
+          <p:cNvSpPr>
+            <a:spLocks noGrp="1"/>
+          </p:cNvSpPr>
           <p:nvPr>
             <p:ph type="title"/>
           </p:nvPr>
@@ -7245,7 +7493,6 @@
           <a:bodyPr/>
           <a:lstStyle/>
           <a:p>
-            <a:pPr/>
             <a:r>
               <a:t>Data cleaning example</a:t>
             </a:r>
@@ -7255,7 +7502,9 @@
       <p:sp>
         <p:nvSpPr>
           <p:cNvPr id="261" name="Shape 261"/>
-          <p:cNvSpPr/>
+          <p:cNvSpPr>
+            <a:spLocks noGrp="1"/>
+          </p:cNvSpPr>
           <p:nvPr>
             <p:ph type="body" idx="1"/>
           </p:nvPr>
@@ -7269,7 +7518,7 @@
           <a:bodyPr/>
           <a:lstStyle/>
           <a:p>
-            <a:pPr/>
+            <a:endParaRPr/>
           </a:p>
         </p:txBody>
       </p:sp>
@@ -7307,12 +7556,12 @@
   <p:clrMapOvr>
     <a:masterClrMapping/>
   </p:clrMapOvr>
-  <p:transition xmlns:p14="http://schemas.microsoft.com/office/powerpoint/2010/main" spd="med" advClick="1" p14:dur="1000"/>
+  <p:transition spd="slow"/>
 </p:sld>
 </file>
 
-<file path=ppt/slides/slide35.xml><?xml version="1.0" encoding="utf-8"?>
-<p:sld xmlns:a="http://schemas.openxmlformats.org/drawingml/2006/main" xmlns:r="http://schemas.openxmlformats.org/officeDocument/2006/relationships" xmlns:p="http://schemas.openxmlformats.org/presentationml/2006/main" showMasterSp="1" showMasterPhAnim="1">
+<file path=ppt/slides/slide36.xml><?xml version="1.0" encoding="utf-8"?>
+<p:sld xmlns:a="http://schemas.openxmlformats.org/drawingml/2006/main" xmlns:r="http://schemas.openxmlformats.org/officeDocument/2006/relationships" xmlns:p="http://schemas.openxmlformats.org/presentationml/2006/main">
   <p:cSld>
     <p:spTree>
       <p:nvGrpSpPr>
@@ -7331,7 +7580,9 @@
       <p:sp>
         <p:nvSpPr>
           <p:cNvPr id="266" name="Shape 266"/>
-          <p:cNvSpPr/>
+          <p:cNvSpPr>
+            <a:spLocks noGrp="1"/>
+          </p:cNvSpPr>
           <p:nvPr>
             <p:ph type="title"/>
           </p:nvPr>
@@ -7345,7 +7596,6 @@
           <a:bodyPr/>
           <a:lstStyle/>
           <a:p>
-            <a:pPr/>
             <a:r>
               <a:t>Data cleaning example</a:t>
             </a:r>
@@ -7355,7 +7605,9 @@
       <p:sp>
         <p:nvSpPr>
           <p:cNvPr id="267" name="Shape 267"/>
-          <p:cNvSpPr/>
+          <p:cNvSpPr>
+            <a:spLocks noGrp="1"/>
+          </p:cNvSpPr>
           <p:nvPr>
             <p:ph type="body" idx="1"/>
           </p:nvPr>
@@ -7388,6 +7640,7 @@
             <a:pPr marL="444500" indent="-444500">
               <a:defRPr sz="2600"/>
             </a:pPr>
+            <a:endParaRPr/>
           </a:p>
         </p:txBody>
       </p:sp>
@@ -7425,12 +7678,12 @@
   <p:clrMapOvr>
     <a:masterClrMapping/>
   </p:clrMapOvr>
-  <p:transition xmlns:p14="http://schemas.microsoft.com/office/powerpoint/2010/main" spd="med" advClick="1" p14:dur="1000"/>
+  <p:transition spd="slow"/>
 </p:sld>
 </file>
 
-<file path=ppt/slides/slide36.xml><?xml version="1.0" encoding="utf-8"?>
-<p:sld xmlns:a="http://schemas.openxmlformats.org/drawingml/2006/main" xmlns:r="http://schemas.openxmlformats.org/officeDocument/2006/relationships" xmlns:p="http://schemas.openxmlformats.org/presentationml/2006/main" showMasterSp="1" showMasterPhAnim="1">
+<file path=ppt/slides/slide37.xml><?xml version="1.0" encoding="utf-8"?>
+<p:sld xmlns:a="http://schemas.openxmlformats.org/drawingml/2006/main" xmlns:r="http://schemas.openxmlformats.org/officeDocument/2006/relationships" xmlns:p="http://schemas.openxmlformats.org/presentationml/2006/main">
   <p:cSld>
     <p:spTree>
       <p:nvGrpSpPr>
@@ -7449,7 +7702,9 @@
       <p:sp>
         <p:nvSpPr>
           <p:cNvPr id="272" name="Shape 272"/>
-          <p:cNvSpPr/>
+          <p:cNvSpPr>
+            <a:spLocks noGrp="1"/>
+          </p:cNvSpPr>
           <p:nvPr>
             <p:ph type="title"/>
           </p:nvPr>
@@ -7463,7 +7718,6 @@
           <a:bodyPr/>
           <a:lstStyle/>
           <a:p>
-            <a:pPr/>
             <a:r>
               <a:t>Data cleaning example</a:t>
             </a:r>
@@ -7473,7 +7727,9 @@
       <p:sp>
         <p:nvSpPr>
           <p:cNvPr id="273" name="Shape 273"/>
-          <p:cNvSpPr/>
+          <p:cNvSpPr>
+            <a:spLocks noGrp="1"/>
+          </p:cNvSpPr>
           <p:nvPr>
             <p:ph type="body" idx="1"/>
           </p:nvPr>
@@ -7514,6 +7770,7 @@
             <a:pPr marL="444500" indent="-444500">
               <a:defRPr sz="2600"/>
             </a:pPr>
+            <a:endParaRPr/>
           </a:p>
         </p:txBody>
       </p:sp>
@@ -7529,7 +7786,7 @@
           <a:blip r:embed="rId3">
             <a:extLst/>
           </a:blip>
-          <a:srcRect l="0" t="3273" r="0" b="0"/>
+          <a:srcRect t="3273"/>
           <a:stretch>
             <a:fillRect/>
           </a:stretch>
@@ -7552,12 +7809,12 @@
   <p:clrMapOvr>
     <a:masterClrMapping/>
   </p:clrMapOvr>
-  <p:transition xmlns:p14="http://schemas.microsoft.com/office/powerpoint/2010/main" spd="med" advClick="1" p14:dur="1000"/>
+  <p:transition spd="slow"/>
 </p:sld>
 </file>
 
-<file path=ppt/slides/slide37.xml><?xml version="1.0" encoding="utf-8"?>
-<p:sld xmlns:a="http://schemas.openxmlformats.org/drawingml/2006/main" xmlns:r="http://schemas.openxmlformats.org/officeDocument/2006/relationships" xmlns:p="http://schemas.openxmlformats.org/presentationml/2006/main" showMasterSp="1" showMasterPhAnim="1">
+<file path=ppt/slides/slide38.xml><?xml version="1.0" encoding="utf-8"?>
+<p:sld xmlns:a="http://schemas.openxmlformats.org/drawingml/2006/main" xmlns:r="http://schemas.openxmlformats.org/officeDocument/2006/relationships" xmlns:p="http://schemas.openxmlformats.org/presentationml/2006/main">
   <p:cSld>
     <p:spTree>
       <p:nvGrpSpPr>
@@ -7576,7 +7833,9 @@
       <p:sp>
         <p:nvSpPr>
           <p:cNvPr id="278" name="Shape 278"/>
-          <p:cNvSpPr/>
+          <p:cNvSpPr>
+            <a:spLocks noGrp="1"/>
+          </p:cNvSpPr>
           <p:nvPr>
             <p:ph type="title"/>
           </p:nvPr>
@@ -7590,7 +7849,6 @@
           <a:bodyPr/>
           <a:lstStyle/>
           <a:p>
-            <a:pPr/>
             <a:r>
               <a:t>Data cleaning example</a:t>
             </a:r>
@@ -7600,7 +7858,9 @@
       <p:sp>
         <p:nvSpPr>
           <p:cNvPr id="279" name="Shape 279"/>
-          <p:cNvSpPr/>
+          <p:cNvSpPr>
+            <a:spLocks noGrp="1"/>
+          </p:cNvSpPr>
           <p:nvPr>
             <p:ph type="body" idx="1"/>
           </p:nvPr>
@@ -7629,6 +7889,7 @@
             <a:pPr marL="444500" indent="-444500">
               <a:defRPr sz="2600"/>
             </a:pPr>
+            <a:endParaRPr/>
           </a:p>
         </p:txBody>
       </p:sp>
@@ -7666,12 +7927,12 @@
   <p:clrMapOvr>
     <a:masterClrMapping/>
   </p:clrMapOvr>
-  <p:transition xmlns:p14="http://schemas.microsoft.com/office/powerpoint/2010/main" spd="med" advClick="1" p14:dur="1000"/>
+  <p:transition spd="slow"/>
 </p:sld>
 </file>
 
-<file path=ppt/slides/slide38.xml><?xml version="1.0" encoding="utf-8"?>
-<p:sld xmlns:a="http://schemas.openxmlformats.org/drawingml/2006/main" xmlns:r="http://schemas.openxmlformats.org/officeDocument/2006/relationships" xmlns:p="http://schemas.openxmlformats.org/presentationml/2006/main" showMasterSp="1" showMasterPhAnim="1">
+<file path=ppt/slides/slide39.xml><?xml version="1.0" encoding="utf-8"?>
+<p:sld xmlns:a="http://schemas.openxmlformats.org/drawingml/2006/main" xmlns:r="http://schemas.openxmlformats.org/officeDocument/2006/relationships" xmlns:p="http://schemas.openxmlformats.org/presentationml/2006/main">
   <p:cSld>
     <p:spTree>
       <p:nvGrpSpPr>
@@ -7690,7 +7951,9 @@
       <p:sp>
         <p:nvSpPr>
           <p:cNvPr id="284" name="Shape 284"/>
-          <p:cNvSpPr/>
+          <p:cNvSpPr>
+            <a:spLocks noGrp="1"/>
+          </p:cNvSpPr>
           <p:nvPr>
             <p:ph type="title"/>
           </p:nvPr>
@@ -7704,7 +7967,6 @@
           <a:bodyPr/>
           <a:lstStyle/>
           <a:p>
-            <a:pPr/>
             <a:r>
               <a:t>Data cleaning example</a:t>
             </a:r>
@@ -7714,7 +7976,9 @@
       <p:sp>
         <p:nvSpPr>
           <p:cNvPr id="285" name="Shape 285"/>
-          <p:cNvSpPr/>
+          <p:cNvSpPr>
+            <a:spLocks noGrp="1"/>
+          </p:cNvSpPr>
           <p:nvPr>
             <p:ph type="body" idx="1"/>
           </p:nvPr>
@@ -7759,11 +8023,13 @@
             <a:pPr marL="444500" indent="-444500">
               <a:defRPr sz="2600"/>
             </a:pPr>
+            <a:endParaRPr/>
           </a:p>
           <a:p>
             <a:pPr marL="444500" indent="-444500">
               <a:defRPr sz="2600"/>
             </a:pPr>
+            <a:endParaRPr/>
           </a:p>
         </p:txBody>
       </p:sp>
@@ -7801,12 +8067,12 @@
   <p:clrMapOvr>
     <a:masterClrMapping/>
   </p:clrMapOvr>
-  <p:transition xmlns:p14="http://schemas.microsoft.com/office/powerpoint/2010/main" spd="med" advClick="1" p14:dur="1000"/>
+  <p:transition spd="slow"/>
 </p:sld>
 </file>
 
-<file path=ppt/slides/slide39.xml><?xml version="1.0" encoding="utf-8"?>
-<p:sld xmlns:a="http://schemas.openxmlformats.org/drawingml/2006/main" xmlns:r="http://schemas.openxmlformats.org/officeDocument/2006/relationships" xmlns:p="http://schemas.openxmlformats.org/presentationml/2006/main" showMasterSp="1" showMasterPhAnim="1">
+<file path=ppt/slides/slide4.xml><?xml version="1.0" encoding="utf-8"?>
+<p:sld xmlns:a="http://schemas.openxmlformats.org/drawingml/2006/main" xmlns:r="http://schemas.openxmlformats.org/officeDocument/2006/relationships" xmlns:p="http://schemas.openxmlformats.org/presentationml/2006/main">
   <p:cSld>
     <p:spTree>
       <p:nvGrpSpPr>
@@ -7824,8 +8090,108 @@
       </p:grpSpPr>
       <p:sp>
         <p:nvSpPr>
+          <p:cNvPr id="134" name="Shape 134"/>
+          <p:cNvSpPr>
+            <a:spLocks noGrp="1"/>
+          </p:cNvSpPr>
+          <p:nvPr>
+            <p:ph type="title"/>
+          </p:nvPr>
+        </p:nvSpPr>
+        <p:spPr>
+          <a:prstGeom prst="rect">
+            <a:avLst/>
+          </a:prstGeom>
+        </p:spPr>
+        <p:txBody>
+          <a:bodyPr/>
+          <a:lstStyle/>
+          <a:p>
+            <a:r>
+              <a:t>Principles of tidy data</a:t>
+            </a:r>
+          </a:p>
+        </p:txBody>
+      </p:sp>
+      <p:sp>
+        <p:nvSpPr>
+          <p:cNvPr id="135" name="Shape 135"/>
+          <p:cNvSpPr>
+            <a:spLocks noGrp="1"/>
+          </p:cNvSpPr>
+          <p:nvPr>
+            <p:ph type="body" idx="1"/>
+          </p:nvPr>
+        </p:nvSpPr>
+        <p:spPr>
+          <a:prstGeom prst="rect">
+            <a:avLst/>
+          </a:prstGeom>
+        </p:spPr>
+        <p:txBody>
+          <a:bodyPr/>
+          <a:lstStyle/>
+          <a:p>
+            <a:pPr marL="228600" indent="-228600">
+              <a:buSzPct val="100000"/>
+              <a:buAutoNum type="arabicPeriod"/>
+            </a:pPr>
+            <a:r>
+              <a:t> Each variable forms a column</a:t>
+            </a:r>
+          </a:p>
+          <a:p>
+            <a:pPr marL="228600" indent="-228600">
+              <a:buSzPct val="100000"/>
+              <a:buAutoNum type="arabicPeriod"/>
+            </a:pPr>
+            <a:r>
+              <a:t> Each observation forms a row</a:t>
+            </a:r>
+          </a:p>
+          <a:p>
+            <a:pPr marL="228600" indent="-228600">
+              <a:buSzPct val="100000"/>
+              <a:buAutoNum type="arabicPeriod"/>
+            </a:pPr>
+            <a:r>
+              <a:t> Each value is placed in its own cell</a:t>
+            </a:r>
+          </a:p>
+        </p:txBody>
+      </p:sp>
+    </p:spTree>
+  </p:cSld>
+  <p:clrMapOvr>
+    <a:masterClrMapping/>
+  </p:clrMapOvr>
+  <p:transition spd="slow"/>
+</p:sld>
+</file>
+
+<file path=ppt/slides/slide40.xml><?xml version="1.0" encoding="utf-8"?>
+<p:sld xmlns:a="http://schemas.openxmlformats.org/drawingml/2006/main" xmlns:r="http://schemas.openxmlformats.org/officeDocument/2006/relationships" xmlns:p="http://schemas.openxmlformats.org/presentationml/2006/main">
+  <p:cSld>
+    <p:spTree>
+      <p:nvGrpSpPr>
+        <p:cNvPr id="1" name=""/>
+        <p:cNvGrpSpPr/>
+        <p:nvPr/>
+      </p:nvGrpSpPr>
+      <p:grpSpPr>
+        <a:xfrm>
+          <a:off x="0" y="0"/>
+          <a:ext cx="0" cy="0"/>
+          <a:chOff x="0" y="0"/>
+          <a:chExt cx="0" cy="0"/>
+        </a:xfrm>
+      </p:grpSpPr>
+      <p:sp>
+        <p:nvSpPr>
           <p:cNvPr id="290" name="Shape 290"/>
-          <p:cNvSpPr/>
+          <p:cNvSpPr>
+            <a:spLocks noGrp="1"/>
+          </p:cNvSpPr>
           <p:nvPr>
             <p:ph type="title"/>
           </p:nvPr>
@@ -7839,7 +8205,6 @@
           <a:bodyPr/>
           <a:lstStyle/>
           <a:p>
-            <a:pPr/>
             <a:r>
               <a:t>Data cleaning example</a:t>
             </a:r>
@@ -7849,7 +8214,9 @@
       <p:sp>
         <p:nvSpPr>
           <p:cNvPr id="291" name="Shape 291"/>
-          <p:cNvSpPr/>
+          <p:cNvSpPr>
+            <a:spLocks noGrp="1"/>
+          </p:cNvSpPr>
           <p:nvPr>
             <p:ph type="body" idx="1"/>
           </p:nvPr>
@@ -7906,6 +8273,7 @@
               </a:spcBef>
               <a:defRPr sz="2262"/>
             </a:pPr>
+            <a:endParaRPr/>
           </a:p>
           <a:p>
             <a:pPr marL="386715" indent="-386715" defTabSz="508254">
@@ -7914,6 +8282,7 @@
               </a:spcBef>
               <a:defRPr sz="2262"/>
             </a:pPr>
+            <a:endParaRPr/>
           </a:p>
         </p:txBody>
       </p:sp>
@@ -7951,12 +8320,12 @@
   <p:clrMapOvr>
     <a:masterClrMapping/>
   </p:clrMapOvr>
-  <p:transition xmlns:p14="http://schemas.microsoft.com/office/powerpoint/2010/main" spd="med" advClick="1" p14:dur="1000"/>
+  <p:transition spd="slow"/>
 </p:sld>
 </file>
 
-<file path=ppt/slides/slide4.xml><?xml version="1.0" encoding="utf-8"?>
-<p:sld xmlns:a="http://schemas.openxmlformats.org/drawingml/2006/main" xmlns:r="http://schemas.openxmlformats.org/officeDocument/2006/relationships" xmlns:p="http://schemas.openxmlformats.org/presentationml/2006/main" showMasterSp="1" showMasterPhAnim="1">
+<file path=ppt/slides/slide41.xml><?xml version="1.0" encoding="utf-8"?>
+<p:sld xmlns:a="http://schemas.openxmlformats.org/drawingml/2006/main" xmlns:r="http://schemas.openxmlformats.org/officeDocument/2006/relationships" xmlns:p="http://schemas.openxmlformats.org/presentationml/2006/main">
   <p:cSld>
     <p:spTree>
       <p:nvGrpSpPr>
@@ -7974,8 +8343,10 @@
       </p:grpSpPr>
       <p:sp>
         <p:nvSpPr>
-          <p:cNvPr id="134" name="Shape 134"/>
-          <p:cNvSpPr/>
+          <p:cNvPr id="296" name="Shape 296"/>
+          <p:cNvSpPr>
+            <a:spLocks noGrp="1"/>
+          </p:cNvSpPr>
           <p:nvPr>
             <p:ph type="title"/>
           </p:nvPr>
@@ -7989,17 +8360,18 @@
           <a:bodyPr/>
           <a:lstStyle/>
           <a:p>
-            <a:pPr/>
-            <a:r>
-              <a:t>Principles of tidy data</a:t>
-            </a:r>
-          </a:p>
-        </p:txBody>
-      </p:sp>
-      <p:sp>
-        <p:nvSpPr>
-          <p:cNvPr id="135" name="Shape 135"/>
-          <p:cNvSpPr/>
+            <a:r>
+              <a:t>The power of R</a:t>
+            </a:r>
+          </a:p>
+        </p:txBody>
+      </p:sp>
+      <p:sp>
+        <p:nvSpPr>
+          <p:cNvPr id="297" name="Shape 297"/>
+          <p:cNvSpPr>
+            <a:spLocks noGrp="1"/>
+          </p:cNvSpPr>
           <p:nvPr>
             <p:ph type="body" idx="1"/>
           </p:nvPr>
@@ -8013,30 +8385,18 @@
           <a:bodyPr/>
           <a:lstStyle/>
           <a:p>
-            <a:pPr marL="228600" indent="-228600">
-              <a:buSzPct val="100000"/>
-              <a:buAutoNum type="arabicPeriod" startAt="1"/>
-            </a:pPr>
-            <a:r>
-              <a:t> Each variable forms a column</a:t>
-            </a:r>
-          </a:p>
-          <a:p>
-            <a:pPr marL="228600" indent="-228600">
-              <a:buSzPct val="100000"/>
-              <a:buAutoNum type="arabicPeriod" startAt="1"/>
-            </a:pPr>
-            <a:r>
-              <a:t> Each observation forms a row</a:t>
-            </a:r>
-          </a:p>
-          <a:p>
-            <a:pPr marL="228600" indent="-228600">
-              <a:buSzPct val="100000"/>
-              <a:buAutoNum type="arabicPeriod" startAt="1"/>
-            </a:pPr>
-            <a:r>
-              <a:t> Each value is placed in its own cell</a:t>
+            <a:r>
+              <a:t>In this example, 6 lines of code took us from incredibly difficult and messy data to clean, ready to analyse data</a:t>
+            </a:r>
+          </a:p>
+          <a:p>
+            <a:r>
+              <a:t>When I first got this data, it took me days to tidy it up in excel</a:t>
+            </a:r>
+          </a:p>
+          <a:p>
+            <a:r>
+              <a:t>Mastery of these data tidying tools can be extremely useful</a:t>
             </a:r>
           </a:p>
         </p:txBody>
@@ -8046,12 +8406,12 @@
   <p:clrMapOvr>
     <a:masterClrMapping/>
   </p:clrMapOvr>
-  <p:transition xmlns:p14="http://schemas.microsoft.com/office/powerpoint/2010/main" spd="med" advClick="1" p14:dur="1000"/>
+  <p:transition spd="slow"/>
 </p:sld>
 </file>
 
-<file path=ppt/slides/slide40.xml><?xml version="1.0" encoding="utf-8"?>
-<p:sld xmlns:a="http://schemas.openxmlformats.org/drawingml/2006/main" xmlns:r="http://schemas.openxmlformats.org/officeDocument/2006/relationships" xmlns:p="http://schemas.openxmlformats.org/presentationml/2006/main" showMasterSp="1" showMasterPhAnim="1">
+<file path=ppt/slides/slide42.xml><?xml version="1.0" encoding="utf-8"?>
+<p:sld xmlns:a="http://schemas.openxmlformats.org/drawingml/2006/main" xmlns:r="http://schemas.openxmlformats.org/officeDocument/2006/relationships" xmlns:p="http://schemas.openxmlformats.org/presentationml/2006/main">
   <p:cSld>
     <p:spTree>
       <p:nvGrpSpPr>
@@ -8069,8 +8429,10 @@
       </p:grpSpPr>
       <p:sp>
         <p:nvSpPr>
-          <p:cNvPr id="296" name="Shape 296"/>
-          <p:cNvSpPr/>
+          <p:cNvPr id="299" name="Shape 299"/>
+          <p:cNvSpPr>
+            <a:spLocks noGrp="1"/>
+          </p:cNvSpPr>
           <p:nvPr>
             <p:ph type="title"/>
           </p:nvPr>
@@ -8082,47 +8444,48 @@
         </p:spPr>
         <p:txBody>
           <a:bodyPr/>
-          <a:lstStyle/>
-          <a:p>
-            <a:pPr/>
-            <a:r>
-              <a:t>The power of R</a:t>
-            </a:r>
-          </a:p>
-        </p:txBody>
-      </p:sp>
-      <p:sp>
-        <p:nvSpPr>
-          <p:cNvPr id="297" name="Shape 297"/>
-          <p:cNvSpPr/>
+          <a:lstStyle>
+            <a:lvl1pPr defTabSz="490727">
+              <a:defRPr sz="6719"/>
+            </a:lvl1pPr>
+          </a:lstStyle>
+          <a:p>
+            <a:r>
+              <a:t>Complexity versus efficiency</a:t>
+            </a:r>
+          </a:p>
+        </p:txBody>
+      </p:sp>
+      <p:sp>
+        <p:nvSpPr>
+          <p:cNvPr id="300" name="Shape 300"/>
+          <p:cNvSpPr>
+            <a:spLocks noGrp="1"/>
+          </p:cNvSpPr>
           <p:nvPr>
             <p:ph type="body" idx="1"/>
           </p:nvPr>
         </p:nvSpPr>
         <p:spPr>
-          <a:prstGeom prst="rect">
-            <a:avLst/>
-          </a:prstGeom>
-        </p:spPr>
-        <p:txBody>
-          <a:bodyPr/>
-          <a:lstStyle/>
-          <a:p>
-            <a:pPr/>
-            <a:r>
-              <a:t>In this example, 6 lines of code took us from incredibly difficult and messy data to clean, ready to analyse data</a:t>
-            </a:r>
-          </a:p>
-          <a:p>
-            <a:pPr/>
-            <a:r>
-              <a:t>When I first got this data, it took me days to tidy it up in excel</a:t>
-            </a:r>
-          </a:p>
-          <a:p>
-            <a:pPr/>
-            <a:r>
-              <a:t>Mastery of these data tidying tools can be extremely useful</a:t>
+          <a:xfrm>
+            <a:off x="952500" y="2609849"/>
+            <a:ext cx="11099800" cy="6286501"/>
+          </a:xfrm>
+          <a:prstGeom prst="rect">
+            <a:avLst/>
+          </a:prstGeom>
+        </p:spPr>
+        <p:txBody>
+          <a:bodyPr/>
+          <a:lstStyle/>
+          <a:p>
+            <a:r>
+              <a:t>I should offer a word of warning though. R offers many tools (like the ones I’ve showed you) that are very powerful, in that they can do a lot in a single line of code</a:t>
+            </a:r>
+          </a:p>
+          <a:p>
+            <a:r>
+              <a:t>However, the more powerful a function, the more important it is to understand it, because more is happening ‘behind the scenes’</a:t>
             </a:r>
           </a:p>
         </p:txBody>
@@ -8132,12 +8495,12 @@
   <p:clrMapOvr>
     <a:masterClrMapping/>
   </p:clrMapOvr>
-  <p:transition xmlns:p14="http://schemas.microsoft.com/office/powerpoint/2010/main" spd="med" advClick="1" p14:dur="1000"/>
+  <p:transition spd="slow"/>
 </p:sld>
 </file>
 
-<file path=ppt/slides/slide41.xml><?xml version="1.0" encoding="utf-8"?>
-<p:sld xmlns:a="http://schemas.openxmlformats.org/drawingml/2006/main" xmlns:r="http://schemas.openxmlformats.org/officeDocument/2006/relationships" xmlns:p="http://schemas.openxmlformats.org/presentationml/2006/main" showMasterSp="1" showMasterPhAnim="1">
+<file path=ppt/slides/slide43.xml><?xml version="1.0" encoding="utf-8"?>
+<p:sld xmlns:a="http://schemas.openxmlformats.org/drawingml/2006/main" xmlns:r="http://schemas.openxmlformats.org/officeDocument/2006/relationships" xmlns:p="http://schemas.openxmlformats.org/presentationml/2006/main">
   <p:cSld>
     <p:spTree>
       <p:nvGrpSpPr>
@@ -8155,8 +8518,10 @@
       </p:grpSpPr>
       <p:sp>
         <p:nvSpPr>
-          <p:cNvPr id="299" name="Shape 299"/>
-          <p:cNvSpPr/>
+          <p:cNvPr id="302" name="Shape 302"/>
+          <p:cNvSpPr>
+            <a:spLocks noGrp="1"/>
+          </p:cNvSpPr>
           <p:nvPr>
             <p:ph type="title"/>
           </p:nvPr>
@@ -8174,7 +8539,6 @@
             </a:lvl1pPr>
           </a:lstStyle>
           <a:p>
-            <a:pPr/>
             <a:r>
               <a:t>Complexity versus efficiency</a:t>
             </a:r>
@@ -8183,34 +8547,59 @@
       </p:sp>
       <p:sp>
         <p:nvSpPr>
-          <p:cNvPr id="300" name="Shape 300"/>
-          <p:cNvSpPr/>
+          <p:cNvPr id="303" name="Shape 303"/>
+          <p:cNvSpPr>
+            <a:spLocks noGrp="1"/>
+          </p:cNvSpPr>
           <p:nvPr>
             <p:ph type="body" idx="1"/>
           </p:nvPr>
         </p:nvSpPr>
         <p:spPr>
           <a:xfrm>
-            <a:off x="952500" y="2609849"/>
-            <a:ext cx="11099800" cy="6286501"/>
+            <a:off x="952500" y="2609850"/>
+            <a:ext cx="11099800" cy="6286500"/>
           </a:xfrm>
           <a:prstGeom prst="rect">
             <a:avLst/>
           </a:prstGeom>
         </p:spPr>
         <p:txBody>
-          <a:bodyPr/>
-          <a:lstStyle/>
-          <a:p>
-            <a:pPr/>
-            <a:r>
-              <a:t>I should offer a word of warning though. R offers many tools (like the ones I’ve showed you) that are very powerful, in that they can do a lot in a single line of code</a:t>
-            </a:r>
-          </a:p>
-          <a:p>
-            <a:pPr/>
-            <a:r>
-              <a:t>However, the more powerful a function, the more important it is to understand it, because more is happening ‘behind the scenes’</a:t>
+          <a:bodyPr>
+            <a:normAutofit lnSpcReduction="10000"/>
+          </a:bodyPr>
+          <a:lstStyle/>
+          <a:p>
+            <a:pPr marL="386715" indent="-386715" defTabSz="508254">
+              <a:spcBef>
+                <a:spcPts val="3600"/>
+              </a:spcBef>
+              <a:defRPr sz="3132"/>
+            </a:pPr>
+            <a:r>
+              <a:t>For a long time I used tools like melt and dcast with a vague understanding and a lot of trial and error, tweaking the code until it did what I wanted. I often still do the same with graphing.</a:t>
+            </a:r>
+          </a:p>
+          <a:p>
+            <a:pPr marL="386715" indent="-386715" defTabSz="508254">
+              <a:spcBef>
+                <a:spcPts val="3600"/>
+              </a:spcBef>
+              <a:defRPr sz="3132"/>
+            </a:pPr>
+            <a:r>
+              <a:t>It’s fine to take that approach. But when you’re using tools you don’t fully understand yet, it’s even more important to check the results and make sure it actually did what you want. Functions like nrow, ncol, and table are useful for this.</a:t>
+            </a:r>
+          </a:p>
+          <a:p>
+            <a:pPr marL="386715" indent="-386715" defTabSz="508254">
+              <a:spcBef>
+                <a:spcPts val="3600"/>
+              </a:spcBef>
+              <a:defRPr sz="3132"/>
+            </a:pPr>
+            <a:r>
+              <a:t>It’s always a good idea to use the head() and tail() functions after you transform your data to see what you did. Never run analyses without at least looking at the underlying data.</a:t>
             </a:r>
           </a:p>
         </p:txBody>
@@ -8220,12 +8609,12 @@
   <p:clrMapOvr>
     <a:masterClrMapping/>
   </p:clrMapOvr>
-  <p:transition xmlns:p14="http://schemas.microsoft.com/office/powerpoint/2010/main" spd="med" advClick="1" p14:dur="1000"/>
+  <p:transition spd="slow"/>
 </p:sld>
 </file>
 
-<file path=ppt/slides/slide42.xml><?xml version="1.0" encoding="utf-8"?>
-<p:sld xmlns:a="http://schemas.openxmlformats.org/drawingml/2006/main" xmlns:r="http://schemas.openxmlformats.org/officeDocument/2006/relationships" xmlns:p="http://schemas.openxmlformats.org/presentationml/2006/main" showMasterSp="1" showMasterPhAnim="1">
+<file path=ppt/slides/slide44.xml><?xml version="1.0" encoding="utf-8"?>
+<p:sld xmlns:a="http://schemas.openxmlformats.org/drawingml/2006/main" xmlns:r="http://schemas.openxmlformats.org/officeDocument/2006/relationships" xmlns:p="http://schemas.openxmlformats.org/presentationml/2006/main">
   <p:cSld>
     <p:spTree>
       <p:nvGrpSpPr>
@@ -8243,8 +8632,10 @@
       </p:grpSpPr>
       <p:sp>
         <p:nvSpPr>
-          <p:cNvPr id="302" name="Shape 302"/>
-          <p:cNvSpPr/>
+          <p:cNvPr id="305" name="Shape 305"/>
+          <p:cNvSpPr>
+            <a:spLocks noGrp="1"/>
+          </p:cNvSpPr>
           <p:nvPr>
             <p:ph type="title"/>
           </p:nvPr>
@@ -8262,7 +8653,6 @@
             </a:lvl1pPr>
           </a:lstStyle>
           <a:p>
-            <a:pPr/>
             <a:r>
               <a:t>Complexity versus efficiency</a:t>
             </a:r>
@@ -8271,8 +8661,10 @@
       </p:sp>
       <p:sp>
         <p:nvSpPr>
-          <p:cNvPr id="303" name="Shape 303"/>
-          <p:cNvSpPr/>
+          <p:cNvPr id="306" name="Shape 306"/>
+          <p:cNvSpPr>
+            <a:spLocks noGrp="1"/>
+          </p:cNvSpPr>
           <p:nvPr>
             <p:ph type="body" idx="1"/>
           </p:nvPr>
@@ -8290,36 +8682,18 @@
           <a:bodyPr/>
           <a:lstStyle/>
           <a:p>
-            <a:pPr marL="386715" indent="-386715" defTabSz="508254">
-              <a:spcBef>
-                <a:spcPts val="3600"/>
-              </a:spcBef>
-              <a:defRPr sz="3132"/>
-            </a:pPr>
-            <a:r>
-              <a:t>For a long time I used tools like melt and dcast with a vague understanding and a lot of trial and error, tweaking the code until it did what I wanted. I often still do the same with graphing.</a:t>
-            </a:r>
-          </a:p>
-          <a:p>
-            <a:pPr marL="386715" indent="-386715" defTabSz="508254">
-              <a:spcBef>
-                <a:spcPts val="3600"/>
-              </a:spcBef>
-              <a:defRPr sz="3132"/>
-            </a:pPr>
-            <a:r>
-              <a:t>It’s fine to take that approach. But when you’re using tools you don’t fully understand yet, it’s even more important to check the results and make sure it actually did what you want. Functions like nrow, ncol, and table are useful for this.</a:t>
-            </a:r>
-          </a:p>
-          <a:p>
-            <a:pPr marL="386715" indent="-386715" defTabSz="508254">
-              <a:spcBef>
-                <a:spcPts val="3600"/>
-              </a:spcBef>
-              <a:defRPr sz="3132"/>
-            </a:pPr>
-            <a:r>
-              <a:t>It’s always a good idea to use the head() and tail() functions after you transform your data to see what you did. Never run analyses without at least looking at the underlying data.</a:t>
+            <a:r>
+              <a:t>As you get more experienced with R, you will learn to code more efficiently and use powerful functions (and write your own) to do things quickly</a:t>
+            </a:r>
+          </a:p>
+          <a:p>
+            <a:r>
+              <a:t>But at the start it’s fine to learn and understand a handful of functions and use those, even if it involves writing more lines of code</a:t>
+            </a:r>
+          </a:p>
+          <a:p>
+            <a:r>
+              <a:t>Prioritise making sure you understand what your code is doing</a:t>
             </a:r>
           </a:p>
         </p:txBody>
@@ -8329,12 +8703,12 @@
   <p:clrMapOvr>
     <a:masterClrMapping/>
   </p:clrMapOvr>
-  <p:transition xmlns:p14="http://schemas.microsoft.com/office/powerpoint/2010/main" spd="med" advClick="1" p14:dur="1000"/>
+  <p:transition spd="slow"/>
 </p:sld>
 </file>
 
-<file path=ppt/slides/slide43.xml><?xml version="1.0" encoding="utf-8"?>
-<p:sld xmlns:a="http://schemas.openxmlformats.org/drawingml/2006/main" xmlns:r="http://schemas.openxmlformats.org/officeDocument/2006/relationships" xmlns:p="http://schemas.openxmlformats.org/presentationml/2006/main" showMasterSp="1" showMasterPhAnim="1">
+<file path=ppt/slides/slide5.xml><?xml version="1.0" encoding="utf-8"?>
+<p:sld xmlns:a="http://schemas.openxmlformats.org/drawingml/2006/main" xmlns:r="http://schemas.openxmlformats.org/officeDocument/2006/relationships" xmlns:p="http://schemas.openxmlformats.org/presentationml/2006/main">
   <p:cSld>
     <p:spTree>
       <p:nvGrpSpPr>
@@ -8352,8 +8726,10 @@
       </p:grpSpPr>
       <p:sp>
         <p:nvSpPr>
-          <p:cNvPr id="305" name="Shape 305"/>
-          <p:cNvSpPr/>
+          <p:cNvPr id="137" name="Shape 137"/>
+          <p:cNvSpPr>
+            <a:spLocks noGrp="1"/>
+          </p:cNvSpPr>
           <p:nvPr>
             <p:ph type="title"/>
           </p:nvPr>
@@ -8365,127 +8741,33 @@
         </p:spPr>
         <p:txBody>
           <a:bodyPr/>
-          <a:lstStyle>
-            <a:lvl1pPr defTabSz="490727">
-              <a:defRPr sz="6719"/>
-            </a:lvl1pPr>
-          </a:lstStyle>
-          <a:p>
-            <a:pPr/>
-            <a:r>
-              <a:t>Complexity versus efficiency</a:t>
-            </a:r>
-          </a:p>
-        </p:txBody>
-      </p:sp>
-      <p:sp>
-        <p:nvSpPr>
-          <p:cNvPr id="306" name="Shape 306"/>
-          <p:cNvSpPr/>
+          <a:lstStyle/>
+          <a:p>
+            <a:r>
+              <a:t>Tidy data</a:t>
+            </a:r>
+          </a:p>
+        </p:txBody>
+      </p:sp>
+      <p:sp>
+        <p:nvSpPr>
+          <p:cNvPr id="138" name="Shape 138"/>
+          <p:cNvSpPr>
+            <a:spLocks noGrp="1"/>
+          </p:cNvSpPr>
           <p:nvPr>
             <p:ph type="body" idx="1"/>
           </p:nvPr>
         </p:nvSpPr>
         <p:spPr>
-          <a:xfrm>
-            <a:off x="952500" y="2609850"/>
-            <a:ext cx="11099800" cy="6286500"/>
-          </a:xfrm>
-          <a:prstGeom prst="rect">
-            <a:avLst/>
-          </a:prstGeom>
-        </p:spPr>
-        <p:txBody>
-          <a:bodyPr/>
-          <a:lstStyle/>
-          <a:p>
-            <a:pPr/>
-            <a:r>
-              <a:t>As you get more experienced with R, you will learn to code more efficiently and use powerful functions (and write your own) to do things quickly</a:t>
-            </a:r>
-          </a:p>
-          <a:p>
-            <a:pPr/>
-            <a:r>
-              <a:t>But at the start it’s fine to learn and understand a handful of functions and use those, even if it involves writing more lines of code</a:t>
-            </a:r>
-          </a:p>
-          <a:p>
-            <a:pPr/>
-            <a:r>
-              <a:t>Prioritise making sure you understand what your code is doing</a:t>
-            </a:r>
-          </a:p>
-        </p:txBody>
-      </p:sp>
-    </p:spTree>
-  </p:cSld>
-  <p:clrMapOvr>
-    <a:masterClrMapping/>
-  </p:clrMapOvr>
-  <p:transition xmlns:p14="http://schemas.microsoft.com/office/powerpoint/2010/main" spd="med" advClick="1" p14:dur="1000"/>
-</p:sld>
-</file>
-
-<file path=ppt/slides/slide5.xml><?xml version="1.0" encoding="utf-8"?>
-<p:sld xmlns:a="http://schemas.openxmlformats.org/drawingml/2006/main" xmlns:r="http://schemas.openxmlformats.org/officeDocument/2006/relationships" xmlns:p="http://schemas.openxmlformats.org/presentationml/2006/main" showMasterSp="1" showMasterPhAnim="1">
-  <p:cSld>
-    <p:spTree>
-      <p:nvGrpSpPr>
-        <p:cNvPr id="1" name=""/>
-        <p:cNvGrpSpPr/>
-        <p:nvPr/>
-      </p:nvGrpSpPr>
-      <p:grpSpPr>
-        <a:xfrm>
-          <a:off x="0" y="0"/>
-          <a:ext cx="0" cy="0"/>
-          <a:chOff x="0" y="0"/>
-          <a:chExt cx="0" cy="0"/>
-        </a:xfrm>
-      </p:grpSpPr>
-      <p:sp>
-        <p:nvSpPr>
-          <p:cNvPr id="137" name="Shape 137"/>
-          <p:cNvSpPr/>
-          <p:nvPr>
-            <p:ph type="title"/>
-          </p:nvPr>
-        </p:nvSpPr>
-        <p:spPr>
-          <a:prstGeom prst="rect">
-            <a:avLst/>
-          </a:prstGeom>
-        </p:spPr>
-        <p:txBody>
-          <a:bodyPr/>
-          <a:lstStyle/>
-          <a:p>
-            <a:pPr/>
-            <a:r>
-              <a:t>Tidy data</a:t>
-            </a:r>
-          </a:p>
-        </p:txBody>
-      </p:sp>
-      <p:sp>
-        <p:nvSpPr>
-          <p:cNvPr id="138" name="Shape 138"/>
-          <p:cNvSpPr/>
-          <p:nvPr>
-            <p:ph type="body" idx="1"/>
-          </p:nvPr>
-        </p:nvSpPr>
-        <p:spPr>
-          <a:prstGeom prst="rect">
-            <a:avLst/>
-          </a:prstGeom>
-        </p:spPr>
-        <p:txBody>
-          <a:bodyPr/>
-          <a:lstStyle/>
-          <a:p>
-            <a:pPr/>
+          <a:prstGeom prst="rect">
+            <a:avLst/>
+          </a:prstGeom>
+        </p:spPr>
+        <p:txBody>
+          <a:bodyPr/>
+          <a:lstStyle/>
+          <a:p>
             <a:r>
               <a:t>e</a:t>
             </a:r>
@@ -8526,12 +8808,12 @@
   <p:clrMapOvr>
     <a:masterClrMapping/>
   </p:clrMapOvr>
-  <p:transition xmlns:p14="http://schemas.microsoft.com/office/powerpoint/2010/main" spd="med" advClick="1" p14:dur="1000"/>
+  <p:transition spd="slow"/>
 </p:sld>
 </file>
 
 <file path=ppt/slides/slide6.xml><?xml version="1.0" encoding="utf-8"?>
-<p:sld xmlns:a="http://schemas.openxmlformats.org/drawingml/2006/main" xmlns:r="http://schemas.openxmlformats.org/officeDocument/2006/relationships" xmlns:p="http://schemas.openxmlformats.org/presentationml/2006/main" showMasterSp="1" showMasterPhAnim="1">
+<p:sld xmlns:a="http://schemas.openxmlformats.org/drawingml/2006/main" xmlns:r="http://schemas.openxmlformats.org/officeDocument/2006/relationships" xmlns:p="http://schemas.openxmlformats.org/presentationml/2006/main">
   <p:cSld>
     <p:spTree>
       <p:nvGrpSpPr>
@@ -8550,7 +8832,9 @@
       <p:sp>
         <p:nvSpPr>
           <p:cNvPr id="143" name="Shape 143"/>
-          <p:cNvSpPr/>
+          <p:cNvSpPr>
+            <a:spLocks noGrp="1"/>
+          </p:cNvSpPr>
           <p:nvPr>
             <p:ph type="title"/>
           </p:nvPr>
@@ -8564,14 +8848,16 @@
           <a:bodyPr/>
           <a:lstStyle/>
           <a:p>
-            <a:pPr/>
+            <a:endParaRPr/>
           </a:p>
         </p:txBody>
       </p:sp>
       <p:sp>
         <p:nvSpPr>
           <p:cNvPr id="144" name="Shape 144"/>
-          <p:cNvSpPr/>
+          <p:cNvSpPr>
+            <a:spLocks noGrp="1"/>
+          </p:cNvSpPr>
           <p:nvPr>
             <p:ph type="body" idx="1"/>
           </p:nvPr>
@@ -8589,7 +8875,7 @@
           <a:bodyPr/>
           <a:lstStyle/>
           <a:p>
-            <a:pPr/>
+            <a:endParaRPr/>
           </a:p>
         </p:txBody>
       </p:sp>
@@ -8627,12 +8913,12 @@
   <p:clrMapOvr>
     <a:masterClrMapping/>
   </p:clrMapOvr>
-  <p:transition xmlns:p14="http://schemas.microsoft.com/office/powerpoint/2010/main" spd="med" advClick="1" p14:dur="1000"/>
+  <p:transition spd="slow"/>
 </p:sld>
 </file>
 
 <file path=ppt/slides/slide7.xml><?xml version="1.0" encoding="utf-8"?>
-<p:sld xmlns:a="http://schemas.openxmlformats.org/drawingml/2006/main" xmlns:r="http://schemas.openxmlformats.org/officeDocument/2006/relationships" xmlns:p="http://schemas.openxmlformats.org/presentationml/2006/main" showMasterSp="1" showMasterPhAnim="1">
+<p:sld xmlns:a="http://schemas.openxmlformats.org/drawingml/2006/main" xmlns:r="http://schemas.openxmlformats.org/officeDocument/2006/relationships" xmlns:p="http://schemas.openxmlformats.org/presentationml/2006/main">
   <p:cSld>
     <p:spTree>
       <p:nvGrpSpPr>
@@ -8651,7 +8937,9 @@
       <p:sp>
         <p:nvSpPr>
           <p:cNvPr id="147" name="Shape 147"/>
-          <p:cNvSpPr/>
+          <p:cNvSpPr>
+            <a:spLocks noGrp="1"/>
+          </p:cNvSpPr>
           <p:nvPr>
             <p:ph type="title"/>
           </p:nvPr>
@@ -8669,7 +8957,6 @@
             </a:lvl1pPr>
           </a:lstStyle>
           <a:p>
-            <a:pPr/>
             <a:r>
               <a:t>Sadness impairs colour perception</a:t>
             </a:r>
@@ -8679,7 +8966,9 @@
       <p:sp>
         <p:nvSpPr>
           <p:cNvPr id="148" name="Shape 148"/>
-          <p:cNvSpPr/>
+          <p:cNvSpPr>
+            <a:spLocks noGrp="1"/>
+          </p:cNvSpPr>
           <p:nvPr>
             <p:ph type="body" idx="1"/>
           </p:nvPr>
@@ -8693,7 +8982,6 @@
           <a:bodyPr/>
           <a:lstStyle/>
           <a:p>
-            <a:pPr/>
             <a:r>
               <a:t>“The results of both studies showed that sadness impaired colour perception along the blue-yellow axis but not along the red-green axis”</a:t>
             </a:r>
@@ -8705,12 +8993,12 @@
   <p:clrMapOvr>
     <a:masterClrMapping/>
   </p:clrMapOvr>
-  <p:transition xmlns:p14="http://schemas.microsoft.com/office/powerpoint/2010/main" spd="med" advClick="1" p14:dur="1000"/>
+  <p:transition spd="slow"/>
 </p:sld>
 </file>
 
 <file path=ppt/slides/slide8.xml><?xml version="1.0" encoding="utf-8"?>
-<p:sld xmlns:a="http://schemas.openxmlformats.org/drawingml/2006/main" xmlns:r="http://schemas.openxmlformats.org/officeDocument/2006/relationships" xmlns:p="http://schemas.openxmlformats.org/presentationml/2006/main" showMasterSp="1" showMasterPhAnim="1">
+<p:sld xmlns:a="http://schemas.openxmlformats.org/drawingml/2006/main" xmlns:r="http://schemas.openxmlformats.org/officeDocument/2006/relationships" xmlns:p="http://schemas.openxmlformats.org/presentationml/2006/main">
   <p:cSld>
     <p:spTree>
       <p:nvGrpSpPr>
@@ -8729,7 +9017,9 @@
       <p:sp>
         <p:nvSpPr>
           <p:cNvPr id="150" name="Shape 150"/>
-          <p:cNvSpPr/>
+          <p:cNvSpPr>
+            <a:spLocks noGrp="1"/>
+          </p:cNvSpPr>
           <p:nvPr>
             <p:ph type="title"/>
           </p:nvPr>
@@ -8743,7 +9033,6 @@
           <a:bodyPr/>
           <a:lstStyle/>
           <a:p>
-            <a:pPr/>
             <a:r>
               <a:t>Colour perception data</a:t>
             </a:r>
@@ -8753,7 +9042,9 @@
       <p:sp>
         <p:nvSpPr>
           <p:cNvPr id="151" name="Shape 151"/>
-          <p:cNvSpPr/>
+          <p:cNvSpPr>
+            <a:spLocks noGrp="1"/>
+          </p:cNvSpPr>
           <p:nvPr>
             <p:ph type="body" idx="1"/>
           </p:nvPr>
@@ -8783,6 +9074,7 @@
                 <a:sym typeface="Helvetica Neue"/>
               </a:defRPr>
             </a:pPr>
+            <a:endParaRPr/>
           </a:p>
           <a:p>
             <a:pPr marL="457200" indent="-457200" defTabSz="457200">
@@ -8797,6 +9089,7 @@
                 <a:sym typeface="Helvetica Neue"/>
               </a:defRPr>
             </a:pPr>
+            <a:endParaRPr/>
           </a:p>
           <a:p>
             <a:pPr marL="457200" indent="-457200" defTabSz="457200">
@@ -8811,6 +9104,7 @@
                 <a:sym typeface="Helvetica Neue"/>
               </a:defRPr>
             </a:pPr>
+            <a:endParaRPr/>
           </a:p>
           <a:p>
             <a:pPr marL="457200" indent="-457200" defTabSz="457200">
@@ -8825,6 +9119,7 @@
                 <a:sym typeface="Helvetica Neue"/>
               </a:defRPr>
             </a:pPr>
+            <a:endParaRPr/>
           </a:p>
           <a:p>
             <a:pPr marL="457200" indent="-457200" defTabSz="457200">
@@ -8842,6 +9137,7 @@
                 <a:spcPts val="0"/>
               </a:spcBef>
             </a:pPr>
+            <a:endParaRPr/>
           </a:p>
           <a:p>
             <a:pPr marL="457200" indent="-457200" defTabSz="457200">
@@ -8889,14 +9185,14 @@
   <p:clrMapOvr>
     <a:masterClrMapping/>
   </p:clrMapOvr>
-  <p:transition xmlns:p14="http://schemas.microsoft.com/office/powerpoint/2010/main" spd="med" advClick="1" p14:dur="1000"/>
+  <p:transition spd="slow"/>
   <p:timing>
     <p:tnLst>
       <p:par>
-        <p:cTn id="1" nodeType="tmRoot" restart="never" dur="indefinite" fill="hold">
+        <p:cTn id="1" dur="indefinite" restart="never" fill="hold" nodeType="tmRoot">
           <p:childTnLst>
             <p:seq concurrent="1" prevAc="none" nextAc="seek">
-              <p:cTn id="2" nodeType="mainSeq" dur="indefinite" fill="hold">
+              <p:cTn id="2" dur="indefinite" fill="hold" nodeType="mainSeq">
                 <p:childTnLst>
                   <p:par>
                     <p:cTn id="3" fill="hold">
@@ -8911,11 +9207,11 @@
                             </p:stCondLst>
                             <p:childTnLst>
                               <p:par>
-                                <p:cTn id="5" presetClass="entr" nodeType="clickEffect" presetSubtype="0" presetID="1" grpId="1" fill="hold">
+                                <p:cTn id="5" presetID="1" presetClass="entr" presetSubtype="0" fill="hold" grpId="1" nodeType="clickEffect">
                                   <p:stCondLst>
                                     <p:cond delay="0"/>
                                   </p:stCondLst>
-                                  <p:iterate type="el" backwards="0">
+                                  <p:iterate>
                                     <p:tmAbs val="0"/>
                                   </p:iterate>
                                   <p:childTnLst>
@@ -8945,14 +9241,14 @@
                 </p:childTnLst>
               </p:cTn>
               <p:prevCondLst>
-                <p:cond evt="onPrev">
+                <p:cond evt="onPrev" delay="0">
                   <p:tgtEl>
                     <p:sldTgt/>
                   </p:tgtEl>
                 </p:cond>
               </p:prevCondLst>
               <p:nextCondLst>
-                <p:cond evt="onNext">
+                <p:cond evt="onNext" delay="0">
                   <p:tgtEl>
                     <p:sldTgt/>
                   </p:tgtEl>
@@ -8964,14 +9260,14 @@
       </p:par>
     </p:tnLst>
     <p:bldLst>
-      <p:bldP build="whole" bldLvl="1" animBg="1" rev="0" advAuto="0" spid="151" grpId="1"/>
+      <p:bldP spid="151" grpId="1" animBg="1" advAuto="0"/>
     </p:bldLst>
   </p:timing>
 </p:sld>
 </file>
 
 <file path=ppt/slides/slide9.xml><?xml version="1.0" encoding="utf-8"?>
-<p:sld xmlns:a="http://schemas.openxmlformats.org/drawingml/2006/main" xmlns:r="http://schemas.openxmlformats.org/officeDocument/2006/relationships" xmlns:p="http://schemas.openxmlformats.org/presentationml/2006/main" showMasterSp="1" showMasterPhAnim="1">
+<p:sld xmlns:a="http://schemas.openxmlformats.org/drawingml/2006/main" xmlns:r="http://schemas.openxmlformats.org/officeDocument/2006/relationships" xmlns:p="http://schemas.openxmlformats.org/presentationml/2006/main">
   <p:cSld>
     <p:spTree>
       <p:nvGrpSpPr>
@@ -8990,7 +9286,9 @@
       <p:sp>
         <p:nvSpPr>
           <p:cNvPr id="154" name="Shape 154"/>
-          <p:cNvSpPr/>
+          <p:cNvSpPr>
+            <a:spLocks noGrp="1"/>
+          </p:cNvSpPr>
           <p:nvPr>
             <p:ph type="title"/>
           </p:nvPr>
@@ -9008,7 +9306,6 @@
             </a:lvl1pPr>
           </a:lstStyle>
           <a:p>
-            <a:pPr/>
             <a:r>
               <a:t>Results reported in the paper</a:t>
             </a:r>
@@ -9018,7 +9315,9 @@
       <p:sp>
         <p:nvSpPr>
           <p:cNvPr id="155" name="Shape 155"/>
-          <p:cNvSpPr/>
+          <p:cNvSpPr>
+            <a:spLocks noGrp="1"/>
+          </p:cNvSpPr>
           <p:nvPr>
             <p:ph type="body" idx="1"/>
           </p:nvPr>
@@ -9035,6 +9334,7 @@
             <a:pPr marL="444500" indent="-444500">
               <a:defRPr sz="3200"/>
             </a:pPr>
+            <a:endParaRPr/>
           </a:p>
         </p:txBody>
       </p:sp>
@@ -9117,7 +9417,7 @@
             <a:miter lim="400000"/>
           </a:ln>
           <a:effectLst>
-            <a:outerShdw sx="100000" sy="100000" kx="0" ky="0" algn="b" rotWithShape="0" blurRad="38100" dist="25400" dir="5400000">
+            <a:outerShdw blurRad="38100" dist="25400" dir="5400000" rotWithShape="0">
               <a:srgbClr val="000000">
                 <a:alpha val="50000"/>
               </a:srgbClr>
@@ -9135,6 +9435,7 @@
                 </a:solidFill>
               </a:defRPr>
             </a:pPr>
+            <a:endParaRPr/>
           </a:p>
         </p:txBody>
       </p:sp>
@@ -9159,7 +9460,7 @@
             <a:miter lim="400000"/>
           </a:ln>
           <a:effectLst>
-            <a:outerShdw sx="100000" sy="100000" kx="0" ky="0" algn="b" rotWithShape="0" blurRad="38100" dist="25400" dir="5400000">
+            <a:outerShdw blurRad="38100" dist="25400" dir="5400000" rotWithShape="0">
               <a:srgbClr val="000000">
                 <a:alpha val="50000"/>
               </a:srgbClr>
@@ -9177,6 +9478,7 @@
                 </a:solidFill>
               </a:defRPr>
             </a:pPr>
+            <a:endParaRPr/>
           </a:p>
         </p:txBody>
       </p:sp>
@@ -9185,12 +9487,12 @@
   <p:clrMapOvr>
     <a:masterClrMapping/>
   </p:clrMapOvr>
-  <p:transition xmlns:p14="http://schemas.microsoft.com/office/powerpoint/2010/main" spd="med" advClick="1" p14:dur="1000"/>
+  <p:transition spd="slow"/>
 </p:sld>
 </file>
 
 <file path=ppt/theme/theme1.xml><?xml version="1.0" encoding="utf-8"?>
-<a:theme xmlns:a="http://schemas.openxmlformats.org/drawingml/2006/main" xmlns:r="http://schemas.openxmlformats.org/officeDocument/2006/relationships" name="White">
+<a:theme xmlns:a="http://schemas.openxmlformats.org/drawingml/2006/main" name="White">
   <a:themeElements>
     <a:clrScheme name="White">
       <a:dk1>
@@ -9316,7 +9618,7 @@
       <a:effectStyleLst>
         <a:effectStyle>
           <a:effectLst>
-            <a:outerShdw sx="100000" sy="100000" kx="0" ky="0" algn="b" rotWithShape="0" blurRad="38100" dist="25400" dir="5400000">
+            <a:outerShdw blurRad="38100" dist="25400" dir="5400000" rotWithShape="0">
               <a:srgbClr val="000000">
                 <a:alpha val="50000"/>
               </a:srgbClr>
@@ -9325,7 +9627,7 @@
         </a:effectStyle>
         <a:effectStyle>
           <a:effectLst>
-            <a:outerShdw sx="100000" sy="100000" kx="0" ky="0" algn="b" rotWithShape="0" blurRad="50800" dist="12700" dir="0">
+            <a:outerShdw blurRad="50800" dist="12700" rotWithShape="0">
               <a:srgbClr val="000000">
                 <a:alpha val="50000"/>
               </a:srgbClr>
@@ -9334,7 +9636,7 @@
         </a:effectStyle>
         <a:effectStyle>
           <a:effectLst>
-            <a:outerShdw sx="100000" sy="100000" kx="0" ky="0" algn="b" rotWithShape="0" blurRad="38100" dist="25400" dir="5400000">
+            <a:outerShdw blurRad="38100" dist="25400" dir="5400000" rotWithShape="0">
               <a:srgbClr val="000000">
                 <a:alpha val="50000"/>
               </a:srgbClr>
@@ -9398,8 +9700,8 @@
     <a:spDef>
       <a:spPr>
         <a:blipFill rotWithShape="1">
-          <a:blip r:embed="rId1"/>
-          <a:srcRect l="0" t="0" r="0" b="0"/>
+          <a:blip xmlns:r="http://schemas.openxmlformats.org/officeDocument/2006/relationships" r:embed="rId1"/>
+          <a:srcRect/>
           <a:tile tx="0" ty="0" sx="100000" sy="100000" flip="none" algn="tl"/>
         </a:blipFill>
         <a:ln w="12700" cap="flat">
@@ -9407,7 +9709,7 @@
           <a:miter lim="400000"/>
         </a:ln>
         <a:effectLst>
-          <a:outerShdw sx="100000" sy="100000" kx="0" ky="0" algn="b" rotWithShape="0" blurRad="38100" dist="25400" dir="5400000">
+          <a:outerShdw blurRad="38100" dist="25400" dir="5400000" rotWithShape="0">
             <a:srgbClr val="000000">
               <a:alpha val="50000"/>
             </a:srgbClr>
@@ -9415,7 +9717,7 @@
         </a:effectLst>
         <a:sp3d/>
       </a:spPr>
-      <a:bodyPr rot="0" spcFirstLastPara="1" vertOverflow="overflow" horzOverflow="overflow" vert="horz" wrap="square" lIns="50800" tIns="50800" rIns="50800" bIns="50800" numCol="1" spcCol="38100" rtlCol="0" anchor="ctr" upright="0">
+      <a:bodyPr rot="0" spcFirstLastPara="1" vertOverflow="overflow" horzOverflow="overflow" vert="horz" wrap="square" lIns="50800" tIns="50800" rIns="50800" bIns="50800" numCol="1" spcCol="38100" rtlCol="0" anchor="ctr">
         <a:spAutoFit/>
       </a:bodyPr>
       <a:lstStyle>
@@ -9434,7 +9736,7 @@
           <a:buFontTx/>
           <a:buNone/>
           <a:tabLst/>
-          <a:defRPr b="0" baseline="0" cap="none" i="0" spc="0" strike="noStrike" sz="2400" u="none" kumimoji="0" normalizeH="0">
+          <a:defRPr kumimoji="0" sz="2400" b="0" i="0" u="none" strike="noStrike" cap="none" spc="0" normalizeH="0" baseline="0">
             <a:ln>
               <a:noFill/>
             </a:ln>
@@ -9464,7 +9766,7 @@
           <a:buFontTx/>
           <a:buNone/>
           <a:tabLst/>
-          <a:defRPr b="0" baseline="0" cap="none" i="0" spc="0" strike="noStrike" sz="1800" u="none" kumimoji="0" normalizeH="0">
+          <a:defRPr kumimoji="0" sz="1800" b="0" i="0" u="none" strike="noStrike" cap="none" spc="0" normalizeH="0" baseline="0">
             <a:ln>
               <a:noFill/>
             </a:ln>
@@ -9490,7 +9792,7 @@
           <a:buFontTx/>
           <a:buNone/>
           <a:tabLst/>
-          <a:defRPr b="0" baseline="0" cap="none" i="0" spc="0" strike="noStrike" sz="1800" u="none" kumimoji="0" normalizeH="0">
+          <a:defRPr kumimoji="0" sz="1800" b="0" i="0" u="none" strike="noStrike" cap="none" spc="0" normalizeH="0" baseline="0">
             <a:ln>
               <a:noFill/>
             </a:ln>
@@ -9516,7 +9818,7 @@
           <a:buFontTx/>
           <a:buNone/>
           <a:tabLst/>
-          <a:defRPr b="0" baseline="0" cap="none" i="0" spc="0" strike="noStrike" sz="1800" u="none" kumimoji="0" normalizeH="0">
+          <a:defRPr kumimoji="0" sz="1800" b="0" i="0" u="none" strike="noStrike" cap="none" spc="0" normalizeH="0" baseline="0">
             <a:ln>
               <a:noFill/>
             </a:ln>
@@ -9542,7 +9844,7 @@
           <a:buFontTx/>
           <a:buNone/>
           <a:tabLst/>
-          <a:defRPr b="0" baseline="0" cap="none" i="0" spc="0" strike="noStrike" sz="1800" u="none" kumimoji="0" normalizeH="0">
+          <a:defRPr kumimoji="0" sz="1800" b="0" i="0" u="none" strike="noStrike" cap="none" spc="0" normalizeH="0" baseline="0">
             <a:ln>
               <a:noFill/>
             </a:ln>
@@ -9568,7 +9870,7 @@
           <a:buFontTx/>
           <a:buNone/>
           <a:tabLst/>
-          <a:defRPr b="0" baseline="0" cap="none" i="0" spc="0" strike="noStrike" sz="1800" u="none" kumimoji="0" normalizeH="0">
+          <a:defRPr kumimoji="0" sz="1800" b="0" i="0" u="none" strike="noStrike" cap="none" spc="0" normalizeH="0" baseline="0">
             <a:ln>
               <a:noFill/>
             </a:ln>
@@ -9594,7 +9896,7 @@
           <a:buFontTx/>
           <a:buNone/>
           <a:tabLst/>
-          <a:defRPr b="0" baseline="0" cap="none" i="0" spc="0" strike="noStrike" sz="1800" u="none" kumimoji="0" normalizeH="0">
+          <a:defRPr kumimoji="0" sz="1800" b="0" i="0" u="none" strike="noStrike" cap="none" spc="0" normalizeH="0" baseline="0">
             <a:ln>
               <a:noFill/>
             </a:ln>
@@ -9620,7 +9922,7 @@
           <a:buFontTx/>
           <a:buNone/>
           <a:tabLst/>
-          <a:defRPr b="0" baseline="0" cap="none" i="0" spc="0" strike="noStrike" sz="1800" u="none" kumimoji="0" normalizeH="0">
+          <a:defRPr kumimoji="0" sz="1800" b="0" i="0" u="none" strike="noStrike" cap="none" spc="0" normalizeH="0" baseline="0">
             <a:ln>
               <a:noFill/>
             </a:ln>
@@ -9646,7 +9948,7 @@
           <a:buFontTx/>
           <a:buNone/>
           <a:tabLst/>
-          <a:defRPr b="0" baseline="0" cap="none" i="0" spc="0" strike="noStrike" sz="1800" u="none" kumimoji="0" normalizeH="0">
+          <a:defRPr kumimoji="0" sz="1800" b="0" i="0" u="none" strike="noStrike" cap="none" spc="0" normalizeH="0" baseline="0">
             <a:ln>
               <a:noFill/>
             </a:ln>
@@ -9672,7 +9974,7 @@
           <a:buFontTx/>
           <a:buNone/>
           <a:tabLst/>
-          <a:defRPr b="0" baseline="0" cap="none" i="0" spc="0" strike="noStrike" sz="1800" u="none" kumimoji="0" normalizeH="0">
+          <a:defRPr kumimoji="0" sz="1800" b="0" i="0" u="none" strike="noStrike" cap="none" spc="0" normalizeH="0" baseline="0">
             <a:ln>
               <a:noFill/>
             </a:ln>
@@ -9685,9 +9987,15 @@
         </a:lvl9pPr>
       </a:lstStyle>
       <a:style>
-        <a:lnRef idx="0"/>
-        <a:fillRef idx="0"/>
-        <a:effectRef idx="0"/>
+        <a:lnRef idx="0">
+          <a:scrgbClr r="0" g="0" b="0"/>
+        </a:lnRef>
+        <a:fillRef idx="0">
+          <a:scrgbClr r="0" g="0" b="0"/>
+        </a:fillRef>
+        <a:effectRef idx="0">
+          <a:scrgbClr r="0" g="0" b="0"/>
+        </a:effectRef>
         <a:fontRef idx="none"/>
       </a:style>
     </a:spDef>
@@ -9704,7 +10012,7 @@
         <a:effectLst/>
         <a:sp3d/>
       </a:spPr>
-      <a:bodyPr rot="0" spcFirstLastPara="1" vertOverflow="overflow" horzOverflow="overflow" vert="horz" wrap="square" lIns="91439" tIns="45719" rIns="91439" bIns="45719" numCol="1" spcCol="38100" rtlCol="0" anchor="t" upright="0">
+      <a:bodyPr rot="0" spcFirstLastPara="1" vertOverflow="overflow" horzOverflow="overflow" vert="horz" wrap="square" lIns="91439" tIns="45719" rIns="91439" bIns="45719" numCol="1" spcCol="38100" rtlCol="0" anchor="t">
         <a:noAutofit/>
       </a:bodyPr>
       <a:lstStyle>
@@ -9723,7 +10031,7 @@
           <a:buFontTx/>
           <a:buNone/>
           <a:tabLst/>
-          <a:defRPr b="0" baseline="0" cap="none" i="0" spc="0" strike="noStrike" sz="1800" u="none" kumimoji="0" normalizeH="0">
+          <a:defRPr kumimoji="0" sz="1800" b="0" i="0" u="none" strike="noStrike" cap="none" spc="0" normalizeH="0" baseline="0">
             <a:ln>
               <a:noFill/>
             </a:ln>
@@ -9749,7 +10057,7 @@
           <a:buFontTx/>
           <a:buNone/>
           <a:tabLst/>
-          <a:defRPr b="0" baseline="0" cap="none" i="0" spc="0" strike="noStrike" sz="1800" u="none" kumimoji="0" normalizeH="0">
+          <a:defRPr kumimoji="0" sz="1800" b="0" i="0" u="none" strike="noStrike" cap="none" spc="0" normalizeH="0" baseline="0">
             <a:ln>
               <a:noFill/>
             </a:ln>
@@ -9775,7 +10083,7 @@
           <a:buFontTx/>
           <a:buNone/>
           <a:tabLst/>
-          <a:defRPr b="0" baseline="0" cap="none" i="0" spc="0" strike="noStrike" sz="1800" u="none" kumimoji="0" normalizeH="0">
+          <a:defRPr kumimoji="0" sz="1800" b="0" i="0" u="none" strike="noStrike" cap="none" spc="0" normalizeH="0" baseline="0">
             <a:ln>
               <a:noFill/>
             </a:ln>
@@ -9801,7 +10109,7 @@
           <a:buFontTx/>
           <a:buNone/>
           <a:tabLst/>
-          <a:defRPr b="0" baseline="0" cap="none" i="0" spc="0" strike="noStrike" sz="1800" u="none" kumimoji="0" normalizeH="0">
+          <a:defRPr kumimoji="0" sz="1800" b="0" i="0" u="none" strike="noStrike" cap="none" spc="0" normalizeH="0" baseline="0">
             <a:ln>
               <a:noFill/>
             </a:ln>
@@ -9827,7 +10135,7 @@
           <a:buFontTx/>
           <a:buNone/>
           <a:tabLst/>
-          <a:defRPr b="0" baseline="0" cap="none" i="0" spc="0" strike="noStrike" sz="1800" u="none" kumimoji="0" normalizeH="0">
+          <a:defRPr kumimoji="0" sz="1800" b="0" i="0" u="none" strike="noStrike" cap="none" spc="0" normalizeH="0" baseline="0">
             <a:ln>
               <a:noFill/>
             </a:ln>
@@ -9853,7 +10161,7 @@
           <a:buFontTx/>
           <a:buNone/>
           <a:tabLst/>
-          <a:defRPr b="0" baseline="0" cap="none" i="0" spc="0" strike="noStrike" sz="1800" u="none" kumimoji="0" normalizeH="0">
+          <a:defRPr kumimoji="0" sz="1800" b="0" i="0" u="none" strike="noStrike" cap="none" spc="0" normalizeH="0" baseline="0">
             <a:ln>
               <a:noFill/>
             </a:ln>
@@ -9879,7 +10187,7 @@
           <a:buFontTx/>
           <a:buNone/>
           <a:tabLst/>
-          <a:defRPr b="0" baseline="0" cap="none" i="0" spc="0" strike="noStrike" sz="1800" u="none" kumimoji="0" normalizeH="0">
+          <a:defRPr kumimoji="0" sz="1800" b="0" i="0" u="none" strike="noStrike" cap="none" spc="0" normalizeH="0" baseline="0">
             <a:ln>
               <a:noFill/>
             </a:ln>
@@ -9905,7 +10213,7 @@
           <a:buFontTx/>
           <a:buNone/>
           <a:tabLst/>
-          <a:defRPr b="0" baseline="0" cap="none" i="0" spc="0" strike="noStrike" sz="1800" u="none" kumimoji="0" normalizeH="0">
+          <a:defRPr kumimoji="0" sz="1800" b="0" i="0" u="none" strike="noStrike" cap="none" spc="0" normalizeH="0" baseline="0">
             <a:ln>
               <a:noFill/>
             </a:ln>
@@ -9931,7 +10239,7 @@
           <a:buFontTx/>
           <a:buNone/>
           <a:tabLst/>
-          <a:defRPr b="0" baseline="0" cap="none" i="0" spc="0" strike="noStrike" sz="1800" u="none" kumimoji="0" normalizeH="0">
+          <a:defRPr kumimoji="0" sz="1800" b="0" i="0" u="none" strike="noStrike" cap="none" spc="0" normalizeH="0" baseline="0">
             <a:ln>
               <a:noFill/>
             </a:ln>
@@ -9957,7 +10265,7 @@
           <a:buFontTx/>
           <a:buNone/>
           <a:tabLst/>
-          <a:defRPr b="0" baseline="0" cap="none" i="0" spc="0" strike="noStrike" sz="1800" u="none" kumimoji="0" normalizeH="0">
+          <a:defRPr kumimoji="0" sz="1800" b="0" i="0" u="none" strike="noStrike" cap="none" spc="0" normalizeH="0" baseline="0">
             <a:ln>
               <a:noFill/>
             </a:ln>
@@ -9970,9 +10278,15 @@
         </a:lvl9pPr>
       </a:lstStyle>
       <a:style>
-        <a:lnRef idx="0"/>
-        <a:fillRef idx="0"/>
-        <a:effectRef idx="0"/>
+        <a:lnRef idx="0">
+          <a:scrgbClr r="0" g="0" b="0"/>
+        </a:lnRef>
+        <a:fillRef idx="0">
+          <a:scrgbClr r="0" g="0" b="0"/>
+        </a:fillRef>
+        <a:effectRef idx="0">
+          <a:scrgbClr r="0" g="0" b="0"/>
+        </a:effectRef>
         <a:fontRef idx="none"/>
       </a:style>
     </a:lnDef>
@@ -9986,7 +10300,7 @@
         <a:effectLst/>
         <a:sp3d/>
       </a:spPr>
-      <a:bodyPr rot="0" spcFirstLastPara="1" vertOverflow="overflow" horzOverflow="overflow" vert="horz" wrap="square" lIns="50800" tIns="50800" rIns="50800" bIns="50800" numCol="1" spcCol="38100" rtlCol="0" anchor="ctr" upright="0">
+      <a:bodyPr rot="0" spcFirstLastPara="1" vertOverflow="overflow" horzOverflow="overflow" vert="horz" wrap="square" lIns="50800" tIns="50800" rIns="50800" bIns="50800" numCol="1" spcCol="38100" rtlCol="0" anchor="ctr">
         <a:spAutoFit/>
       </a:bodyPr>
       <a:lstStyle>
@@ -10005,7 +10319,7 @@
           <a:buFontTx/>
           <a:buNone/>
           <a:tabLst/>
-          <a:defRPr b="0" baseline="0" cap="none" i="0" spc="0" strike="noStrike" sz="3600" u="none" kumimoji="0" normalizeH="0">
+          <a:defRPr kumimoji="0" sz="3600" b="0" i="0" u="none" strike="noStrike" cap="none" spc="0" normalizeH="0" baseline="0">
             <a:ln>
               <a:noFill/>
             </a:ln>
@@ -10035,7 +10349,7 @@
           <a:buFontTx/>
           <a:buNone/>
           <a:tabLst/>
-          <a:defRPr b="0" baseline="0" cap="none" i="0" spc="0" strike="noStrike" sz="1800" u="none" kumimoji="0" normalizeH="0">
+          <a:defRPr kumimoji="0" sz="1800" b="0" i="0" u="none" strike="noStrike" cap="none" spc="0" normalizeH="0" baseline="0">
             <a:ln>
               <a:noFill/>
             </a:ln>
@@ -10061,7 +10375,7 @@
           <a:buFontTx/>
           <a:buNone/>
           <a:tabLst/>
-          <a:defRPr b="0" baseline="0" cap="none" i="0" spc="0" strike="noStrike" sz="1800" u="none" kumimoji="0" normalizeH="0">
+          <a:defRPr kumimoji="0" sz="1800" b="0" i="0" u="none" strike="noStrike" cap="none" spc="0" normalizeH="0" baseline="0">
             <a:ln>
               <a:noFill/>
             </a:ln>
@@ -10087,7 +10401,7 @@
           <a:buFontTx/>
           <a:buNone/>
           <a:tabLst/>
-          <a:defRPr b="0" baseline="0" cap="none" i="0" spc="0" strike="noStrike" sz="1800" u="none" kumimoji="0" normalizeH="0">
+          <a:defRPr kumimoji="0" sz="1800" b="0" i="0" u="none" strike="noStrike" cap="none" spc="0" normalizeH="0" baseline="0">
             <a:ln>
               <a:noFill/>
             </a:ln>
@@ -10113,7 +10427,7 @@
           <a:buFontTx/>
           <a:buNone/>
           <a:tabLst/>
-          <a:defRPr b="0" baseline="0" cap="none" i="0" spc="0" strike="noStrike" sz="1800" u="none" kumimoji="0" normalizeH="0">
+          <a:defRPr kumimoji="0" sz="1800" b="0" i="0" u="none" strike="noStrike" cap="none" spc="0" normalizeH="0" baseline="0">
             <a:ln>
               <a:noFill/>
             </a:ln>
@@ -10139,7 +10453,7 @@
           <a:buFontTx/>
           <a:buNone/>
           <a:tabLst/>
-          <a:defRPr b="0" baseline="0" cap="none" i="0" spc="0" strike="noStrike" sz="1800" u="none" kumimoji="0" normalizeH="0">
+          <a:defRPr kumimoji="0" sz="1800" b="0" i="0" u="none" strike="noStrike" cap="none" spc="0" normalizeH="0" baseline="0">
             <a:ln>
               <a:noFill/>
             </a:ln>
@@ -10165,7 +10479,7 @@
           <a:buFontTx/>
           <a:buNone/>
           <a:tabLst/>
-          <a:defRPr b="0" baseline="0" cap="none" i="0" spc="0" strike="noStrike" sz="1800" u="none" kumimoji="0" normalizeH="0">
+          <a:defRPr kumimoji="0" sz="1800" b="0" i="0" u="none" strike="noStrike" cap="none" spc="0" normalizeH="0" baseline="0">
             <a:ln>
               <a:noFill/>
             </a:ln>
@@ -10191,7 +10505,7 @@
           <a:buFontTx/>
           <a:buNone/>
           <a:tabLst/>
-          <a:defRPr b="0" baseline="0" cap="none" i="0" spc="0" strike="noStrike" sz="1800" u="none" kumimoji="0" normalizeH="0">
+          <a:defRPr kumimoji="0" sz="1800" b="0" i="0" u="none" strike="noStrike" cap="none" spc="0" normalizeH="0" baseline="0">
             <a:ln>
               <a:noFill/>
             </a:ln>
@@ -10217,7 +10531,7 @@
           <a:buFontTx/>
           <a:buNone/>
           <a:tabLst/>
-          <a:defRPr b="0" baseline="0" cap="none" i="0" spc="0" strike="noStrike" sz="1800" u="none" kumimoji="0" normalizeH="0">
+          <a:defRPr kumimoji="0" sz="1800" b="0" i="0" u="none" strike="noStrike" cap="none" spc="0" normalizeH="0" baseline="0">
             <a:ln>
               <a:noFill/>
             </a:ln>
@@ -10243,7 +10557,7 @@
           <a:buFontTx/>
           <a:buNone/>
           <a:tabLst/>
-          <a:defRPr b="0" baseline="0" cap="none" i="0" spc="0" strike="noStrike" sz="1800" u="none" kumimoji="0" normalizeH="0">
+          <a:defRPr kumimoji="0" sz="1800" b="0" i="0" u="none" strike="noStrike" cap="none" spc="0" normalizeH="0" baseline="0">
             <a:ln>
               <a:noFill/>
             </a:ln>
@@ -10256,18 +10570,25 @@
         </a:lvl9pPr>
       </a:lstStyle>
       <a:style>
-        <a:lnRef idx="0"/>
-        <a:fillRef idx="0"/>
-        <a:effectRef idx="0"/>
+        <a:lnRef idx="0">
+          <a:scrgbClr r="0" g="0" b="0"/>
+        </a:lnRef>
+        <a:fillRef idx="0">
+          <a:scrgbClr r="0" g="0" b="0"/>
+        </a:fillRef>
+        <a:effectRef idx="0">
+          <a:scrgbClr r="0" g="0" b="0"/>
+        </a:effectRef>
         <a:fontRef idx="none"/>
       </a:style>
     </a:txDef>
   </a:objectDefaults>
+  <a:extraClrSchemeLst/>
 </a:theme>
 </file>
 
 <file path=ppt/theme/theme2.xml><?xml version="1.0" encoding="utf-8"?>
-<a:theme xmlns:a="http://schemas.openxmlformats.org/drawingml/2006/main" xmlns:r="http://schemas.openxmlformats.org/officeDocument/2006/relationships" name="White">
+<a:theme xmlns:a="http://schemas.openxmlformats.org/drawingml/2006/main" name="White">
   <a:themeElements>
     <a:clrScheme name="White">
       <a:dk1>
@@ -10393,7 +10714,7 @@
       <a:effectStyleLst>
         <a:effectStyle>
           <a:effectLst>
-            <a:outerShdw sx="100000" sy="100000" kx="0" ky="0" algn="b" rotWithShape="0" blurRad="38100" dist="25400" dir="5400000">
+            <a:outerShdw blurRad="38100" dist="25400" dir="5400000" rotWithShape="0">
               <a:srgbClr val="000000">
                 <a:alpha val="50000"/>
               </a:srgbClr>
@@ -10402,7 +10723,7 @@
         </a:effectStyle>
         <a:effectStyle>
           <a:effectLst>
-            <a:outerShdw sx="100000" sy="100000" kx="0" ky="0" algn="b" rotWithShape="0" blurRad="50800" dist="12700" dir="0">
+            <a:outerShdw blurRad="50800" dist="12700" rotWithShape="0">
               <a:srgbClr val="000000">
                 <a:alpha val="50000"/>
               </a:srgbClr>
@@ -10411,7 +10732,7 @@
         </a:effectStyle>
         <a:effectStyle>
           <a:effectLst>
-            <a:outerShdw sx="100000" sy="100000" kx="0" ky="0" algn="b" rotWithShape="0" blurRad="38100" dist="25400" dir="5400000">
+            <a:outerShdw blurRad="38100" dist="25400" dir="5400000" rotWithShape="0">
               <a:srgbClr val="000000">
                 <a:alpha val="50000"/>
               </a:srgbClr>
@@ -10475,8 +10796,8 @@
     <a:spDef>
       <a:spPr>
         <a:blipFill rotWithShape="1">
-          <a:blip r:embed="rId1"/>
-          <a:srcRect l="0" t="0" r="0" b="0"/>
+          <a:blip xmlns:r="http://schemas.openxmlformats.org/officeDocument/2006/relationships" r:embed="rId1"/>
+          <a:srcRect/>
           <a:tile tx="0" ty="0" sx="100000" sy="100000" flip="none" algn="tl"/>
         </a:blipFill>
         <a:ln w="12700" cap="flat">
@@ -10484,7 +10805,7 @@
           <a:miter lim="400000"/>
         </a:ln>
         <a:effectLst>
-          <a:outerShdw sx="100000" sy="100000" kx="0" ky="0" algn="b" rotWithShape="0" blurRad="38100" dist="25400" dir="5400000">
+          <a:outerShdw blurRad="38100" dist="25400" dir="5400000" rotWithShape="0">
             <a:srgbClr val="000000">
               <a:alpha val="50000"/>
             </a:srgbClr>
@@ -10492,7 +10813,7 @@
         </a:effectLst>
         <a:sp3d/>
       </a:spPr>
-      <a:bodyPr rot="0" spcFirstLastPara="1" vertOverflow="overflow" horzOverflow="overflow" vert="horz" wrap="square" lIns="50800" tIns="50800" rIns="50800" bIns="50800" numCol="1" spcCol="38100" rtlCol="0" anchor="ctr" upright="0">
+      <a:bodyPr rot="0" spcFirstLastPara="1" vertOverflow="overflow" horzOverflow="overflow" vert="horz" wrap="square" lIns="50800" tIns="50800" rIns="50800" bIns="50800" numCol="1" spcCol="38100" rtlCol="0" anchor="ctr">
         <a:spAutoFit/>
       </a:bodyPr>
       <a:lstStyle>
@@ -10511,7 +10832,7 @@
           <a:buFontTx/>
           <a:buNone/>
           <a:tabLst/>
-          <a:defRPr b="0" baseline="0" cap="none" i="0" spc="0" strike="noStrike" sz="2400" u="none" kumimoji="0" normalizeH="0">
+          <a:defRPr kumimoji="0" sz="2400" b="0" i="0" u="none" strike="noStrike" cap="none" spc="0" normalizeH="0" baseline="0">
             <a:ln>
               <a:noFill/>
             </a:ln>
@@ -10541,7 +10862,7 @@
           <a:buFontTx/>
           <a:buNone/>
           <a:tabLst/>
-          <a:defRPr b="0" baseline="0" cap="none" i="0" spc="0" strike="noStrike" sz="1800" u="none" kumimoji="0" normalizeH="0">
+          <a:defRPr kumimoji="0" sz="1800" b="0" i="0" u="none" strike="noStrike" cap="none" spc="0" normalizeH="0" baseline="0">
             <a:ln>
               <a:noFill/>
             </a:ln>
@@ -10567,7 +10888,7 @@
           <a:buFontTx/>
           <a:buNone/>
           <a:tabLst/>
-          <a:defRPr b="0" baseline="0" cap="none" i="0" spc="0" strike="noStrike" sz="1800" u="none" kumimoji="0" normalizeH="0">
+          <a:defRPr kumimoji="0" sz="1800" b="0" i="0" u="none" strike="noStrike" cap="none" spc="0" normalizeH="0" baseline="0">
             <a:ln>
               <a:noFill/>
             </a:ln>
@@ -10593,7 +10914,7 @@
           <a:buFontTx/>
           <a:buNone/>
           <a:tabLst/>
-          <a:defRPr b="0" baseline="0" cap="none" i="0" spc="0" strike="noStrike" sz="1800" u="none" kumimoji="0" normalizeH="0">
+          <a:defRPr kumimoji="0" sz="1800" b="0" i="0" u="none" strike="noStrike" cap="none" spc="0" normalizeH="0" baseline="0">
             <a:ln>
               <a:noFill/>
             </a:ln>
@@ -10619,7 +10940,7 @@
           <a:buFontTx/>
           <a:buNone/>
           <a:tabLst/>
-          <a:defRPr b="0" baseline="0" cap="none" i="0" spc="0" strike="noStrike" sz="1800" u="none" kumimoji="0" normalizeH="0">
+          <a:defRPr kumimoji="0" sz="1800" b="0" i="0" u="none" strike="noStrike" cap="none" spc="0" normalizeH="0" baseline="0">
             <a:ln>
               <a:noFill/>
             </a:ln>
@@ -10645,7 +10966,7 @@
           <a:buFontTx/>
           <a:buNone/>
           <a:tabLst/>
-          <a:defRPr b="0" baseline="0" cap="none" i="0" spc="0" strike="noStrike" sz="1800" u="none" kumimoji="0" normalizeH="0">
+          <a:defRPr kumimoji="0" sz="1800" b="0" i="0" u="none" strike="noStrike" cap="none" spc="0" normalizeH="0" baseline="0">
             <a:ln>
               <a:noFill/>
             </a:ln>
@@ -10671,7 +10992,7 @@
           <a:buFontTx/>
           <a:buNone/>
           <a:tabLst/>
-          <a:defRPr b="0" baseline="0" cap="none" i="0" spc="0" strike="noStrike" sz="1800" u="none" kumimoji="0" normalizeH="0">
+          <a:defRPr kumimoji="0" sz="1800" b="0" i="0" u="none" strike="noStrike" cap="none" spc="0" normalizeH="0" baseline="0">
             <a:ln>
               <a:noFill/>
             </a:ln>
@@ -10697,7 +11018,7 @@
           <a:buFontTx/>
           <a:buNone/>
           <a:tabLst/>
-          <a:defRPr b="0" baseline="0" cap="none" i="0" spc="0" strike="noStrike" sz="1800" u="none" kumimoji="0" normalizeH="0">
+          <a:defRPr kumimoji="0" sz="1800" b="0" i="0" u="none" strike="noStrike" cap="none" spc="0" normalizeH="0" baseline="0">
             <a:ln>
               <a:noFill/>
             </a:ln>
@@ -10723,7 +11044,7 @@
           <a:buFontTx/>
           <a:buNone/>
           <a:tabLst/>
-          <a:defRPr b="0" baseline="0" cap="none" i="0" spc="0" strike="noStrike" sz="1800" u="none" kumimoji="0" normalizeH="0">
+          <a:defRPr kumimoji="0" sz="1800" b="0" i="0" u="none" strike="noStrike" cap="none" spc="0" normalizeH="0" baseline="0">
             <a:ln>
               <a:noFill/>
             </a:ln>
@@ -10749,7 +11070,7 @@
           <a:buFontTx/>
           <a:buNone/>
           <a:tabLst/>
-          <a:defRPr b="0" baseline="0" cap="none" i="0" spc="0" strike="noStrike" sz="1800" u="none" kumimoji="0" normalizeH="0">
+          <a:defRPr kumimoji="0" sz="1800" b="0" i="0" u="none" strike="noStrike" cap="none" spc="0" normalizeH="0" baseline="0">
             <a:ln>
               <a:noFill/>
             </a:ln>
@@ -10762,9 +11083,15 @@
         </a:lvl9pPr>
       </a:lstStyle>
       <a:style>
-        <a:lnRef idx="0"/>
-        <a:fillRef idx="0"/>
-        <a:effectRef idx="0"/>
+        <a:lnRef idx="0">
+          <a:scrgbClr r="0" g="0" b="0"/>
+        </a:lnRef>
+        <a:fillRef idx="0">
+          <a:scrgbClr r="0" g="0" b="0"/>
+        </a:fillRef>
+        <a:effectRef idx="0">
+          <a:scrgbClr r="0" g="0" b="0"/>
+        </a:effectRef>
         <a:fontRef idx="none"/>
       </a:style>
     </a:spDef>
@@ -10781,7 +11108,7 @@
         <a:effectLst/>
         <a:sp3d/>
       </a:spPr>
-      <a:bodyPr rot="0" spcFirstLastPara="1" vertOverflow="overflow" horzOverflow="overflow" vert="horz" wrap="square" lIns="91439" tIns="45719" rIns="91439" bIns="45719" numCol="1" spcCol="38100" rtlCol="0" anchor="t" upright="0">
+      <a:bodyPr rot="0" spcFirstLastPara="1" vertOverflow="overflow" horzOverflow="overflow" vert="horz" wrap="square" lIns="91439" tIns="45719" rIns="91439" bIns="45719" numCol="1" spcCol="38100" rtlCol="0" anchor="t">
         <a:noAutofit/>
       </a:bodyPr>
       <a:lstStyle>
@@ -10800,7 +11127,7 @@
           <a:buFontTx/>
           <a:buNone/>
           <a:tabLst/>
-          <a:defRPr b="0" baseline="0" cap="none" i="0" spc="0" strike="noStrike" sz="1800" u="none" kumimoji="0" normalizeH="0">
+          <a:defRPr kumimoji="0" sz="1800" b="0" i="0" u="none" strike="noStrike" cap="none" spc="0" normalizeH="0" baseline="0">
             <a:ln>
               <a:noFill/>
             </a:ln>
@@ -10826,7 +11153,7 @@
           <a:buFontTx/>
           <a:buNone/>
           <a:tabLst/>
-          <a:defRPr b="0" baseline="0" cap="none" i="0" spc="0" strike="noStrike" sz="1800" u="none" kumimoji="0" normalizeH="0">
+          <a:defRPr kumimoji="0" sz="1800" b="0" i="0" u="none" strike="noStrike" cap="none" spc="0" normalizeH="0" baseline="0">
             <a:ln>
               <a:noFill/>
             </a:ln>
@@ -10852,7 +11179,7 @@
           <a:buFontTx/>
           <a:buNone/>
           <a:tabLst/>
-          <a:defRPr b="0" baseline="0" cap="none" i="0" spc="0" strike="noStrike" sz="1800" u="none" kumimoji="0" normalizeH="0">
+          <a:defRPr kumimoji="0" sz="1800" b="0" i="0" u="none" strike="noStrike" cap="none" spc="0" normalizeH="0" baseline="0">
             <a:ln>
               <a:noFill/>
             </a:ln>
@@ -10878,7 +11205,7 @@
           <a:buFontTx/>
           <a:buNone/>
           <a:tabLst/>
-          <a:defRPr b="0" baseline="0" cap="none" i="0" spc="0" strike="noStrike" sz="1800" u="none" kumimoji="0" normalizeH="0">
+          <a:defRPr kumimoji="0" sz="1800" b="0" i="0" u="none" strike="noStrike" cap="none" spc="0" normalizeH="0" baseline="0">
             <a:ln>
               <a:noFill/>
             </a:ln>
@@ -10904,7 +11231,7 @@
           <a:buFontTx/>
           <a:buNone/>
           <a:tabLst/>
-          <a:defRPr b="0" baseline="0" cap="none" i="0" spc="0" strike="noStrike" sz="1800" u="none" kumimoji="0" normalizeH="0">
+          <a:defRPr kumimoji="0" sz="1800" b="0" i="0" u="none" strike="noStrike" cap="none" spc="0" normalizeH="0" baseline="0">
             <a:ln>
               <a:noFill/>
             </a:ln>
@@ -10930,7 +11257,7 @@
           <a:buFontTx/>
           <a:buNone/>
           <a:tabLst/>
-          <a:defRPr b="0" baseline="0" cap="none" i="0" spc="0" strike="noStrike" sz="1800" u="none" kumimoji="0" normalizeH="0">
+          <a:defRPr kumimoji="0" sz="1800" b="0" i="0" u="none" strike="noStrike" cap="none" spc="0" normalizeH="0" baseline="0">
             <a:ln>
               <a:noFill/>
             </a:ln>
@@ -10956,7 +11283,7 @@
           <a:buFontTx/>
           <a:buNone/>
           <a:tabLst/>
-          <a:defRPr b="0" baseline="0" cap="none" i="0" spc="0" strike="noStrike" sz="1800" u="none" kumimoji="0" normalizeH="0">
+          <a:defRPr kumimoji="0" sz="1800" b="0" i="0" u="none" strike="noStrike" cap="none" spc="0" normalizeH="0" baseline="0">
             <a:ln>
               <a:noFill/>
             </a:ln>
@@ -10982,7 +11309,7 @@
           <a:buFontTx/>
           <a:buNone/>
           <a:tabLst/>
-          <a:defRPr b="0" baseline="0" cap="none" i="0" spc="0" strike="noStrike" sz="1800" u="none" kumimoji="0" normalizeH="0">
+          <a:defRPr kumimoji="0" sz="1800" b="0" i="0" u="none" strike="noStrike" cap="none" spc="0" normalizeH="0" baseline="0">
             <a:ln>
               <a:noFill/>
             </a:ln>
@@ -11008,7 +11335,7 @@
           <a:buFontTx/>
           <a:buNone/>
           <a:tabLst/>
-          <a:defRPr b="0" baseline="0" cap="none" i="0" spc="0" strike="noStrike" sz="1800" u="none" kumimoji="0" normalizeH="0">
+          <a:defRPr kumimoji="0" sz="1800" b="0" i="0" u="none" strike="noStrike" cap="none" spc="0" normalizeH="0" baseline="0">
             <a:ln>
               <a:noFill/>
             </a:ln>
@@ -11034,7 +11361,7 @@
           <a:buFontTx/>
           <a:buNone/>
           <a:tabLst/>
-          <a:defRPr b="0" baseline="0" cap="none" i="0" spc="0" strike="noStrike" sz="1800" u="none" kumimoji="0" normalizeH="0">
+          <a:defRPr kumimoji="0" sz="1800" b="0" i="0" u="none" strike="noStrike" cap="none" spc="0" normalizeH="0" baseline="0">
             <a:ln>
               <a:noFill/>
             </a:ln>
@@ -11047,9 +11374,15 @@
         </a:lvl9pPr>
       </a:lstStyle>
       <a:style>
-        <a:lnRef idx="0"/>
-        <a:fillRef idx="0"/>
-        <a:effectRef idx="0"/>
+        <a:lnRef idx="0">
+          <a:scrgbClr r="0" g="0" b="0"/>
+        </a:lnRef>
+        <a:fillRef idx="0">
+          <a:scrgbClr r="0" g="0" b="0"/>
+        </a:fillRef>
+        <a:effectRef idx="0">
+          <a:scrgbClr r="0" g="0" b="0"/>
+        </a:effectRef>
         <a:fontRef idx="none"/>
       </a:style>
     </a:lnDef>
@@ -11063,7 +11396,7 @@
         <a:effectLst/>
         <a:sp3d/>
       </a:spPr>
-      <a:bodyPr rot="0" spcFirstLastPara="1" vertOverflow="overflow" horzOverflow="overflow" vert="horz" wrap="square" lIns="50800" tIns="50800" rIns="50800" bIns="50800" numCol="1" spcCol="38100" rtlCol="0" anchor="ctr" upright="0">
+      <a:bodyPr rot="0" spcFirstLastPara="1" vertOverflow="overflow" horzOverflow="overflow" vert="horz" wrap="square" lIns="50800" tIns="50800" rIns="50800" bIns="50800" numCol="1" spcCol="38100" rtlCol="0" anchor="ctr">
         <a:spAutoFit/>
       </a:bodyPr>
       <a:lstStyle>
@@ -11082,7 +11415,7 @@
           <a:buFontTx/>
           <a:buNone/>
           <a:tabLst/>
-          <a:defRPr b="0" baseline="0" cap="none" i="0" spc="0" strike="noStrike" sz="3600" u="none" kumimoji="0" normalizeH="0">
+          <a:defRPr kumimoji="0" sz="3600" b="0" i="0" u="none" strike="noStrike" cap="none" spc="0" normalizeH="0" baseline="0">
             <a:ln>
               <a:noFill/>
             </a:ln>
@@ -11112,7 +11445,7 @@
           <a:buFontTx/>
           <a:buNone/>
           <a:tabLst/>
-          <a:defRPr b="0" baseline="0" cap="none" i="0" spc="0" strike="noStrike" sz="1800" u="none" kumimoji="0" normalizeH="0">
+          <a:defRPr kumimoji="0" sz="1800" b="0" i="0" u="none" strike="noStrike" cap="none" spc="0" normalizeH="0" baseline="0">
             <a:ln>
               <a:noFill/>
             </a:ln>
@@ -11138,7 +11471,7 @@
           <a:buFontTx/>
           <a:buNone/>
           <a:tabLst/>
-          <a:defRPr b="0" baseline="0" cap="none" i="0" spc="0" strike="noStrike" sz="1800" u="none" kumimoji="0" normalizeH="0">
+          <a:defRPr kumimoji="0" sz="1800" b="0" i="0" u="none" strike="noStrike" cap="none" spc="0" normalizeH="0" baseline="0">
             <a:ln>
               <a:noFill/>
             </a:ln>
@@ -11164,7 +11497,7 @@
           <a:buFontTx/>
           <a:buNone/>
           <a:tabLst/>
-          <a:defRPr b="0" baseline="0" cap="none" i="0" spc="0" strike="noStrike" sz="1800" u="none" kumimoji="0" normalizeH="0">
+          <a:defRPr kumimoji="0" sz="1800" b="0" i="0" u="none" strike="noStrike" cap="none" spc="0" normalizeH="0" baseline="0">
             <a:ln>
               <a:noFill/>
             </a:ln>
@@ -11190,7 +11523,7 @@
           <a:buFontTx/>
           <a:buNone/>
           <a:tabLst/>
-          <a:defRPr b="0" baseline="0" cap="none" i="0" spc="0" strike="noStrike" sz="1800" u="none" kumimoji="0" normalizeH="0">
+          <a:defRPr kumimoji="0" sz="1800" b="0" i="0" u="none" strike="noStrike" cap="none" spc="0" normalizeH="0" baseline="0">
             <a:ln>
               <a:noFill/>
             </a:ln>
@@ -11216,7 +11549,7 @@
           <a:buFontTx/>
           <a:buNone/>
           <a:tabLst/>
-          <a:defRPr b="0" baseline="0" cap="none" i="0" spc="0" strike="noStrike" sz="1800" u="none" kumimoji="0" normalizeH="0">
+          <a:defRPr kumimoji="0" sz="1800" b="0" i="0" u="none" strike="noStrike" cap="none" spc="0" normalizeH="0" baseline="0">
             <a:ln>
               <a:noFill/>
             </a:ln>
@@ -11242,7 +11575,7 @@
           <a:buFontTx/>
           <a:buNone/>
           <a:tabLst/>
-          <a:defRPr b="0" baseline="0" cap="none" i="0" spc="0" strike="noStrike" sz="1800" u="none" kumimoji="0" normalizeH="0">
+          <a:defRPr kumimoji="0" sz="1800" b="0" i="0" u="none" strike="noStrike" cap="none" spc="0" normalizeH="0" baseline="0">
             <a:ln>
               <a:noFill/>
             </a:ln>
@@ -11268,7 +11601,7 @@
           <a:buFontTx/>
           <a:buNone/>
           <a:tabLst/>
-          <a:defRPr b="0" baseline="0" cap="none" i="0" spc="0" strike="noStrike" sz="1800" u="none" kumimoji="0" normalizeH="0">
+          <a:defRPr kumimoji="0" sz="1800" b="0" i="0" u="none" strike="noStrike" cap="none" spc="0" normalizeH="0" baseline="0">
             <a:ln>
               <a:noFill/>
             </a:ln>
@@ -11294,7 +11627,7 @@
           <a:buFontTx/>
           <a:buNone/>
           <a:tabLst/>
-          <a:defRPr b="0" baseline="0" cap="none" i="0" spc="0" strike="noStrike" sz="1800" u="none" kumimoji="0" normalizeH="0">
+          <a:defRPr kumimoji="0" sz="1800" b="0" i="0" u="none" strike="noStrike" cap="none" spc="0" normalizeH="0" baseline="0">
             <a:ln>
               <a:noFill/>
             </a:ln>
@@ -11320,7 +11653,7 @@
           <a:buFontTx/>
           <a:buNone/>
           <a:tabLst/>
-          <a:defRPr b="0" baseline="0" cap="none" i="0" spc="0" strike="noStrike" sz="1800" u="none" kumimoji="0" normalizeH="0">
+          <a:defRPr kumimoji="0" sz="1800" b="0" i="0" u="none" strike="noStrike" cap="none" spc="0" normalizeH="0" baseline="0">
             <a:ln>
               <a:noFill/>
             </a:ln>
@@ -11333,12 +11666,19 @@
         </a:lvl9pPr>
       </a:lstStyle>
       <a:style>
-        <a:lnRef idx="0"/>
-        <a:fillRef idx="0"/>
-        <a:effectRef idx="0"/>
+        <a:lnRef idx="0">
+          <a:scrgbClr r="0" g="0" b="0"/>
+        </a:lnRef>
+        <a:fillRef idx="0">
+          <a:scrgbClr r="0" g="0" b="0"/>
+        </a:fillRef>
+        <a:effectRef idx="0">
+          <a:scrgbClr r="0" g="0" b="0"/>
+        </a:effectRef>
         <a:fontRef idx="none"/>
       </a:style>
     </a:txDef>
   </a:objectDefaults>
+  <a:extraClrSchemeLst/>
 </a:theme>
 </file>